--- a/AE介绍.pptx
+++ b/AE介绍.pptx
@@ -5,7 +5,7 @@
     <p:sldMasterId id="2147483648" r:id="rId1"/>
   </p:sldMasterIdLst>
   <p:notesMasterIdLst>
-    <p:notesMasterId r:id="rId24"/>
+    <p:notesMasterId r:id="rId25"/>
   </p:notesMasterIdLst>
   <p:sldIdLst>
     <p:sldId id="256" r:id="rId2"/>
@@ -13,23 +13,24 @@
     <p:sldId id="262" r:id="rId4"/>
     <p:sldId id="260" r:id="rId5"/>
     <p:sldId id="265" r:id="rId6"/>
-    <p:sldId id="266" r:id="rId7"/>
-    <p:sldId id="259" r:id="rId8"/>
-    <p:sldId id="257" r:id="rId9"/>
-    <p:sldId id="261" r:id="rId10"/>
-    <p:sldId id="267" r:id="rId11"/>
-    <p:sldId id="269" r:id="rId12"/>
-    <p:sldId id="270" r:id="rId13"/>
-    <p:sldId id="268" r:id="rId14"/>
-    <p:sldId id="272" r:id="rId15"/>
-    <p:sldId id="273" r:id="rId16"/>
-    <p:sldId id="263" r:id="rId17"/>
-    <p:sldId id="274" r:id="rId18"/>
-    <p:sldId id="276" r:id="rId19"/>
-    <p:sldId id="277" r:id="rId20"/>
-    <p:sldId id="275" r:id="rId21"/>
-    <p:sldId id="279" r:id="rId22"/>
-    <p:sldId id="278" r:id="rId23"/>
+    <p:sldId id="281" r:id="rId7"/>
+    <p:sldId id="266" r:id="rId8"/>
+    <p:sldId id="259" r:id="rId9"/>
+    <p:sldId id="257" r:id="rId10"/>
+    <p:sldId id="261" r:id="rId11"/>
+    <p:sldId id="280" r:id="rId12"/>
+    <p:sldId id="269" r:id="rId13"/>
+    <p:sldId id="270" r:id="rId14"/>
+    <p:sldId id="268" r:id="rId15"/>
+    <p:sldId id="282" r:id="rId16"/>
+    <p:sldId id="273" r:id="rId17"/>
+    <p:sldId id="263" r:id="rId18"/>
+    <p:sldId id="274" r:id="rId19"/>
+    <p:sldId id="276" r:id="rId20"/>
+    <p:sldId id="277" r:id="rId21"/>
+    <p:sldId id="275" r:id="rId22"/>
+    <p:sldId id="279" r:id="rId23"/>
+    <p:sldId id="278" r:id="rId24"/>
   </p:sldIdLst>
   <p:sldSz cx="12192000" cy="6858000"/>
   <p:notesSz cx="6858000" cy="9144000"/>
@@ -136,6 +137,18 @@
 </p:presentation>
 </file>
 
+<file path=ppt/commentAuthors.xml><?xml version="1.0" encoding="utf-8"?>
+<p:cmAuthorLst xmlns:a="http://schemas.openxmlformats.org/drawingml/2006/main" xmlns:r="http://schemas.openxmlformats.org/officeDocument/2006/relationships" xmlns:p="http://schemas.openxmlformats.org/presentationml/2006/main">
+  <p:cmAuthor id="1" name="fmy" initials="f" lastIdx="1" clrIdx="0">
+    <p:extLst>
+      <p:ext uri="{19B8F6BF-5375-455C-9EA6-DF929625EA0E}">
+        <p15:presenceInfo xmlns:p15="http://schemas.microsoft.com/office/powerpoint/2012/main" userId="fmy" providerId="None"/>
+      </p:ext>
+    </p:extLst>
+  </p:cmAuthor>
+</p:cmAuthorLst>
+</file>
+
 <file path=ppt/notesMasters/notesMaster1.xml><?xml version="1.0" encoding="utf-8"?>
 <p:notesMaster xmlns:a="http://schemas.openxmlformats.org/drawingml/2006/main" xmlns:r="http://schemas.openxmlformats.org/officeDocument/2006/relationships" xmlns:p="http://schemas.openxmlformats.org/presentationml/2006/main">
   <p:cSld>
@@ -218,7 +231,7 @@
           <a:p>
             <a:fld id="{B1D5BBB6-982B-4114-9A23-EDF259D83D16}" type="datetimeFigureOut">
               <a:rPr lang="zh-CN" altLang="en-US" smtClean="0"/>
-              <a:t>2025/6/3</a:t>
+              <a:t>2025/6/4</a:t>
             </a:fld>
             <a:endParaRPr lang="zh-CN" altLang="en-US"/>
           </a:p>
@@ -634,6 +647,90 @@
           <a:p>
             <a:fld id="{F5353030-615C-42DD-93F3-40334B447CB7}" type="slidenum">
               <a:rPr lang="zh-CN" altLang="en-US" smtClean="0"/>
+              <a:t>12</a:t>
+            </a:fld>
+            <a:endParaRPr lang="zh-CN" altLang="en-US"/>
+          </a:p>
+        </p:txBody>
+      </p:sp>
+    </p:spTree>
+    <p:extLst>
+      <p:ext uri="{BB962C8B-B14F-4D97-AF65-F5344CB8AC3E}">
+        <p14:creationId xmlns:p14="http://schemas.microsoft.com/office/powerpoint/2010/main" val="4119553594"/>
+      </p:ext>
+    </p:extLst>
+  </p:cSld>
+  <p:clrMapOvr>
+    <a:masterClrMapping/>
+  </p:clrMapOvr>
+</p:notes>
+</file>
+
+<file path=ppt/notesSlides/notesSlide11.xml><?xml version="1.0" encoding="utf-8"?>
+<p:notes xmlns:a="http://schemas.openxmlformats.org/drawingml/2006/main" xmlns:r="http://schemas.openxmlformats.org/officeDocument/2006/relationships" xmlns:p="http://schemas.openxmlformats.org/presentationml/2006/main">
+  <p:cSld>
+    <p:spTree>
+      <p:nvGrpSpPr>
+        <p:cNvPr id="1" name=""/>
+        <p:cNvGrpSpPr/>
+        <p:nvPr/>
+      </p:nvGrpSpPr>
+      <p:grpSpPr>
+        <a:xfrm>
+          <a:off x="0" y="0"/>
+          <a:ext cx="0" cy="0"/>
+          <a:chOff x="0" y="0"/>
+          <a:chExt cx="0" cy="0"/>
+        </a:xfrm>
+      </p:grpSpPr>
+      <p:sp>
+        <p:nvSpPr>
+          <p:cNvPr id="2" name="幻灯片图像占位符 1"/>
+          <p:cNvSpPr>
+            <a:spLocks noGrp="1" noRot="1" noChangeAspect="1"/>
+          </p:cNvSpPr>
+          <p:nvPr>
+            <p:ph type="sldImg"/>
+          </p:nvPr>
+        </p:nvSpPr>
+        <p:spPr/>
+      </p:sp>
+      <p:sp>
+        <p:nvSpPr>
+          <p:cNvPr id="3" name="备注占位符 2"/>
+          <p:cNvSpPr>
+            <a:spLocks noGrp="1"/>
+          </p:cNvSpPr>
+          <p:nvPr>
+            <p:ph type="body" idx="1"/>
+          </p:nvPr>
+        </p:nvSpPr>
+        <p:spPr/>
+        <p:txBody>
+          <a:bodyPr/>
+          <a:lstStyle/>
+          <a:p>
+            <a:endParaRPr lang="zh-CN" altLang="en-US" dirty="0"/>
+          </a:p>
+        </p:txBody>
+      </p:sp>
+      <p:sp>
+        <p:nvSpPr>
+          <p:cNvPr id="4" name="灯片编号占位符 3"/>
+          <p:cNvSpPr>
+            <a:spLocks noGrp="1"/>
+          </p:cNvSpPr>
+          <p:nvPr>
+            <p:ph type="sldNum" sz="quarter" idx="5"/>
+          </p:nvPr>
+        </p:nvSpPr>
+        <p:spPr/>
+        <p:txBody>
+          <a:bodyPr/>
+          <a:lstStyle/>
+          <a:p>
+            <a:fld id="{F5353030-615C-42DD-93F3-40334B447CB7}" type="slidenum">
+              <a:rPr lang="zh-CN" altLang="en-US" smtClean="0"/>
               <a:t>14</a:t>
             </a:fld>
             <a:endParaRPr lang="zh-CN" altLang="en-US"/>
@@ -643,7 +740,91 @@
     </p:spTree>
     <p:extLst>
       <p:ext uri="{BB962C8B-B14F-4D97-AF65-F5344CB8AC3E}">
-        <p14:creationId xmlns:p14="http://schemas.microsoft.com/office/powerpoint/2010/main" val="2156335453"/>
+        <p14:creationId xmlns:p14="http://schemas.microsoft.com/office/powerpoint/2010/main" val="893507722"/>
+      </p:ext>
+    </p:extLst>
+  </p:cSld>
+  <p:clrMapOvr>
+    <a:masterClrMapping/>
+  </p:clrMapOvr>
+</p:notes>
+</file>
+
+<file path=ppt/notesSlides/notesSlide12.xml><?xml version="1.0" encoding="utf-8"?>
+<p:notes xmlns:a="http://schemas.openxmlformats.org/drawingml/2006/main" xmlns:r="http://schemas.openxmlformats.org/officeDocument/2006/relationships" xmlns:p="http://schemas.openxmlformats.org/presentationml/2006/main">
+  <p:cSld>
+    <p:spTree>
+      <p:nvGrpSpPr>
+        <p:cNvPr id="1" name=""/>
+        <p:cNvGrpSpPr/>
+        <p:nvPr/>
+      </p:nvGrpSpPr>
+      <p:grpSpPr>
+        <a:xfrm>
+          <a:off x="0" y="0"/>
+          <a:ext cx="0" cy="0"/>
+          <a:chOff x="0" y="0"/>
+          <a:chExt cx="0" cy="0"/>
+        </a:xfrm>
+      </p:grpSpPr>
+      <p:sp>
+        <p:nvSpPr>
+          <p:cNvPr id="2" name="幻灯片图像占位符 1"/>
+          <p:cNvSpPr>
+            <a:spLocks noGrp="1" noRot="1" noChangeAspect="1"/>
+          </p:cNvSpPr>
+          <p:nvPr>
+            <p:ph type="sldImg"/>
+          </p:nvPr>
+        </p:nvSpPr>
+        <p:spPr/>
+      </p:sp>
+      <p:sp>
+        <p:nvSpPr>
+          <p:cNvPr id="3" name="备注占位符 2"/>
+          <p:cNvSpPr>
+            <a:spLocks noGrp="1"/>
+          </p:cNvSpPr>
+          <p:nvPr>
+            <p:ph type="body" idx="1"/>
+          </p:nvPr>
+        </p:nvSpPr>
+        <p:spPr/>
+        <p:txBody>
+          <a:bodyPr/>
+          <a:lstStyle/>
+          <a:p>
+            <a:endParaRPr lang="zh-CN" altLang="en-US" dirty="0"/>
+          </a:p>
+        </p:txBody>
+      </p:sp>
+      <p:sp>
+        <p:nvSpPr>
+          <p:cNvPr id="4" name="灯片编号占位符 3"/>
+          <p:cNvSpPr>
+            <a:spLocks noGrp="1"/>
+          </p:cNvSpPr>
+          <p:nvPr>
+            <p:ph type="sldNum" sz="quarter" idx="5"/>
+          </p:nvPr>
+        </p:nvSpPr>
+        <p:spPr/>
+        <p:txBody>
+          <a:bodyPr/>
+          <a:lstStyle/>
+          <a:p>
+            <a:fld id="{F5353030-615C-42DD-93F3-40334B447CB7}" type="slidenum">
+              <a:rPr lang="zh-CN" altLang="en-US" smtClean="0"/>
+              <a:t>15</a:t>
+            </a:fld>
+            <a:endParaRPr lang="zh-CN" altLang="en-US"/>
+          </a:p>
+        </p:txBody>
+      </p:sp>
+    </p:spTree>
+    <p:extLst>
+      <p:ext uri="{BB962C8B-B14F-4D97-AF65-F5344CB8AC3E}">
+        <p14:creationId xmlns:p14="http://schemas.microsoft.com/office/powerpoint/2010/main" val="1547991050"/>
       </p:ext>
     </p:extLst>
   </p:cSld>
@@ -972,10 +1153,6 @@
           <a:bodyPr/>
           <a:lstStyle/>
           <a:p>
-            <a:r>
-              <a:rPr lang="en-US" altLang="zh-CN" dirty="0"/>
-              <a:t> </a:t>
-            </a:r>
             <a:endParaRPr lang="zh-CN" altLang="en-US" dirty="0"/>
           </a:p>
         </p:txBody>
@@ -1006,7 +1183,7 @@
     </p:spTree>
     <p:extLst>
       <p:ext uri="{BB962C8B-B14F-4D97-AF65-F5344CB8AC3E}">
-        <p14:creationId xmlns:p14="http://schemas.microsoft.com/office/powerpoint/2010/main" val="609701960"/>
+        <p14:creationId xmlns:p14="http://schemas.microsoft.com/office/powerpoint/2010/main" val="3601220757"/>
       </p:ext>
     </p:extLst>
   </p:cSld>
@@ -1060,6 +1237,10 @@
           <a:bodyPr/>
           <a:lstStyle/>
           <a:p>
+            <a:r>
+              <a:rPr lang="en-US" altLang="zh-CN" dirty="0"/>
+              <a:t> </a:t>
+            </a:r>
             <a:endParaRPr lang="zh-CN" altLang="en-US" dirty="0"/>
           </a:p>
         </p:txBody>
@@ -1081,7 +1262,7 @@
           <a:p>
             <a:fld id="{F5353030-615C-42DD-93F3-40334B447CB7}" type="slidenum">
               <a:rPr lang="zh-CN" altLang="en-US" smtClean="0"/>
-              <a:t>8</a:t>
+              <a:t>7</a:t>
             </a:fld>
             <a:endParaRPr lang="zh-CN" altLang="en-US"/>
           </a:p>
@@ -1090,7 +1271,7 @@
     </p:spTree>
     <p:extLst>
       <p:ext uri="{BB962C8B-B14F-4D97-AF65-F5344CB8AC3E}">
-        <p14:creationId xmlns:p14="http://schemas.microsoft.com/office/powerpoint/2010/main" val="4261748274"/>
+        <p14:creationId xmlns:p14="http://schemas.microsoft.com/office/powerpoint/2010/main" val="609701960"/>
       </p:ext>
     </p:extLst>
   </p:cSld>
@@ -1174,7 +1355,7 @@
     </p:spTree>
     <p:extLst>
       <p:ext uri="{BB962C8B-B14F-4D97-AF65-F5344CB8AC3E}">
-        <p14:creationId xmlns:p14="http://schemas.microsoft.com/office/powerpoint/2010/main" val="4194683563"/>
+        <p14:creationId xmlns:p14="http://schemas.microsoft.com/office/powerpoint/2010/main" val="4261748274"/>
       </p:ext>
     </p:extLst>
   </p:cSld>
@@ -1258,7 +1439,7 @@
     </p:spTree>
     <p:extLst>
       <p:ext uri="{BB962C8B-B14F-4D97-AF65-F5344CB8AC3E}">
-        <p14:creationId xmlns:p14="http://schemas.microsoft.com/office/powerpoint/2010/main" val="1317225517"/>
+        <p14:creationId xmlns:p14="http://schemas.microsoft.com/office/powerpoint/2010/main" val="4194683563"/>
       </p:ext>
     </p:extLst>
   </p:cSld>
@@ -1333,7 +1514,7 @@
           <a:p>
             <a:fld id="{F5353030-615C-42DD-93F3-40334B447CB7}" type="slidenum">
               <a:rPr lang="zh-CN" altLang="en-US" smtClean="0"/>
-              <a:t>13</a:t>
+              <a:t>11</a:t>
             </a:fld>
             <a:endParaRPr lang="zh-CN" altLang="en-US"/>
           </a:p>
@@ -1342,7 +1523,7 @@
     </p:spTree>
     <p:extLst>
       <p:ext uri="{BB962C8B-B14F-4D97-AF65-F5344CB8AC3E}">
-        <p14:creationId xmlns:p14="http://schemas.microsoft.com/office/powerpoint/2010/main" val="893507722"/>
+        <p14:creationId xmlns:p14="http://schemas.microsoft.com/office/powerpoint/2010/main" val="74244024"/>
       </p:ext>
     </p:extLst>
   </p:cSld>
@@ -1481,7 +1662,7 @@
           <a:p>
             <a:fld id="{D997B5FA-0921-464F-AAE1-844C04324D75}" type="datetimeFigureOut">
               <a:rPr lang="zh-CN" altLang="en-US" smtClean="0"/>
-              <a:t>2025/6/3</a:t>
+              <a:t>2025/6/4</a:t>
             </a:fld>
             <a:endParaRPr lang="zh-CN" altLang="en-US"/>
           </a:p>
@@ -1644,7 +1825,7 @@
           <a:p>
             <a:fld id="{D997B5FA-0921-464F-AAE1-844C04324D75}" type="datetimeFigureOut">
               <a:rPr lang="zh-CN" altLang="en-US" smtClean="0"/>
-              <a:t>2025/6/3</a:t>
+              <a:t>2025/6/4</a:t>
             </a:fld>
             <a:endParaRPr lang="zh-CN" altLang="en-US"/>
           </a:p>
@@ -1817,7 +1998,7 @@
           <a:p>
             <a:fld id="{D997B5FA-0921-464F-AAE1-844C04324D75}" type="datetimeFigureOut">
               <a:rPr lang="zh-CN" altLang="en-US" smtClean="0"/>
-              <a:t>2025/6/3</a:t>
+              <a:t>2025/6/4</a:t>
             </a:fld>
             <a:endParaRPr lang="zh-CN" altLang="en-US"/>
           </a:p>
@@ -1980,7 +2161,7 @@
           <a:p>
             <a:fld id="{D997B5FA-0921-464F-AAE1-844C04324D75}" type="datetimeFigureOut">
               <a:rPr lang="zh-CN" altLang="en-US" smtClean="0"/>
-              <a:t>2025/6/3</a:t>
+              <a:t>2025/6/4</a:t>
             </a:fld>
             <a:endParaRPr lang="zh-CN" altLang="en-US"/>
           </a:p>
@@ -2220,7 +2401,7 @@
           <a:p>
             <a:fld id="{D997B5FA-0921-464F-AAE1-844C04324D75}" type="datetimeFigureOut">
               <a:rPr lang="zh-CN" altLang="en-US" smtClean="0"/>
-              <a:t>2025/6/3</a:t>
+              <a:t>2025/6/4</a:t>
             </a:fld>
             <a:endParaRPr lang="zh-CN" altLang="en-US"/>
           </a:p>
@@ -2444,7 +2625,7 @@
           <a:p>
             <a:fld id="{D997B5FA-0921-464F-AAE1-844C04324D75}" type="datetimeFigureOut">
               <a:rPr lang="zh-CN" altLang="en-US" smtClean="0"/>
-              <a:t>2025/6/3</a:t>
+              <a:t>2025/6/4</a:t>
             </a:fld>
             <a:endParaRPr lang="zh-CN" altLang="en-US"/>
           </a:p>
@@ -2803,7 +2984,7 @@
           <a:p>
             <a:fld id="{D997B5FA-0921-464F-AAE1-844C04324D75}" type="datetimeFigureOut">
               <a:rPr lang="zh-CN" altLang="en-US" smtClean="0"/>
-              <a:t>2025/6/3</a:t>
+              <a:t>2025/6/4</a:t>
             </a:fld>
             <a:endParaRPr lang="zh-CN" altLang="en-US"/>
           </a:p>
@@ -2915,7 +3096,7 @@
           <a:p>
             <a:fld id="{D997B5FA-0921-464F-AAE1-844C04324D75}" type="datetimeFigureOut">
               <a:rPr lang="zh-CN" altLang="en-US" smtClean="0"/>
-              <a:t>2025/6/3</a:t>
+              <a:t>2025/6/4</a:t>
             </a:fld>
             <a:endParaRPr lang="zh-CN" altLang="en-US"/>
           </a:p>
@@ -3005,7 +3186,7 @@
           <a:p>
             <a:fld id="{D997B5FA-0921-464F-AAE1-844C04324D75}" type="datetimeFigureOut">
               <a:rPr lang="zh-CN" altLang="en-US" smtClean="0"/>
-              <a:t>2025/6/3</a:t>
+              <a:t>2025/6/4</a:t>
             </a:fld>
             <a:endParaRPr lang="zh-CN" altLang="en-US"/>
           </a:p>
@@ -3275,7 +3456,7 @@
           <a:p>
             <a:fld id="{D997B5FA-0921-464F-AAE1-844C04324D75}" type="datetimeFigureOut">
               <a:rPr lang="zh-CN" altLang="en-US" smtClean="0"/>
-              <a:t>2025/6/3</a:t>
+              <a:t>2025/6/4</a:t>
             </a:fld>
             <a:endParaRPr lang="zh-CN" altLang="en-US"/>
           </a:p>
@@ -3522,7 +3703,7 @@
           <a:p>
             <a:fld id="{D997B5FA-0921-464F-AAE1-844C04324D75}" type="datetimeFigureOut">
               <a:rPr lang="zh-CN" altLang="en-US" smtClean="0"/>
-              <a:t>2025/6/3</a:t>
+              <a:t>2025/6/4</a:t>
             </a:fld>
             <a:endParaRPr lang="zh-CN" altLang="en-US"/>
           </a:p>
@@ -3728,7 +3909,7 @@
           <a:p>
             <a:fld id="{D997B5FA-0921-464F-AAE1-844C04324D75}" type="datetimeFigureOut">
               <a:rPr lang="zh-CN" altLang="en-US" smtClean="0"/>
-              <a:t>2025/6/3</a:t>
+              <a:t>2025/6/4</a:t>
             </a:fld>
             <a:endParaRPr lang="zh-CN" altLang="en-US"/>
           </a:p>
@@ -4190,7 +4371,9 @@
           <a:lstStyle/>
           <a:p>
             <a:r>
-              <a:rPr lang="zh-CN" altLang="en-US" dirty="0"/>
+              <a:rPr lang="zh-CN" altLang="en-US" dirty="0">
+                <a:latin typeface="+mn-ea"/>
+              </a:rPr>
               <a:t>汇报人： 冯敏远</a:t>
             </a:r>
           </a:p>
@@ -4210,7 +4393,7 @@
         </p:nvSpPr>
         <p:spPr>
           <a:xfrm>
-            <a:off x="7446982" y="5851282"/>
+            <a:off x="6719194" y="6159193"/>
             <a:ext cx="6094206" cy="369332"/>
           </a:xfrm>
           <a:prstGeom prst="rect">
@@ -4225,7 +4408,9 @@
           <a:lstStyle/>
           <a:p>
             <a:r>
-              <a:rPr lang="zh-CN" altLang="en-US" dirty="0"/>
+              <a:rPr lang="zh-CN" altLang="en-US" dirty="0">
+                <a:latin typeface="+mn-ea"/>
+              </a:rPr>
               <a:t>参考 https://zhuanlan.zhihu.com/p/460805807</a:t>
             </a:r>
           </a:p>
@@ -4349,8 +4534,8 @@
         </p:nvSpPr>
         <p:spPr>
           <a:xfrm>
-            <a:off x="721715" y="1205612"/>
-            <a:ext cx="8357739" cy="3277820"/>
+            <a:off x="126750" y="1205612"/>
+            <a:ext cx="9369452" cy="3277820"/>
           </a:xfrm>
           <a:prstGeom prst="rect">
             <a:avLst/>
@@ -4372,20 +4557,20 @@
             <a:r>
               <a:rPr lang="en-US" altLang="zh-CN" b="1" i="0" u="none" strike="noStrike" dirty="0">
                 <a:solidFill>
-                  <a:srgbClr val="FF0000"/>
-                </a:solidFill>
-                <a:effectLst/>
-                <a:latin typeface="-apple-system"/>
+                  <a:schemeClr val="accent1"/>
+                </a:solidFill>
+                <a:effectLst/>
+                <a:latin typeface="+mn-ea"/>
               </a:rPr>
               <a:t>Artifact Available</a:t>
             </a:r>
             <a:r>
               <a:rPr lang="zh-CN" altLang="en-US" b="1" i="0" u="none" strike="noStrike" dirty="0">
                 <a:solidFill>
-                  <a:srgbClr val="FF0000"/>
-                </a:solidFill>
-                <a:effectLst/>
-                <a:latin typeface="-apple-system"/>
+                  <a:schemeClr val="accent1"/>
+                </a:solidFill>
+                <a:effectLst/>
+                <a:latin typeface="+mn-ea"/>
               </a:rPr>
               <a:t>：</a:t>
             </a:r>
@@ -4395,7 +4580,7 @@
                   <a:srgbClr val="191B1F"/>
                 </a:solidFill>
                 <a:effectLst/>
-                <a:latin typeface="-apple-system"/>
+                <a:latin typeface="+mn-ea"/>
               </a:rPr>
               <a:t>需保证相关的代码或系统可被公开获取</a:t>
             </a:r>
@@ -4404,7 +4589,7 @@
                 <a:srgbClr val="191B1F"/>
               </a:solidFill>
               <a:effectLst/>
-              <a:latin typeface="-apple-system"/>
+              <a:latin typeface="+mn-ea"/>
             </a:endParaRPr>
           </a:p>
           <a:p>
@@ -4417,20 +4602,20 @@
             <a:r>
               <a:rPr lang="en-US" altLang="zh-CN" b="1" i="0" u="none" strike="noStrike" dirty="0">
                 <a:solidFill>
-                  <a:srgbClr val="FF0000"/>
-                </a:solidFill>
-                <a:effectLst/>
-                <a:latin typeface="-apple-system"/>
+                  <a:schemeClr val="accent1"/>
+                </a:solidFill>
+                <a:effectLst/>
+                <a:latin typeface="+mn-ea"/>
               </a:rPr>
               <a:t>Functional</a:t>
             </a:r>
             <a:r>
               <a:rPr lang="zh-CN" altLang="en-US" b="1" i="0" u="none" strike="noStrike" dirty="0">
                 <a:solidFill>
-                  <a:srgbClr val="FF0000"/>
-                </a:solidFill>
-                <a:effectLst/>
-                <a:latin typeface="-apple-system"/>
+                  <a:schemeClr val="accent1"/>
+                </a:solidFill>
+                <a:effectLst/>
+                <a:latin typeface="+mn-ea"/>
               </a:rPr>
               <a:t>：</a:t>
             </a:r>
@@ -4440,7 +4625,7 @@
                   <a:srgbClr val="191B1F"/>
                 </a:solidFill>
                 <a:effectLst/>
-                <a:latin typeface="-apple-system"/>
+                <a:latin typeface="+mn-ea"/>
               </a:rPr>
               <a:t>需保证代码或系统在功能、可用性和相关性方面是否与论文一致，即这些代码或系统是否有效，能否支撑论文中的结果</a:t>
             </a:r>
@@ -4449,7 +4634,7 @@
                 <a:srgbClr val="191B1F"/>
               </a:solidFill>
               <a:effectLst/>
-              <a:latin typeface="-apple-system"/>
+              <a:latin typeface="+mn-ea"/>
             </a:endParaRPr>
           </a:p>
           <a:p>
@@ -4465,7 +4650,7 @@
                   <a:schemeClr val="accent1"/>
                 </a:solidFill>
                 <a:effectLst/>
-                <a:latin typeface="-apple-system"/>
+                <a:latin typeface="+mn-ea"/>
               </a:rPr>
               <a:t>Reusable</a:t>
             </a:r>
@@ -4474,7 +4659,7 @@
                 <a:solidFill>
                   <a:schemeClr val="accent1"/>
                 </a:solidFill>
-                <a:latin typeface="-apple-system"/>
+                <a:latin typeface="+mn-ea"/>
               </a:rPr>
               <a:t>：</a:t>
             </a:r>
@@ -4483,7 +4668,7 @@
                 <a:solidFill>
                   <a:srgbClr val="191B1F"/>
                 </a:solidFill>
-                <a:latin typeface="-apple-system"/>
+                <a:latin typeface="+mn-ea"/>
               </a:rPr>
               <a:t>比</a:t>
             </a:r>
@@ -4492,7 +4677,7 @@
                 <a:solidFill>
                   <a:srgbClr val="191B1F"/>
                 </a:solidFill>
-                <a:latin typeface="-apple-system"/>
+                <a:latin typeface="+mn-ea"/>
               </a:rPr>
               <a:t>Functional </a:t>
             </a:r>
@@ -4501,7 +4686,7 @@
                 <a:solidFill>
                   <a:srgbClr val="191B1F"/>
                 </a:solidFill>
-                <a:latin typeface="-apple-system"/>
+                <a:latin typeface="+mn-ea"/>
               </a:rPr>
               <a:t>多了更详细的文档、代码等。</a:t>
             </a:r>
@@ -4509,7 +4694,7 @@
               <a:solidFill>
                 <a:srgbClr val="191B1F"/>
               </a:solidFill>
-              <a:latin typeface="-apple-system"/>
+              <a:latin typeface="+mn-ea"/>
             </a:endParaRPr>
           </a:p>
           <a:p>
@@ -4525,7 +4710,7 @@
                   <a:schemeClr val="accent1"/>
                 </a:solidFill>
                 <a:effectLst/>
-                <a:latin typeface="-apple-system"/>
+                <a:latin typeface="+mn-ea"/>
               </a:rPr>
               <a:t>Results Replicated</a:t>
             </a:r>
@@ -4535,7 +4720,7 @@
                   <a:schemeClr val="accent1"/>
                 </a:solidFill>
                 <a:effectLst/>
-                <a:latin typeface="-apple-system"/>
+                <a:latin typeface="+mn-ea"/>
               </a:rPr>
               <a:t>：</a:t>
             </a:r>
@@ -4545,7 +4730,7 @@
                   <a:srgbClr val="191B1F"/>
                 </a:solidFill>
                 <a:effectLst/>
-                <a:latin typeface="-apple-system"/>
+                <a:latin typeface="+mn-ea"/>
               </a:rPr>
               <a:t>需要通过作者提供的材料，能够独立获得论文中提出的主要结果。（一般用</a:t>
             </a:r>
@@ -4555,17 +4740,26 @@
                   <a:srgbClr val="191B1F"/>
                 </a:solidFill>
                 <a:effectLst/>
-                <a:latin typeface="-apple-system"/>
+                <a:latin typeface="+mn-ea"/>
               </a:rPr>
               <a:t>5</a:t>
             </a:r>
             <a:r>
+              <a:rPr lang="en-US" altLang="zh-CN" dirty="0">
+                <a:solidFill>
+                  <a:srgbClr val="191B1F"/>
+                </a:solidFill>
+                <a:latin typeface="+mn-ea"/>
+              </a:rPr>
+              <a:t>.</a:t>
+            </a:r>
+            <a:r>
               <a:rPr lang="en-US" altLang="zh-CN" b="0" i="0" u="none" strike="noStrike" dirty="0">
                 <a:solidFill>
                   <a:srgbClr val="191B1F"/>
                 </a:solidFill>
                 <a:effectLst/>
-                <a:latin typeface="-apple-system"/>
+                <a:latin typeface="+mn-ea"/>
               </a:rPr>
               <a:t> Results Reproduced</a:t>
             </a:r>
@@ -4574,9 +4768,9 @@
                 <a:solidFill>
                   <a:srgbClr val="191B1F"/>
                 </a:solidFill>
-                <a:latin typeface="-apple-system"/>
-              </a:rPr>
-              <a:t> </a:t>
+                <a:latin typeface="+mn-ea"/>
+              </a:rPr>
+              <a:t> 替代</a:t>
             </a:r>
             <a:r>
               <a:rPr lang="zh-CN" altLang="en-US" b="0" i="0" dirty="0">
@@ -4584,67 +4778,69 @@
                   <a:srgbClr val="191B1F"/>
                 </a:solidFill>
                 <a:effectLst/>
-                <a:latin typeface="-apple-system"/>
+                <a:latin typeface="+mn-ea"/>
               </a:rPr>
               <a:t>）</a:t>
+            </a:r>
+            <a:endParaRPr lang="en-US" altLang="zh-CN" dirty="0">
+              <a:solidFill>
+                <a:srgbClr val="191B1F"/>
+              </a:solidFill>
+              <a:latin typeface="+mn-ea"/>
+            </a:endParaRPr>
+          </a:p>
+          <a:p>
+            <a:pPr marL="342900" indent="-342900">
+              <a:lnSpc>
+                <a:spcPct val="150000"/>
+              </a:lnSpc>
+              <a:buAutoNum type="arabicPeriod"/>
+            </a:pPr>
+            <a:r>
+              <a:rPr lang="en-US" altLang="zh-CN" b="1" i="0" u="none" strike="noStrike" dirty="0">
+                <a:solidFill>
+                  <a:schemeClr val="accent1"/>
+                </a:solidFill>
+                <a:effectLst/>
+                <a:latin typeface="+mn-ea"/>
+              </a:rPr>
+              <a:t>Results Reproduced</a:t>
+            </a:r>
+            <a:r>
+              <a:rPr lang="zh-CN" altLang="en-US" b="1" i="0" u="none" strike="noStrike" dirty="0">
+                <a:solidFill>
+                  <a:schemeClr val="accent1"/>
+                </a:solidFill>
+                <a:effectLst/>
+                <a:latin typeface="+mn-ea"/>
+              </a:rPr>
+              <a:t>：</a:t>
+            </a:r>
+            <a:r>
+              <a:rPr lang="zh-CN" altLang="en-US" b="0" i="0" dirty="0">
+                <a:solidFill>
+                  <a:srgbClr val="191B1F"/>
+                </a:solidFill>
+                <a:effectLst/>
+                <a:latin typeface="+mn-ea"/>
+              </a:rPr>
+              <a:t>在允许的容差范围内独立生成结果，以便验证论文的结论。</a:t>
             </a:r>
             <a:endParaRPr lang="en-US" altLang="zh-CN" b="0" i="0" dirty="0">
               <a:solidFill>
                 <a:srgbClr val="191B1F"/>
               </a:solidFill>
               <a:effectLst/>
-              <a:latin typeface="-apple-system"/>
-            </a:endParaRPr>
-          </a:p>
-          <a:p>
-            <a:pPr>
-              <a:lnSpc>
-                <a:spcPct val="150000"/>
-              </a:lnSpc>
-            </a:pPr>
-            <a:r>
-              <a:rPr lang="en-US" altLang="zh-CN" b="1" i="0" u="none" strike="noStrike" dirty="0">
-                <a:solidFill>
-                  <a:srgbClr val="FF0000"/>
-                </a:solidFill>
-                <a:effectLst/>
-                <a:latin typeface="-apple-system"/>
-              </a:rPr>
-              <a:t>5.   Results Reproduced</a:t>
-            </a:r>
-            <a:r>
-              <a:rPr lang="zh-CN" altLang="en-US" b="1" i="0" u="none" strike="noStrike" dirty="0">
-                <a:solidFill>
-                  <a:srgbClr val="FF0000"/>
-                </a:solidFill>
-                <a:effectLst/>
-                <a:latin typeface="-apple-system"/>
-              </a:rPr>
-              <a:t>：</a:t>
-            </a:r>
-            <a:r>
-              <a:rPr lang="zh-CN" altLang="en-US" b="0" i="0" dirty="0">
-                <a:solidFill>
-                  <a:srgbClr val="191B1F"/>
-                </a:solidFill>
-                <a:effectLst/>
-                <a:latin typeface="-apple-system"/>
-              </a:rPr>
-              <a:t>在允许的容差范围内独立生成结果，以便验证论文的结论。</a:t>
-            </a:r>
-            <a:endParaRPr lang="en-US" altLang="zh-CN" b="0" i="0" dirty="0">
-              <a:solidFill>
-                <a:srgbClr val="191B1F"/>
-              </a:solidFill>
-              <a:effectLst/>
-              <a:latin typeface="-apple-system"/>
+              <a:latin typeface="+mn-ea"/>
             </a:endParaRPr>
           </a:p>
           <a:p>
             <a:pPr marL="342900" indent="-342900">
               <a:buAutoNum type="arabicPeriod"/>
             </a:pPr>
-            <a:endParaRPr lang="zh-CN" altLang="en-US" dirty="0"/>
+            <a:endParaRPr lang="zh-CN" altLang="en-US" dirty="0">
+              <a:latin typeface="+mn-ea"/>
+            </a:endParaRPr>
           </a:p>
         </p:txBody>
       </p:sp>
@@ -4768,6 +4964,36 @@
           </a:prstGeom>
         </p:spPr>
       </p:pic>
+      <p:pic>
+        <p:nvPicPr>
+          <p:cNvPr id="16" name="图片 15">
+            <a:extLst>
+              <a:ext uri="{FF2B5EF4-FFF2-40B4-BE49-F238E27FC236}">
+                <a16:creationId xmlns:a16="http://schemas.microsoft.com/office/drawing/2014/main" id="{EED64789-54EA-4BC8-8220-73EA1A23FB0E}"/>
+              </a:ext>
+            </a:extLst>
+          </p:cNvPr>
+          <p:cNvPicPr>
+            <a:picLocks noChangeAspect="1"/>
+          </p:cNvPicPr>
+          <p:nvPr/>
+        </p:nvPicPr>
+        <p:blipFill>
+          <a:blip r:embed="rId7"/>
+          <a:stretch>
+            <a:fillRect/>
+          </a:stretch>
+        </p:blipFill>
+        <p:spPr>
+          <a:xfrm>
+            <a:off x="9496202" y="5081676"/>
+            <a:ext cx="933450" cy="952500"/>
+          </a:xfrm>
+          <a:prstGeom prst="rect">
+            <a:avLst/>
+          </a:prstGeom>
+        </p:spPr>
+      </p:pic>
       <p:sp>
         <p:nvSpPr>
           <p:cNvPr id="17" name="箭头: 下 16">
@@ -4810,46 +5036,18 @@
           <a:lstStyle/>
           <a:p>
             <a:pPr algn="ctr"/>
-            <a:endParaRPr lang="zh-CN" altLang="en-US"/>
+            <a:endParaRPr lang="zh-CN" altLang="en-US">
+              <a:latin typeface="+mn-ea"/>
+            </a:endParaRPr>
           </a:p>
         </p:txBody>
       </p:sp>
       <p:pic>
         <p:nvPicPr>
-          <p:cNvPr id="11" name="图片 10">
+          <p:cNvPr id="20" name="Picture 4" descr="ACM Research - Wikipedia">
             <a:extLst>
               <a:ext uri="{FF2B5EF4-FFF2-40B4-BE49-F238E27FC236}">
-                <a16:creationId xmlns:a16="http://schemas.microsoft.com/office/drawing/2014/main" id="{1DA52038-A011-48B5-9A91-D4AB49DBC4FC}"/>
-              </a:ext>
-            </a:extLst>
-          </p:cNvPr>
-          <p:cNvPicPr>
-            <a:picLocks noChangeAspect="1"/>
-          </p:cNvPicPr>
-          <p:nvPr/>
-        </p:nvPicPr>
-        <p:blipFill>
-          <a:blip r:embed="rId7"/>
-          <a:stretch>
-            <a:fillRect/>
-          </a:stretch>
-        </p:blipFill>
-        <p:spPr>
-          <a:xfrm>
-            <a:off x="9496202" y="5081676"/>
-            <a:ext cx="933450" cy="952500"/>
-          </a:xfrm>
-          <a:prstGeom prst="rect">
-            <a:avLst/>
-          </a:prstGeom>
-        </p:spPr>
-      </p:pic>
-      <p:pic>
-        <p:nvPicPr>
-          <p:cNvPr id="13" name="Picture 4" descr="ACM Research - Wikipedia">
-            <a:extLst>
-              <a:ext uri="{FF2B5EF4-FFF2-40B4-BE49-F238E27FC236}">
-                <a16:creationId xmlns:a16="http://schemas.microsoft.com/office/drawing/2014/main" id="{EB2EE2A6-5520-4611-8205-AC02F3D5658F}"/>
+                <a16:creationId xmlns:a16="http://schemas.microsoft.com/office/drawing/2014/main" id="{6720D7C4-ADCE-40F9-B407-F779C9EF4993}"/>
               </a:ext>
             </a:extLst>
           </p:cNvPr>
@@ -4893,10 +5091,10 @@
       </p:pic>
       <p:sp>
         <p:nvSpPr>
-          <p:cNvPr id="15" name="文本框 14">
+          <p:cNvPr id="22" name="文本框 21">
             <a:extLst>
               <a:ext uri="{FF2B5EF4-FFF2-40B4-BE49-F238E27FC236}">
-                <a16:creationId xmlns:a16="http://schemas.microsoft.com/office/drawing/2014/main" id="{C3C9AED9-3317-44CA-8A07-89BD4B698B53}"/>
+                <a16:creationId xmlns:a16="http://schemas.microsoft.com/office/drawing/2014/main" id="{4D15EA12-E709-45B4-A540-1CD356B5035A}"/>
               </a:ext>
             </a:extLst>
           </p:cNvPr>
@@ -4905,8 +5103,8 @@
         </p:nvSpPr>
         <p:spPr>
           <a:xfrm>
-            <a:off x="4147018" y="6301775"/>
-            <a:ext cx="8162702" cy="369332"/>
+            <a:off x="4147018" y="6301884"/>
+            <a:ext cx="8162702" cy="338554"/>
           </a:xfrm>
           <a:prstGeom prst="rect">
             <a:avLst/>
@@ -4920,7 +5118,9 @@
           <a:lstStyle/>
           <a:p>
             <a:r>
-              <a:rPr lang="zh-CN" altLang="en-US" dirty="0"/>
+              <a:rPr lang="zh-CN" altLang="en-US" sz="1600" dirty="0">
+                <a:latin typeface="+mn-ea"/>
+              </a:rPr>
               <a:t>https://www.acm.org/publications/policies/artifact-review-and-badging-current</a:t>
             </a:r>
           </a:p>
@@ -4929,7 +5129,7 @@
     </p:spTree>
     <p:extLst>
       <p:ext uri="{BB962C8B-B14F-4D97-AF65-F5344CB8AC3E}">
-        <p14:creationId xmlns:p14="http://schemas.microsoft.com/office/powerpoint/2010/main" val="3803906429"/>
+        <p14:creationId xmlns:p14="http://schemas.microsoft.com/office/powerpoint/2010/main" val="3203904422"/>
       </p:ext>
     </p:extLst>
   </p:cSld>
@@ -4940,6 +5140,716 @@
 </file>
 
 <file path=ppt/slides/slide11.xml><?xml version="1.0" encoding="utf-8"?>
+<p:sld xmlns:a="http://schemas.openxmlformats.org/drawingml/2006/main" xmlns:r="http://schemas.openxmlformats.org/officeDocument/2006/relationships" xmlns:p="http://schemas.openxmlformats.org/presentationml/2006/main">
+  <p:cSld>
+    <p:spTree>
+      <p:nvGrpSpPr>
+        <p:cNvPr id="1" name=""/>
+        <p:cNvGrpSpPr/>
+        <p:nvPr/>
+      </p:nvGrpSpPr>
+      <p:grpSpPr>
+        <a:xfrm>
+          <a:off x="0" y="0"/>
+          <a:ext cx="0" cy="0"/>
+          <a:chOff x="0" y="0"/>
+          <a:chExt cx="0" cy="0"/>
+        </a:xfrm>
+      </p:grpSpPr>
+      <p:sp>
+        <p:nvSpPr>
+          <p:cNvPr id="6" name="文本框 5">
+            <a:extLst>
+              <a:ext uri="{FF2B5EF4-FFF2-40B4-BE49-F238E27FC236}">
+                <a16:creationId xmlns:a16="http://schemas.microsoft.com/office/drawing/2014/main" id="{4BC792E6-1C1D-4A57-962F-3F26F08752B0}"/>
+              </a:ext>
+            </a:extLst>
+          </p:cNvPr>
+          <p:cNvSpPr txBox="1"/>
+          <p:nvPr/>
+        </p:nvSpPr>
+        <p:spPr>
+          <a:xfrm>
+            <a:off x="443752" y="386839"/>
+            <a:ext cx="11748248" cy="461665"/>
+          </a:xfrm>
+          <a:prstGeom prst="rect">
+            <a:avLst/>
+          </a:prstGeom>
+          <a:noFill/>
+        </p:spPr>
+        <p:txBody>
+          <a:bodyPr wrap="square">
+            <a:spAutoFit/>
+          </a:bodyPr>
+          <a:lstStyle/>
+          <a:p>
+            <a:r>
+              <a:rPr lang="en-US" altLang="zh-CN" sz="2400" b="0" i="0" dirty="0">
+                <a:solidFill>
+                  <a:srgbClr val="191B1F"/>
+                </a:solidFill>
+                <a:effectLst/>
+                <a:latin typeface="+mn-ea"/>
+              </a:rPr>
+              <a:t>AE</a:t>
+            </a:r>
+            <a:r>
+              <a:rPr lang="zh-CN" altLang="en-US" sz="2400" b="0" i="0" dirty="0">
+                <a:solidFill>
+                  <a:srgbClr val="191B1F"/>
+                </a:solidFill>
+                <a:effectLst/>
+                <a:latin typeface="+mn-ea"/>
+              </a:rPr>
+              <a:t>的结果一般由徽章体现，不同的徽章表明提交的</a:t>
+            </a:r>
+            <a:r>
+              <a:rPr lang="en-US" altLang="zh-CN" sz="2400" b="0" i="0" dirty="0">
+                <a:solidFill>
+                  <a:srgbClr val="191B1F"/>
+                </a:solidFill>
+                <a:effectLst/>
+                <a:latin typeface="+mn-ea"/>
+              </a:rPr>
+              <a:t>AE</a:t>
+            </a:r>
+            <a:r>
+              <a:rPr lang="zh-CN" altLang="en-US" sz="2400" b="0" i="0" dirty="0">
+                <a:solidFill>
+                  <a:srgbClr val="191B1F"/>
+                </a:solidFill>
+                <a:effectLst/>
+                <a:latin typeface="+mn-ea"/>
+              </a:rPr>
+              <a:t>材料通过相应的审核。</a:t>
+            </a:r>
+            <a:endParaRPr lang="zh-CN" altLang="en-US" sz="2400" dirty="0">
+              <a:latin typeface="+mn-ea"/>
+            </a:endParaRPr>
+          </a:p>
+        </p:txBody>
+      </p:sp>
+      <p:sp>
+        <p:nvSpPr>
+          <p:cNvPr id="5" name="文本框 4">
+            <a:extLst>
+              <a:ext uri="{FF2B5EF4-FFF2-40B4-BE49-F238E27FC236}">
+                <a16:creationId xmlns:a16="http://schemas.microsoft.com/office/drawing/2014/main" id="{5AF28F9E-596B-4C81-83FE-5B5ED7B83124}"/>
+              </a:ext>
+            </a:extLst>
+          </p:cNvPr>
+          <p:cNvSpPr txBox="1"/>
+          <p:nvPr/>
+        </p:nvSpPr>
+        <p:spPr>
+          <a:xfrm>
+            <a:off x="126750" y="1205612"/>
+            <a:ext cx="9369452" cy="3277820"/>
+          </a:xfrm>
+          <a:prstGeom prst="rect">
+            <a:avLst/>
+          </a:prstGeom>
+          <a:noFill/>
+        </p:spPr>
+        <p:txBody>
+          <a:bodyPr wrap="square" rtlCol="0">
+            <a:spAutoFit/>
+          </a:bodyPr>
+          <a:lstStyle/>
+          <a:p>
+            <a:pPr marL="342900" indent="-342900">
+              <a:lnSpc>
+                <a:spcPct val="150000"/>
+              </a:lnSpc>
+              <a:buAutoNum type="arabicPeriod"/>
+            </a:pPr>
+            <a:r>
+              <a:rPr lang="en-US" altLang="zh-CN" b="1" i="0" u="none" strike="noStrike" dirty="0">
+                <a:solidFill>
+                  <a:srgbClr val="FF0000"/>
+                </a:solidFill>
+                <a:effectLst/>
+                <a:latin typeface="+mn-ea"/>
+              </a:rPr>
+              <a:t>Artifact Available</a:t>
+            </a:r>
+            <a:r>
+              <a:rPr lang="zh-CN" altLang="en-US" b="1" i="0" u="none" strike="noStrike" dirty="0">
+                <a:solidFill>
+                  <a:schemeClr val="accent1"/>
+                </a:solidFill>
+                <a:effectLst/>
+                <a:latin typeface="+mn-ea"/>
+              </a:rPr>
+              <a:t>：</a:t>
+            </a:r>
+            <a:r>
+              <a:rPr lang="zh-CN" altLang="en-US" b="0" i="0" dirty="0">
+                <a:solidFill>
+                  <a:srgbClr val="191B1F"/>
+                </a:solidFill>
+                <a:effectLst/>
+                <a:latin typeface="+mn-ea"/>
+              </a:rPr>
+              <a:t>需保证相关的代码或系统可被公开获取</a:t>
+            </a:r>
+            <a:endParaRPr lang="en-US" altLang="zh-CN" b="0" i="0" u="none" strike="noStrike" dirty="0">
+              <a:solidFill>
+                <a:srgbClr val="191B1F"/>
+              </a:solidFill>
+              <a:effectLst/>
+              <a:latin typeface="+mn-ea"/>
+            </a:endParaRPr>
+          </a:p>
+          <a:p>
+            <a:pPr marL="342900" indent="-342900">
+              <a:lnSpc>
+                <a:spcPct val="150000"/>
+              </a:lnSpc>
+              <a:buAutoNum type="arabicPeriod"/>
+            </a:pPr>
+            <a:r>
+              <a:rPr lang="en-US" altLang="zh-CN" b="1" i="0" u="none" strike="noStrike" dirty="0">
+                <a:solidFill>
+                  <a:srgbClr val="FF0000"/>
+                </a:solidFill>
+                <a:effectLst/>
+                <a:latin typeface="+mn-ea"/>
+              </a:rPr>
+              <a:t>Functional</a:t>
+            </a:r>
+            <a:r>
+              <a:rPr lang="zh-CN" altLang="en-US" b="1" i="0" u="none" strike="noStrike" dirty="0">
+                <a:solidFill>
+                  <a:srgbClr val="FF0000"/>
+                </a:solidFill>
+                <a:effectLst/>
+                <a:latin typeface="+mn-ea"/>
+              </a:rPr>
+              <a:t>：</a:t>
+            </a:r>
+            <a:r>
+              <a:rPr lang="zh-CN" altLang="en-US" b="0" i="0" dirty="0">
+                <a:solidFill>
+                  <a:srgbClr val="191B1F"/>
+                </a:solidFill>
+                <a:effectLst/>
+                <a:latin typeface="+mn-ea"/>
+              </a:rPr>
+              <a:t>需保证代码或系统在功能、可用性和相关性方面是否与论文一致，即这些代码或系统是否有效，能否支撑论文中的结果</a:t>
+            </a:r>
+            <a:endParaRPr lang="en-US" altLang="zh-CN" b="0" i="0" dirty="0">
+              <a:solidFill>
+                <a:srgbClr val="191B1F"/>
+              </a:solidFill>
+              <a:effectLst/>
+              <a:latin typeface="+mn-ea"/>
+            </a:endParaRPr>
+          </a:p>
+          <a:p>
+            <a:pPr marL="342900" indent="-342900">
+              <a:lnSpc>
+                <a:spcPct val="150000"/>
+              </a:lnSpc>
+              <a:buAutoNum type="arabicPeriod"/>
+            </a:pPr>
+            <a:r>
+              <a:rPr lang="en-US" altLang="zh-CN" b="1" i="0" u="none" strike="noStrike" dirty="0">
+                <a:solidFill>
+                  <a:schemeClr val="accent1"/>
+                </a:solidFill>
+                <a:effectLst/>
+                <a:latin typeface="+mn-ea"/>
+              </a:rPr>
+              <a:t>Reusable</a:t>
+            </a:r>
+            <a:r>
+              <a:rPr lang="zh-CN" altLang="en-US" b="1" u="none" strike="noStrike" dirty="0">
+                <a:solidFill>
+                  <a:schemeClr val="accent1"/>
+                </a:solidFill>
+                <a:latin typeface="+mn-ea"/>
+              </a:rPr>
+              <a:t>：</a:t>
+            </a:r>
+            <a:r>
+              <a:rPr lang="zh-CN" altLang="en-US" dirty="0">
+                <a:solidFill>
+                  <a:srgbClr val="191B1F"/>
+                </a:solidFill>
+                <a:latin typeface="+mn-ea"/>
+              </a:rPr>
+              <a:t>比</a:t>
+            </a:r>
+            <a:r>
+              <a:rPr lang="en-US" altLang="zh-CN" dirty="0">
+                <a:solidFill>
+                  <a:srgbClr val="191B1F"/>
+                </a:solidFill>
+                <a:latin typeface="+mn-ea"/>
+              </a:rPr>
+              <a:t>Functional </a:t>
+            </a:r>
+            <a:r>
+              <a:rPr lang="zh-CN" altLang="en-US" dirty="0">
+                <a:solidFill>
+                  <a:srgbClr val="191B1F"/>
+                </a:solidFill>
+                <a:latin typeface="+mn-ea"/>
+              </a:rPr>
+              <a:t>多了更详细的文档、代码等。</a:t>
+            </a:r>
+            <a:endParaRPr lang="en-US" altLang="zh-CN" dirty="0">
+              <a:solidFill>
+                <a:srgbClr val="191B1F"/>
+              </a:solidFill>
+              <a:latin typeface="+mn-ea"/>
+            </a:endParaRPr>
+          </a:p>
+          <a:p>
+            <a:pPr marL="342900" indent="-342900">
+              <a:lnSpc>
+                <a:spcPct val="150000"/>
+              </a:lnSpc>
+              <a:buAutoNum type="arabicPeriod"/>
+            </a:pPr>
+            <a:r>
+              <a:rPr lang="en-US" altLang="zh-CN" b="1" i="0" u="none" strike="noStrike" dirty="0">
+                <a:solidFill>
+                  <a:schemeClr val="accent1"/>
+                </a:solidFill>
+                <a:effectLst/>
+                <a:latin typeface="+mn-ea"/>
+              </a:rPr>
+              <a:t>Results Replicated</a:t>
+            </a:r>
+            <a:r>
+              <a:rPr lang="zh-CN" altLang="en-US" b="1" i="0" u="none" strike="noStrike" dirty="0">
+                <a:solidFill>
+                  <a:schemeClr val="accent1"/>
+                </a:solidFill>
+                <a:effectLst/>
+                <a:latin typeface="+mn-ea"/>
+              </a:rPr>
+              <a:t>：</a:t>
+            </a:r>
+            <a:r>
+              <a:rPr lang="zh-CN" altLang="en-US" b="0" i="0" dirty="0">
+                <a:solidFill>
+                  <a:srgbClr val="191B1F"/>
+                </a:solidFill>
+                <a:effectLst/>
+                <a:latin typeface="+mn-ea"/>
+              </a:rPr>
+              <a:t>需要通过作者提供的材料，能够独立获得论文中提出的主要结果。（一般用</a:t>
+            </a:r>
+            <a:r>
+              <a:rPr lang="en-US" altLang="zh-CN" b="0" i="0" dirty="0">
+                <a:solidFill>
+                  <a:srgbClr val="191B1F"/>
+                </a:solidFill>
+                <a:effectLst/>
+                <a:latin typeface="+mn-ea"/>
+              </a:rPr>
+              <a:t>5</a:t>
+            </a:r>
+            <a:r>
+              <a:rPr lang="en-US" altLang="zh-CN" dirty="0">
+                <a:solidFill>
+                  <a:srgbClr val="191B1F"/>
+                </a:solidFill>
+                <a:latin typeface="+mn-ea"/>
+              </a:rPr>
+              <a:t>.</a:t>
+            </a:r>
+            <a:r>
+              <a:rPr lang="en-US" altLang="zh-CN" b="0" i="0" u="none" strike="noStrike" dirty="0">
+                <a:solidFill>
+                  <a:srgbClr val="191B1F"/>
+                </a:solidFill>
+                <a:effectLst/>
+                <a:latin typeface="+mn-ea"/>
+              </a:rPr>
+              <a:t> Results Reproduced</a:t>
+            </a:r>
+            <a:r>
+              <a:rPr lang="zh-CN" altLang="en-US" dirty="0">
+                <a:solidFill>
+                  <a:srgbClr val="191B1F"/>
+                </a:solidFill>
+                <a:latin typeface="+mn-ea"/>
+              </a:rPr>
+              <a:t> 替代</a:t>
+            </a:r>
+            <a:r>
+              <a:rPr lang="zh-CN" altLang="en-US" b="0" i="0" dirty="0">
+                <a:solidFill>
+                  <a:srgbClr val="191B1F"/>
+                </a:solidFill>
+                <a:effectLst/>
+                <a:latin typeface="+mn-ea"/>
+              </a:rPr>
+              <a:t>）</a:t>
+            </a:r>
+            <a:endParaRPr lang="en-US" altLang="zh-CN" dirty="0">
+              <a:solidFill>
+                <a:srgbClr val="191B1F"/>
+              </a:solidFill>
+              <a:latin typeface="+mn-ea"/>
+            </a:endParaRPr>
+          </a:p>
+          <a:p>
+            <a:pPr marL="342900" indent="-342900">
+              <a:lnSpc>
+                <a:spcPct val="150000"/>
+              </a:lnSpc>
+              <a:buAutoNum type="arabicPeriod"/>
+            </a:pPr>
+            <a:r>
+              <a:rPr lang="en-US" altLang="zh-CN" b="1" i="0" u="none" strike="noStrike" dirty="0">
+                <a:solidFill>
+                  <a:srgbClr val="FF0000"/>
+                </a:solidFill>
+                <a:effectLst/>
+                <a:latin typeface="+mn-ea"/>
+              </a:rPr>
+              <a:t>Results Reproduced</a:t>
+            </a:r>
+            <a:r>
+              <a:rPr lang="zh-CN" altLang="en-US" b="1" i="0" u="none" strike="noStrike" dirty="0">
+                <a:solidFill>
+                  <a:srgbClr val="FF0000"/>
+                </a:solidFill>
+                <a:effectLst/>
+                <a:latin typeface="+mn-ea"/>
+              </a:rPr>
+              <a:t>：</a:t>
+            </a:r>
+            <a:r>
+              <a:rPr lang="zh-CN" altLang="en-US" b="0" i="0" dirty="0">
+                <a:solidFill>
+                  <a:srgbClr val="191B1F"/>
+                </a:solidFill>
+                <a:effectLst/>
+                <a:latin typeface="+mn-ea"/>
+              </a:rPr>
+              <a:t>在允许的容差范围内独立生成结果，以便验证论文的结论。</a:t>
+            </a:r>
+            <a:endParaRPr lang="en-US" altLang="zh-CN" b="0" i="0" dirty="0">
+              <a:solidFill>
+                <a:srgbClr val="191B1F"/>
+              </a:solidFill>
+              <a:effectLst/>
+              <a:latin typeface="+mn-ea"/>
+            </a:endParaRPr>
+          </a:p>
+          <a:p>
+            <a:pPr marL="342900" indent="-342900">
+              <a:buAutoNum type="arabicPeriod"/>
+            </a:pPr>
+            <a:endParaRPr lang="zh-CN" altLang="en-US" dirty="0">
+              <a:latin typeface="+mn-ea"/>
+            </a:endParaRPr>
+          </a:p>
+        </p:txBody>
+      </p:sp>
+      <p:pic>
+        <p:nvPicPr>
+          <p:cNvPr id="8" name="图片 7">
+            <a:extLst>
+              <a:ext uri="{FF2B5EF4-FFF2-40B4-BE49-F238E27FC236}">
+                <a16:creationId xmlns:a16="http://schemas.microsoft.com/office/drawing/2014/main" id="{687681F7-0144-4856-8165-5C67251DAF99}"/>
+              </a:ext>
+            </a:extLst>
+          </p:cNvPr>
+          <p:cNvPicPr>
+            <a:picLocks noChangeAspect="1"/>
+          </p:cNvPicPr>
+          <p:nvPr/>
+        </p:nvPicPr>
+        <p:blipFill>
+          <a:blip r:embed="rId3"/>
+          <a:stretch>
+            <a:fillRect/>
+          </a:stretch>
+        </p:blipFill>
+        <p:spPr>
+          <a:xfrm>
+            <a:off x="9553352" y="903048"/>
+            <a:ext cx="895350" cy="981075"/>
+          </a:xfrm>
+          <a:prstGeom prst="rect">
+            <a:avLst/>
+          </a:prstGeom>
+        </p:spPr>
+      </p:pic>
+      <p:pic>
+        <p:nvPicPr>
+          <p:cNvPr id="10" name="图片 9">
+            <a:extLst>
+              <a:ext uri="{FF2B5EF4-FFF2-40B4-BE49-F238E27FC236}">
+                <a16:creationId xmlns:a16="http://schemas.microsoft.com/office/drawing/2014/main" id="{D2000492-BA24-48FC-B76F-3A1CF89AE3B3}"/>
+              </a:ext>
+            </a:extLst>
+          </p:cNvPr>
+          <p:cNvPicPr>
+            <a:picLocks noChangeAspect="1"/>
+          </p:cNvPicPr>
+          <p:nvPr/>
+        </p:nvPicPr>
+        <p:blipFill>
+          <a:blip r:embed="rId4"/>
+          <a:stretch>
+            <a:fillRect/>
+          </a:stretch>
+        </p:blipFill>
+        <p:spPr>
+          <a:xfrm>
+            <a:off x="9496202" y="1938667"/>
+            <a:ext cx="952500" cy="1000125"/>
+          </a:xfrm>
+          <a:prstGeom prst="rect">
+            <a:avLst/>
+          </a:prstGeom>
+        </p:spPr>
+      </p:pic>
+      <p:pic>
+        <p:nvPicPr>
+          <p:cNvPr id="12" name="图片 11">
+            <a:extLst>
+              <a:ext uri="{FF2B5EF4-FFF2-40B4-BE49-F238E27FC236}">
+                <a16:creationId xmlns:a16="http://schemas.microsoft.com/office/drawing/2014/main" id="{639B3EF9-6D10-4E66-8D96-4CC7ED9D4DBA}"/>
+              </a:ext>
+            </a:extLst>
+          </p:cNvPr>
+          <p:cNvPicPr>
+            <a:picLocks noChangeAspect="1"/>
+          </p:cNvPicPr>
+          <p:nvPr/>
+        </p:nvPicPr>
+        <p:blipFill>
+          <a:blip r:embed="rId5"/>
+          <a:stretch>
+            <a:fillRect/>
+          </a:stretch>
+        </p:blipFill>
+        <p:spPr>
+          <a:xfrm>
+            <a:off x="9515252" y="2995284"/>
+            <a:ext cx="914400" cy="923925"/>
+          </a:xfrm>
+          <a:prstGeom prst="rect">
+            <a:avLst/>
+          </a:prstGeom>
+        </p:spPr>
+      </p:pic>
+      <p:pic>
+        <p:nvPicPr>
+          <p:cNvPr id="14" name="图片 13">
+            <a:extLst>
+              <a:ext uri="{FF2B5EF4-FFF2-40B4-BE49-F238E27FC236}">
+                <a16:creationId xmlns:a16="http://schemas.microsoft.com/office/drawing/2014/main" id="{74A6DEA7-A0B2-4946-9A4C-1E5CE4081D4D}"/>
+              </a:ext>
+            </a:extLst>
+          </p:cNvPr>
+          <p:cNvPicPr>
+            <a:picLocks noChangeAspect="1"/>
+          </p:cNvPicPr>
+          <p:nvPr/>
+        </p:nvPicPr>
+        <p:blipFill>
+          <a:blip r:embed="rId6"/>
+          <a:stretch>
+            <a:fillRect/>
+          </a:stretch>
+        </p:blipFill>
+        <p:spPr>
+          <a:xfrm>
+            <a:off x="9543827" y="4028955"/>
+            <a:ext cx="885825" cy="942975"/>
+          </a:xfrm>
+          <a:prstGeom prst="rect">
+            <a:avLst/>
+          </a:prstGeom>
+        </p:spPr>
+      </p:pic>
+      <p:pic>
+        <p:nvPicPr>
+          <p:cNvPr id="16" name="图片 15">
+            <a:extLst>
+              <a:ext uri="{FF2B5EF4-FFF2-40B4-BE49-F238E27FC236}">
+                <a16:creationId xmlns:a16="http://schemas.microsoft.com/office/drawing/2014/main" id="{EED64789-54EA-4BC8-8220-73EA1A23FB0E}"/>
+              </a:ext>
+            </a:extLst>
+          </p:cNvPr>
+          <p:cNvPicPr>
+            <a:picLocks noChangeAspect="1"/>
+          </p:cNvPicPr>
+          <p:nvPr/>
+        </p:nvPicPr>
+        <p:blipFill>
+          <a:blip r:embed="rId7"/>
+          <a:stretch>
+            <a:fillRect/>
+          </a:stretch>
+        </p:blipFill>
+        <p:spPr>
+          <a:xfrm>
+            <a:off x="9496202" y="5081676"/>
+            <a:ext cx="933450" cy="952500"/>
+          </a:xfrm>
+          <a:prstGeom prst="rect">
+            <a:avLst/>
+          </a:prstGeom>
+        </p:spPr>
+      </p:pic>
+      <p:sp>
+        <p:nvSpPr>
+          <p:cNvPr id="17" name="箭头: 下 16">
+            <a:extLst>
+              <a:ext uri="{FF2B5EF4-FFF2-40B4-BE49-F238E27FC236}">
+                <a16:creationId xmlns:a16="http://schemas.microsoft.com/office/drawing/2014/main" id="{62C29D78-A455-4650-8359-E65FFBFB42AD}"/>
+              </a:ext>
+            </a:extLst>
+          </p:cNvPr>
+          <p:cNvSpPr/>
+          <p:nvPr/>
+        </p:nvSpPr>
+        <p:spPr>
+          <a:xfrm>
+            <a:off x="10884500" y="1534025"/>
+            <a:ext cx="484632" cy="3789949"/>
+          </a:xfrm>
+          <a:prstGeom prst="downArrow">
+            <a:avLst/>
+          </a:prstGeom>
+        </p:spPr>
+        <p:style>
+          <a:lnRef idx="2">
+            <a:schemeClr val="accent1">
+              <a:shade val="50000"/>
+            </a:schemeClr>
+          </a:lnRef>
+          <a:fillRef idx="1">
+            <a:schemeClr val="accent1"/>
+          </a:fillRef>
+          <a:effectRef idx="0">
+            <a:schemeClr val="accent1"/>
+          </a:effectRef>
+          <a:fontRef idx="minor">
+            <a:schemeClr val="lt1"/>
+          </a:fontRef>
+        </p:style>
+        <p:txBody>
+          <a:bodyPr rtlCol="0" anchor="ctr"/>
+          <a:lstStyle/>
+          <a:p>
+            <a:pPr algn="ctr"/>
+            <a:endParaRPr lang="zh-CN" altLang="en-US">
+              <a:latin typeface="+mn-ea"/>
+            </a:endParaRPr>
+          </a:p>
+        </p:txBody>
+      </p:sp>
+      <p:pic>
+        <p:nvPicPr>
+          <p:cNvPr id="20" name="Picture 4" descr="ACM Research - Wikipedia">
+            <a:extLst>
+              <a:ext uri="{FF2B5EF4-FFF2-40B4-BE49-F238E27FC236}">
+                <a16:creationId xmlns:a16="http://schemas.microsoft.com/office/drawing/2014/main" id="{6720D7C4-ADCE-40F9-B407-F779C9EF4993}"/>
+              </a:ext>
+            </a:extLst>
+          </p:cNvPr>
+          <p:cNvPicPr>
+            <a:picLocks noChangeAspect="1" noChangeArrowheads="1"/>
+          </p:cNvPicPr>
+          <p:nvPr/>
+        </p:nvPicPr>
+        <p:blipFill>
+          <a:blip r:embed="rId8">
+            <a:extLst>
+              <a:ext uri="{28A0092B-C50C-407E-A947-70E740481C1C}">
+                <a14:useLocalDpi xmlns:a14="http://schemas.microsoft.com/office/drawing/2010/main" val="0"/>
+              </a:ext>
+            </a:extLst>
+          </a:blip>
+          <a:srcRect/>
+          <a:stretch>
+            <a:fillRect/>
+          </a:stretch>
+        </p:blipFill>
+        <p:spPr bwMode="auto">
+          <a:xfrm>
+            <a:off x="430978" y="4483432"/>
+            <a:ext cx="3532655" cy="2193965"/>
+          </a:xfrm>
+          <a:prstGeom prst="rect">
+            <a:avLst/>
+          </a:prstGeom>
+          <a:noFill/>
+          <a:extLst>
+            <a:ext uri="{909E8E84-426E-40DD-AFC4-6F175D3DCCD1}">
+              <a14:hiddenFill xmlns:a14="http://schemas.microsoft.com/office/drawing/2010/main">
+                <a:solidFill>
+                  <a:srgbClr val="FFFFFF"/>
+                </a:solidFill>
+              </a14:hiddenFill>
+            </a:ext>
+          </a:extLst>
+        </p:spPr>
+      </p:pic>
+      <p:sp>
+        <p:nvSpPr>
+          <p:cNvPr id="22" name="文本框 21">
+            <a:extLst>
+              <a:ext uri="{FF2B5EF4-FFF2-40B4-BE49-F238E27FC236}">
+                <a16:creationId xmlns:a16="http://schemas.microsoft.com/office/drawing/2014/main" id="{4D15EA12-E709-45B4-A540-1CD356B5035A}"/>
+              </a:ext>
+            </a:extLst>
+          </p:cNvPr>
+          <p:cNvSpPr txBox="1"/>
+          <p:nvPr/>
+        </p:nvSpPr>
+        <p:spPr>
+          <a:xfrm>
+            <a:off x="4147018" y="6301884"/>
+            <a:ext cx="8162702" cy="338554"/>
+          </a:xfrm>
+          <a:prstGeom prst="rect">
+            <a:avLst/>
+          </a:prstGeom>
+          <a:noFill/>
+        </p:spPr>
+        <p:txBody>
+          <a:bodyPr wrap="square">
+            <a:spAutoFit/>
+          </a:bodyPr>
+          <a:lstStyle/>
+          <a:p>
+            <a:r>
+              <a:rPr lang="zh-CN" altLang="en-US" sz="1600" dirty="0">
+                <a:latin typeface="+mn-ea"/>
+              </a:rPr>
+              <a:t>https://www.acm.org/publications/policies/artifact-review-and-badging-current</a:t>
+            </a:r>
+          </a:p>
+        </p:txBody>
+      </p:sp>
+    </p:spTree>
+    <p:extLst>
+      <p:ext uri="{BB962C8B-B14F-4D97-AF65-F5344CB8AC3E}">
+        <p14:creationId xmlns:p14="http://schemas.microsoft.com/office/powerpoint/2010/main" val="3590304970"/>
+      </p:ext>
+    </p:extLst>
+  </p:cSld>
+  <p:clrMapOvr>
+    <a:masterClrMapping/>
+  </p:clrMapOvr>
+</p:sld>
+</file>
+
+<file path=ppt/slides/slide12.xml><?xml version="1.0" encoding="utf-8"?>
 <p:sld xmlns:a="http://schemas.openxmlformats.org/drawingml/2006/main" xmlns:r="http://schemas.openxmlformats.org/officeDocument/2006/relationships" xmlns:p="http://schemas.openxmlformats.org/presentationml/2006/main">
   <p:cSld>
     <p:spTree>
@@ -4971,7 +5881,7 @@
           <p:nvPr/>
         </p:nvPicPr>
         <p:blipFill>
-          <a:blip r:embed="rId2"/>
+          <a:blip r:embed="rId3"/>
           <a:stretch>
             <a:fillRect/>
           </a:stretch>
@@ -5001,7 +5911,7 @@
           <p:nvPr/>
         </p:nvPicPr>
         <p:blipFill>
-          <a:blip r:embed="rId3"/>
+          <a:blip r:embed="rId4"/>
           <a:stretch>
             <a:fillRect/>
           </a:stretch>
@@ -5031,7 +5941,7 @@
           <p:nvPr/>
         </p:nvPicPr>
         <p:blipFill>
-          <a:blip r:embed="rId4"/>
+          <a:blip r:embed="rId5"/>
           <a:stretch>
             <a:fillRect/>
           </a:stretch>
@@ -5061,7 +5971,7 @@
           <p:nvPr/>
         </p:nvPicPr>
         <p:blipFill>
-          <a:blip r:embed="rId5"/>
+          <a:blip r:embed="rId6"/>
           <a:stretch>
             <a:fillRect/>
           </a:stretch>
@@ -5110,7 +6020,7 @@
                   <a:schemeClr val="accent1"/>
                 </a:solidFill>
                 <a:effectLst/>
-                <a:latin typeface="-apple-system"/>
+                <a:latin typeface="+mn-ea"/>
               </a:rPr>
               <a:t>1. Artifact Available</a:t>
             </a:r>
@@ -5118,6 +6028,7 @@
               <a:solidFill>
                 <a:schemeClr val="accent1"/>
               </a:solidFill>
+              <a:latin typeface="+mn-ea"/>
             </a:endParaRPr>
           </a:p>
         </p:txBody>
@@ -5156,7 +6067,7 @@
                   <a:schemeClr val="accent1"/>
                 </a:solidFill>
                 <a:effectLst/>
-                <a:latin typeface="-apple-system"/>
+                <a:latin typeface="+mn-ea"/>
               </a:rPr>
               <a:t>2. Functional</a:t>
             </a:r>
@@ -5164,6 +6075,7 @@
               <a:solidFill>
                 <a:schemeClr val="accent1"/>
               </a:solidFill>
+              <a:latin typeface="+mn-ea"/>
             </a:endParaRPr>
           </a:p>
         </p:txBody>
@@ -5182,7 +6094,7 @@
         </p:nvSpPr>
         <p:spPr>
           <a:xfrm>
-            <a:off x="7448550" y="575935"/>
+            <a:off x="7058235" y="557375"/>
             <a:ext cx="6096000" cy="523220"/>
           </a:xfrm>
           <a:prstGeom prst="rect">
@@ -5202,7 +6114,7 @@
                   <a:schemeClr val="accent1"/>
                 </a:solidFill>
                 <a:effectLst/>
-                <a:latin typeface="-apple-system"/>
+                <a:latin typeface="+mn-ea"/>
               </a:rPr>
               <a:t>      3. Results Reproduced</a:t>
             </a:r>
@@ -5210,6 +6122,7 @@
               <a:solidFill>
                 <a:schemeClr val="accent1"/>
               </a:solidFill>
+              <a:latin typeface="+mn-ea"/>
             </a:endParaRPr>
           </a:p>
         </p:txBody>
@@ -5229,7 +6142,7 @@
           <p:nvPr/>
         </p:nvPicPr>
         <p:blipFill>
-          <a:blip r:embed="rId6"/>
+          <a:blip r:embed="rId7"/>
           <a:stretch>
             <a:fillRect/>
           </a:stretch>
@@ -5276,7 +6189,7 @@
             <a:r>
               <a:rPr lang="en-US" altLang="zh-CN" sz="1200" b="1" i="0" dirty="0">
                 <a:effectLst/>
-                <a:latin typeface="Open Sans" panose="020B0606030504020204" pitchFamily="34" charset="0"/>
+                <a:latin typeface="+mn-ea"/>
               </a:rPr>
               <a:t>ASPLOS’23 Towards a Machine Learning-Assisted Kernel with LAKE</a:t>
             </a:r>
@@ -5298,7 +6211,7 @@
           <p:nvPr/>
         </p:nvPicPr>
         <p:blipFill>
-          <a:blip r:embed="rId7"/>
+          <a:blip r:embed="rId8"/>
           <a:stretch>
             <a:fillRect/>
           </a:stretch>
@@ -5328,7 +6241,7 @@
         <p:spPr>
           <a:xfrm>
             <a:off x="6567356" y="6214258"/>
-            <a:ext cx="5253170" cy="461665"/>
+            <a:ext cx="5334474" cy="461665"/>
           </a:xfrm>
           <a:prstGeom prst="rect">
             <a:avLst/>
@@ -5345,7 +6258,7 @@
             <a:r>
               <a:rPr lang="en-US" altLang="zh-CN" sz="1200" b="1" i="0" dirty="0">
                 <a:effectLst/>
-                <a:latin typeface="Open Sans" panose="020B0606030504020204" pitchFamily="34" charset="0"/>
+                <a:latin typeface="+mn-ea"/>
               </a:rPr>
               <a:t>OSDI’20 Specification and verification in the field: applying formal methods to BPF just-in-time compilers in the Linux kernel</a:t>
             </a:r>
@@ -5356,79 +6269,6 @@
     <p:extLst>
       <p:ext uri="{BB962C8B-B14F-4D97-AF65-F5344CB8AC3E}">
         <p14:creationId xmlns:p14="http://schemas.microsoft.com/office/powerpoint/2010/main" val="1360997800"/>
-      </p:ext>
-    </p:extLst>
-  </p:cSld>
-  <p:clrMapOvr>
-    <a:masterClrMapping/>
-  </p:clrMapOvr>
-</p:sld>
-</file>
-
-<file path=ppt/slides/slide12.xml><?xml version="1.0" encoding="utf-8"?>
-<p:sld xmlns:a="http://schemas.openxmlformats.org/drawingml/2006/main" xmlns:r="http://schemas.openxmlformats.org/officeDocument/2006/relationships" xmlns:p="http://schemas.openxmlformats.org/presentationml/2006/main">
-  <p:cSld>
-    <p:spTree>
-      <p:nvGrpSpPr>
-        <p:cNvPr id="1" name=""/>
-        <p:cNvGrpSpPr/>
-        <p:nvPr/>
-      </p:nvGrpSpPr>
-      <p:grpSpPr>
-        <a:xfrm>
-          <a:off x="0" y="0"/>
-          <a:ext cx="0" cy="0"/>
-          <a:chOff x="0" y="0"/>
-          <a:chExt cx="0" cy="0"/>
-        </a:xfrm>
-      </p:grpSpPr>
-      <p:sp>
-        <p:nvSpPr>
-          <p:cNvPr id="3" name="内容占位符 2">
-            <a:extLst>
-              <a:ext uri="{FF2B5EF4-FFF2-40B4-BE49-F238E27FC236}">
-                <a16:creationId xmlns:a16="http://schemas.microsoft.com/office/drawing/2014/main" id="{7DE31800-DD41-443C-A0EA-0D68FB8A7E9D}"/>
-              </a:ext>
-            </a:extLst>
-          </p:cNvPr>
-          <p:cNvSpPr>
-            <a:spLocks noGrp="1"/>
-          </p:cNvSpPr>
-          <p:nvPr>
-            <p:ph idx="1"/>
-          </p:nvPr>
-        </p:nvSpPr>
-        <p:spPr>
-          <a:xfrm>
-            <a:off x="4193902" y="2901403"/>
-            <a:ext cx="4581676" cy="1912907"/>
-          </a:xfrm>
-        </p:spPr>
-        <p:txBody>
-          <a:bodyPr>
-            <a:normAutofit/>
-          </a:bodyPr>
-          <a:lstStyle/>
-          <a:p>
-            <a:pPr marL="0" indent="0">
-              <a:buNone/>
-            </a:pPr>
-            <a:r>
-              <a:rPr lang="en-US" altLang="zh-CN" sz="4000" dirty="0"/>
-              <a:t>AE</a:t>
-            </a:r>
-            <a:r>
-              <a:rPr lang="zh-CN" altLang="en-US" sz="4000" dirty="0"/>
-              <a:t>要准备哪些</a:t>
-            </a:r>
-            <a:endParaRPr lang="en-US" altLang="zh-CN" sz="4000" dirty="0"/>
-          </a:p>
-        </p:txBody>
-      </p:sp>
-    </p:spTree>
-    <p:extLst>
-      <p:ext uri="{BB962C8B-B14F-4D97-AF65-F5344CB8AC3E}">
-        <p14:creationId xmlns:p14="http://schemas.microsoft.com/office/powerpoint/2010/main" val="3606511267"/>
       </p:ext>
     </p:extLst>
   </p:cSld>
@@ -5457,503 +6297,54 @@
       </p:grpSpPr>
       <p:sp>
         <p:nvSpPr>
-          <p:cNvPr id="12" name="文本框 11">
+          <p:cNvPr id="3" name="内容占位符 2">
             <a:extLst>
               <a:ext uri="{FF2B5EF4-FFF2-40B4-BE49-F238E27FC236}">
-                <a16:creationId xmlns:a16="http://schemas.microsoft.com/office/drawing/2014/main" id="{B6967275-DB50-4DF5-AF45-BBA1165E9F04}"/>
+                <a16:creationId xmlns:a16="http://schemas.microsoft.com/office/drawing/2014/main" id="{7DE31800-DD41-443C-A0EA-0D68FB8A7E9D}"/>
               </a:ext>
             </a:extLst>
           </p:cNvPr>
-          <p:cNvSpPr txBox="1"/>
-          <p:nvPr/>
-        </p:nvSpPr>
-        <p:spPr>
-          <a:xfrm>
-            <a:off x="409575" y="247650"/>
-            <a:ext cx="4826962" cy="2031325"/>
-          </a:xfrm>
-          <a:prstGeom prst="rect">
-            <a:avLst/>
-          </a:prstGeom>
-          <a:noFill/>
-        </p:spPr>
-        <p:txBody>
-          <a:bodyPr wrap="none" rtlCol="0">
-            <a:spAutoFit/>
+          <p:cNvSpPr>
+            <a:spLocks noGrp="1"/>
+          </p:cNvSpPr>
+          <p:nvPr>
+            <p:ph idx="1"/>
+          </p:nvPr>
+        </p:nvSpPr>
+        <p:spPr>
+          <a:xfrm>
+            <a:off x="4193901" y="2901403"/>
+            <a:ext cx="5266969" cy="1912907"/>
+          </a:xfrm>
+        </p:spPr>
+        <p:txBody>
+          <a:bodyPr>
+            <a:normAutofit/>
           </a:bodyPr>
           <a:lstStyle/>
           <a:p>
-            <a:pPr algn="l"/>
-            <a:r>
-              <a:rPr lang="en-US" altLang="zh-CN" b="1" i="0" dirty="0">
-                <a:solidFill>
-                  <a:srgbClr val="333333"/>
-                </a:solidFill>
-                <a:effectLst/>
-                <a:latin typeface="Open Sans" panose="020B0606030504020204" pitchFamily="34" charset="0"/>
-              </a:rPr>
-              <a:t>OSDI '25 Call for Artifacts</a:t>
-            </a:r>
-          </a:p>
-          <a:p>
-            <a:endParaRPr lang="en-US" altLang="zh-CN" dirty="0"/>
-          </a:p>
-          <a:p>
-            <a:r>
-              <a:rPr lang="en-US" altLang="zh-CN" b="0" i="0" dirty="0">
-                <a:solidFill>
-                  <a:srgbClr val="333333"/>
-                </a:solidFill>
-                <a:effectLst/>
-                <a:latin typeface="Open Sans" panose="020B0606030504020204" pitchFamily="34" charset="0"/>
-              </a:rPr>
-              <a:t>A complete artifact package must contain:</a:t>
-            </a:r>
-            <a:endParaRPr lang="en-US" altLang="zh-CN" dirty="0"/>
-          </a:p>
-          <a:p>
-            <a:pPr marL="285750" indent="-285750" algn="l">
-              <a:buFont typeface="Arial" panose="020B0604020202020204" pitchFamily="34" charset="0"/>
-              <a:buChar char="•"/>
+            <a:pPr marL="0" indent="0">
+              <a:buNone/>
             </a:pPr>
             <a:r>
-              <a:rPr lang="en-US" altLang="zh-CN" i="0" dirty="0">
-                <a:solidFill>
-                  <a:srgbClr val="333333"/>
-                </a:solidFill>
-                <a:effectLst/>
-                <a:latin typeface="Open Sans" panose="020B0606030504020204" pitchFamily="34" charset="0"/>
-              </a:rPr>
-              <a:t>the accepted version of your OSDI paper</a:t>
-            </a:r>
-          </a:p>
-          <a:p>
-            <a:pPr marL="285750" indent="-285750" algn="l">
-              <a:buFont typeface="Arial" panose="020B0604020202020204" pitchFamily="34" charset="0"/>
-              <a:buChar char="•"/>
-            </a:pPr>
-            <a:r>
-              <a:rPr lang="en-US" altLang="zh-CN" i="0" dirty="0">
-                <a:solidFill>
-                  <a:srgbClr val="333333"/>
-                </a:solidFill>
-                <a:effectLst/>
-                <a:latin typeface="Open Sans" panose="020B0606030504020204" pitchFamily="34" charset="0"/>
-              </a:rPr>
-              <a:t>the artifact itself</a:t>
-            </a:r>
-          </a:p>
-          <a:p>
-            <a:pPr marL="285750" indent="-285750" algn="l">
-              <a:buFont typeface="Arial" panose="020B0604020202020204" pitchFamily="34" charset="0"/>
-              <a:buChar char="•"/>
-            </a:pPr>
-            <a:r>
-              <a:rPr lang="en-US" altLang="zh-CN" i="0" dirty="0">
-                <a:solidFill>
-                  <a:srgbClr val="333333"/>
-                </a:solidFill>
-                <a:effectLst/>
-                <a:latin typeface="Open Sans" panose="020B0606030504020204" pitchFamily="34" charset="0"/>
-              </a:rPr>
-              <a:t>README instructions</a:t>
-            </a:r>
-          </a:p>
-          <a:p>
-            <a:endParaRPr lang="en-US" altLang="zh-CN" dirty="0"/>
-          </a:p>
-        </p:txBody>
-      </p:sp>
-      <p:sp>
-        <p:nvSpPr>
-          <p:cNvPr id="14" name="文本框 13">
-            <a:extLst>
-              <a:ext uri="{FF2B5EF4-FFF2-40B4-BE49-F238E27FC236}">
-                <a16:creationId xmlns:a16="http://schemas.microsoft.com/office/drawing/2014/main" id="{3210D805-60A2-43E9-BFF5-9A1B499ED2FF}"/>
-              </a:ext>
-            </a:extLst>
-          </p:cNvPr>
-          <p:cNvSpPr txBox="1"/>
-          <p:nvPr/>
-        </p:nvSpPr>
-        <p:spPr>
-          <a:xfrm>
-            <a:off x="409575" y="3174698"/>
-            <a:ext cx="6096000" cy="369332"/>
-          </a:xfrm>
-          <a:prstGeom prst="rect">
-            <a:avLst/>
-          </a:prstGeom>
-          <a:noFill/>
-        </p:spPr>
-        <p:txBody>
-          <a:bodyPr wrap="square">
-            <a:spAutoFit/>
-          </a:bodyPr>
-          <a:lstStyle/>
-          <a:p>
-            <a:r>
-              <a:rPr lang="en-US" altLang="zh-CN" b="1" i="0" dirty="0">
-                <a:solidFill>
-                  <a:srgbClr val="333333"/>
-                </a:solidFill>
-                <a:effectLst/>
-                <a:latin typeface="Open Sans" panose="020B0606030504020204" pitchFamily="34" charset="0"/>
-              </a:rPr>
-              <a:t>1. README instructions</a:t>
-            </a:r>
-            <a:endParaRPr lang="zh-CN" altLang="en-US" dirty="0"/>
-          </a:p>
-        </p:txBody>
-      </p:sp>
-      <p:sp>
-        <p:nvSpPr>
-          <p:cNvPr id="17" name="文本框 16">
-            <a:extLst>
-              <a:ext uri="{FF2B5EF4-FFF2-40B4-BE49-F238E27FC236}">
-                <a16:creationId xmlns:a16="http://schemas.microsoft.com/office/drawing/2014/main" id="{992BA8ED-664F-44F6-BF96-4971E9C8CBA2}"/>
-              </a:ext>
-            </a:extLst>
-          </p:cNvPr>
-          <p:cNvSpPr txBox="1"/>
-          <p:nvPr/>
-        </p:nvSpPr>
-        <p:spPr>
-          <a:xfrm>
-            <a:off x="409575" y="3685179"/>
-            <a:ext cx="4676775" cy="1477328"/>
-          </a:xfrm>
-          <a:prstGeom prst="rect">
-            <a:avLst/>
-          </a:prstGeom>
-          <a:noFill/>
-        </p:spPr>
-        <p:txBody>
-          <a:bodyPr wrap="square">
-            <a:spAutoFit/>
-          </a:bodyPr>
-          <a:lstStyle/>
-          <a:p>
-            <a:pPr marL="285750" indent="-285750" algn="just">
-              <a:buFont typeface="Arial" panose="020B0604020202020204" pitchFamily="34" charset="0"/>
-              <a:buChar char="•"/>
-            </a:pPr>
-            <a:r>
-              <a:rPr lang="zh-CN" altLang="en-US" dirty="0"/>
-              <a:t>Getting Started Instructions</a:t>
-            </a:r>
-            <a:r>
-              <a:rPr lang="en-US" altLang="zh-CN" dirty="0"/>
-              <a:t>: </a:t>
-            </a:r>
-            <a:r>
-              <a:rPr lang="zh-CN" altLang="en-US" dirty="0"/>
-              <a:t>该部分应帮助评审在较短时间内检查</a:t>
-            </a:r>
-            <a:r>
-              <a:rPr lang="en-US" altLang="zh-CN" dirty="0"/>
+              <a:rPr lang="en-US" altLang="zh-CN" sz="4000" dirty="0"/>
+              <a:t>3. </a:t>
+            </a:r>
+            <a:r>
+              <a:rPr lang="zh-CN" altLang="en-US" sz="4000" dirty="0"/>
+              <a:t>如何做</a:t>
+            </a:r>
+            <a:r>
+              <a:rPr lang="en-US" altLang="zh-CN" sz="4000" dirty="0"/>
               <a:t>artifact</a:t>
             </a:r>
-            <a:r>
-              <a:rPr lang="zh-CN" altLang="en-US" dirty="0"/>
-              <a:t>的基本功能。</a:t>
-            </a:r>
-            <a:endParaRPr lang="en-US" altLang="zh-CN" dirty="0"/>
-          </a:p>
-          <a:p>
-            <a:pPr marL="285750" indent="-285750" algn="just">
-              <a:buFont typeface="Arial" panose="020B0604020202020204" pitchFamily="34" charset="0"/>
-              <a:buChar char="•"/>
-            </a:pPr>
-            <a:endParaRPr lang="en-US" altLang="zh-CN" dirty="0"/>
-          </a:p>
-          <a:p>
-            <a:pPr marL="285750" indent="-285750" algn="just">
-              <a:buFont typeface="Arial" panose="020B0604020202020204" pitchFamily="34" charset="0"/>
-              <a:buChar char="•"/>
-            </a:pPr>
-            <a:r>
-              <a:rPr lang="zh-CN" altLang="en-US" dirty="0"/>
-              <a:t>Detailed Instructions</a:t>
-            </a:r>
-            <a:r>
-              <a:rPr lang="en-US" altLang="zh-CN" dirty="0"/>
-              <a:t>:</a:t>
-            </a:r>
-            <a:r>
-              <a:rPr lang="zh-CN" altLang="en-US" dirty="0"/>
-              <a:t> 该部分应提供足够的说明和文档，以便对</a:t>
-            </a:r>
-            <a:r>
-              <a:rPr lang="en-US" altLang="zh-CN" dirty="0"/>
-              <a:t>artifact</a:t>
-            </a:r>
-            <a:r>
-              <a:rPr lang="zh-CN" altLang="en-US" dirty="0"/>
-              <a:t>进行全面评估。</a:t>
-            </a:r>
-          </a:p>
-        </p:txBody>
-      </p:sp>
-      <p:sp>
-        <p:nvSpPr>
-          <p:cNvPr id="19" name="文本框 18">
-            <a:extLst>
-              <a:ext uri="{FF2B5EF4-FFF2-40B4-BE49-F238E27FC236}">
-                <a16:creationId xmlns:a16="http://schemas.microsoft.com/office/drawing/2014/main" id="{50F85346-D9E3-4355-8B1F-4DF263739508}"/>
-              </a:ext>
-            </a:extLst>
-          </p:cNvPr>
-          <p:cNvSpPr txBox="1"/>
-          <p:nvPr/>
-        </p:nvSpPr>
-        <p:spPr>
-          <a:xfrm>
-            <a:off x="3048000" y="6488668"/>
-            <a:ext cx="6096000" cy="369332"/>
-          </a:xfrm>
-          <a:prstGeom prst="rect">
-            <a:avLst/>
-          </a:prstGeom>
-          <a:noFill/>
-        </p:spPr>
-        <p:txBody>
-          <a:bodyPr wrap="square">
-            <a:spAutoFit/>
-          </a:bodyPr>
-          <a:lstStyle/>
-          <a:p>
-            <a:r>
-              <a:rPr lang="zh-CN" altLang="en-US" dirty="0"/>
-              <a:t>https://www.usenix.org/conference/osdi25/call-for-artifacts</a:t>
-            </a:r>
-          </a:p>
-        </p:txBody>
-      </p:sp>
-      <p:sp>
-        <p:nvSpPr>
-          <p:cNvPr id="20" name="文本框 19">
-            <a:extLst>
-              <a:ext uri="{FF2B5EF4-FFF2-40B4-BE49-F238E27FC236}">
-                <a16:creationId xmlns:a16="http://schemas.microsoft.com/office/drawing/2014/main" id="{5961E8C3-B0E1-46C9-B11E-F362157D8B10}"/>
-              </a:ext>
-            </a:extLst>
-          </p:cNvPr>
-          <p:cNvSpPr txBox="1"/>
-          <p:nvPr/>
-        </p:nvSpPr>
-        <p:spPr>
-          <a:xfrm>
-            <a:off x="6962775" y="279701"/>
-            <a:ext cx="6096000" cy="369332"/>
-          </a:xfrm>
-          <a:prstGeom prst="rect">
-            <a:avLst/>
-          </a:prstGeom>
-          <a:noFill/>
-        </p:spPr>
-        <p:txBody>
-          <a:bodyPr wrap="square">
-            <a:spAutoFit/>
-          </a:bodyPr>
-          <a:lstStyle/>
-          <a:p>
-            <a:r>
-              <a:rPr lang="en-US" altLang="zh-CN" b="1" dirty="0">
-                <a:solidFill>
-                  <a:srgbClr val="333333"/>
-                </a:solidFill>
-                <a:latin typeface="Open Sans" panose="020B0606030504020204" pitchFamily="34" charset="0"/>
-              </a:rPr>
-              <a:t>2</a:t>
-            </a:r>
-            <a:r>
-              <a:rPr lang="en-US" altLang="zh-CN" b="1" i="0" dirty="0">
-                <a:solidFill>
-                  <a:srgbClr val="333333"/>
-                </a:solidFill>
-                <a:effectLst/>
-                <a:latin typeface="Open Sans" panose="020B0606030504020204" pitchFamily="34" charset="0"/>
-              </a:rPr>
-              <a:t>. Artifact claims</a:t>
-            </a:r>
-            <a:endParaRPr lang="zh-CN" altLang="en-US" dirty="0"/>
-          </a:p>
-        </p:txBody>
-      </p:sp>
-      <p:sp>
-        <p:nvSpPr>
-          <p:cNvPr id="21" name="文本框 20">
-            <a:extLst>
-              <a:ext uri="{FF2B5EF4-FFF2-40B4-BE49-F238E27FC236}">
-                <a16:creationId xmlns:a16="http://schemas.microsoft.com/office/drawing/2014/main" id="{6EF8A52C-1784-4D94-B832-CD5F884651BD}"/>
-              </a:ext>
-            </a:extLst>
-          </p:cNvPr>
-          <p:cNvSpPr txBox="1"/>
-          <p:nvPr/>
-        </p:nvSpPr>
-        <p:spPr>
-          <a:xfrm>
-            <a:off x="6962775" y="861729"/>
-            <a:ext cx="4676775" cy="646331"/>
-          </a:xfrm>
-          <a:prstGeom prst="rect">
-            <a:avLst/>
-          </a:prstGeom>
-          <a:noFill/>
-        </p:spPr>
-        <p:txBody>
-          <a:bodyPr wrap="square">
-            <a:spAutoFit/>
-          </a:bodyPr>
-          <a:lstStyle/>
-          <a:p>
-            <a:pPr marL="285750" indent="-285750" algn="just">
-              <a:buFont typeface="Arial" panose="020B0604020202020204" pitchFamily="34" charset="0"/>
-              <a:buChar char="•"/>
-            </a:pPr>
-            <a:r>
-              <a:rPr lang="zh-CN" altLang="en-US" dirty="0"/>
-              <a:t>主要说明这个</a:t>
-            </a:r>
-            <a:r>
-              <a:rPr lang="en-US" altLang="zh-CN" dirty="0"/>
-              <a:t>artifact </a:t>
-            </a:r>
-            <a:r>
-              <a:rPr lang="zh-CN" altLang="en-US" dirty="0"/>
-              <a:t>能达到的效果，与论文中设定的期望是否有所差异等。</a:t>
-            </a:r>
-          </a:p>
-        </p:txBody>
-      </p:sp>
-      <p:sp>
-        <p:nvSpPr>
-          <p:cNvPr id="22" name="文本框 21">
-            <a:extLst>
-              <a:ext uri="{FF2B5EF4-FFF2-40B4-BE49-F238E27FC236}">
-                <a16:creationId xmlns:a16="http://schemas.microsoft.com/office/drawing/2014/main" id="{F3C5B11C-5B25-4B8D-B019-FF44F11EF8EE}"/>
-              </a:ext>
-            </a:extLst>
-          </p:cNvPr>
-          <p:cNvSpPr txBox="1"/>
-          <p:nvPr/>
-        </p:nvSpPr>
-        <p:spPr>
-          <a:xfrm>
-            <a:off x="6962775" y="3199090"/>
-            <a:ext cx="6096000" cy="369332"/>
-          </a:xfrm>
-          <a:prstGeom prst="rect">
-            <a:avLst/>
-          </a:prstGeom>
-          <a:noFill/>
-        </p:spPr>
-        <p:txBody>
-          <a:bodyPr wrap="square">
-            <a:spAutoFit/>
-          </a:bodyPr>
-          <a:lstStyle/>
-          <a:p>
-            <a:r>
-              <a:rPr lang="en-US" altLang="zh-CN" b="1" i="0" dirty="0">
-                <a:solidFill>
-                  <a:srgbClr val="333333"/>
-                </a:solidFill>
-                <a:effectLst/>
-                <a:latin typeface="Open Sans" panose="020B0606030504020204" pitchFamily="34" charset="0"/>
-              </a:rPr>
-              <a:t>3. Artifact format</a:t>
-            </a:r>
-            <a:endParaRPr lang="zh-CN" altLang="en-US" dirty="0"/>
-          </a:p>
-        </p:txBody>
-      </p:sp>
-      <p:sp>
-        <p:nvSpPr>
-          <p:cNvPr id="26" name="文本框 25">
-            <a:extLst>
-              <a:ext uri="{FF2B5EF4-FFF2-40B4-BE49-F238E27FC236}">
-                <a16:creationId xmlns:a16="http://schemas.microsoft.com/office/drawing/2014/main" id="{57264075-A72D-466A-9E6B-F24DC964B886}"/>
-              </a:ext>
-            </a:extLst>
-          </p:cNvPr>
-          <p:cNvSpPr txBox="1"/>
-          <p:nvPr/>
-        </p:nvSpPr>
-        <p:spPr>
-          <a:xfrm>
-            <a:off x="7096125" y="3746285"/>
-            <a:ext cx="4676775" cy="1477328"/>
-          </a:xfrm>
-          <a:prstGeom prst="rect">
-            <a:avLst/>
-          </a:prstGeom>
-          <a:noFill/>
-        </p:spPr>
-        <p:txBody>
-          <a:bodyPr wrap="square">
-            <a:spAutoFit/>
-          </a:bodyPr>
-          <a:lstStyle/>
-          <a:p>
-            <a:pPr marL="285750" indent="-285750" algn="just">
-              <a:buFont typeface="Arial" panose="020B0604020202020204" pitchFamily="34" charset="0"/>
-              <a:buChar char="•"/>
-            </a:pPr>
-            <a:r>
-              <a:rPr lang="en-US" altLang="zh-CN" dirty="0"/>
-              <a:t>Source code</a:t>
-            </a:r>
-          </a:p>
-          <a:p>
-            <a:pPr marL="285750" indent="-285750" algn="just">
-              <a:buFont typeface="Arial" panose="020B0604020202020204" pitchFamily="34" charset="0"/>
-              <a:buChar char="•"/>
-            </a:pPr>
-            <a:r>
-              <a:rPr lang="en-US" altLang="zh-CN" dirty="0"/>
-              <a:t>Virtual machine/ container</a:t>
-            </a:r>
-          </a:p>
-          <a:p>
-            <a:pPr marL="285750" indent="-285750" algn="just">
-              <a:buFont typeface="Arial" panose="020B0604020202020204" pitchFamily="34" charset="0"/>
-              <a:buChar char="•"/>
-            </a:pPr>
-            <a:r>
-              <a:rPr lang="en-US" altLang="zh-CN" dirty="0"/>
-              <a:t>Binary installer</a:t>
-            </a:r>
-          </a:p>
-          <a:p>
-            <a:pPr marL="285750" indent="-285750" algn="just">
-              <a:buFont typeface="Arial" panose="020B0604020202020204" pitchFamily="34" charset="0"/>
-              <a:buChar char="•"/>
-            </a:pPr>
-            <a:r>
-              <a:rPr lang="en-US" altLang="zh-CN" dirty="0"/>
-              <a:t>Live instance on the web</a:t>
-            </a:r>
-          </a:p>
-          <a:p>
-            <a:pPr marL="285750" indent="-285750" algn="just">
-              <a:buFont typeface="Arial" panose="020B0604020202020204" pitchFamily="34" charset="0"/>
-              <a:buChar char="•"/>
-            </a:pPr>
-            <a:r>
-              <a:rPr lang="en-US" altLang="zh-CN" dirty="0"/>
-              <a:t>Internet-accessible hardware</a:t>
-            </a:r>
-            <a:endParaRPr lang="zh-CN" altLang="en-US" dirty="0"/>
           </a:p>
         </p:txBody>
       </p:sp>
     </p:spTree>
     <p:extLst>
       <p:ext uri="{BB962C8B-B14F-4D97-AF65-F5344CB8AC3E}">
-        <p14:creationId xmlns:p14="http://schemas.microsoft.com/office/powerpoint/2010/main" val="3570112861"/>
+        <p14:creationId xmlns:p14="http://schemas.microsoft.com/office/powerpoint/2010/main" val="3606511267"/>
       </p:ext>
     </p:extLst>
   </p:cSld>
@@ -5995,7 +6386,7 @@
         <p:spPr>
           <a:xfrm>
             <a:off x="409575" y="247650"/>
-            <a:ext cx="4826962" cy="2031325"/>
+            <a:ext cx="4974952" cy="2031325"/>
           </a:xfrm>
           <a:prstGeom prst="rect">
             <a:avLst/>
@@ -6003,7 +6394,7 @@
           <a:noFill/>
         </p:spPr>
         <p:txBody>
-          <a:bodyPr wrap="none" rtlCol="0">
+          <a:bodyPr wrap="square" rtlCol="0">
             <a:spAutoFit/>
           </a:bodyPr>
           <a:lstStyle/>
@@ -6015,13 +6406,15 @@
                   <a:srgbClr val="333333"/>
                 </a:solidFill>
                 <a:effectLst/>
-                <a:latin typeface="Open Sans" panose="020B0606030504020204" pitchFamily="34" charset="0"/>
+                <a:latin typeface="+mn-ea"/>
               </a:rPr>
               <a:t>OSDI '25 Call for Artifacts</a:t>
             </a:r>
           </a:p>
           <a:p>
-            <a:endParaRPr lang="en-US" altLang="zh-CN" dirty="0"/>
+            <a:endParaRPr lang="en-US" altLang="zh-CN" dirty="0">
+              <a:latin typeface="+mn-ea"/>
+            </a:endParaRPr>
           </a:p>
           <a:p>
             <a:r>
@@ -6030,11 +6423,13 @@
                   <a:srgbClr val="333333"/>
                 </a:solidFill>
                 <a:effectLst/>
-                <a:latin typeface="Open Sans" panose="020B0606030504020204" pitchFamily="34" charset="0"/>
+                <a:latin typeface="+mn-ea"/>
               </a:rPr>
               <a:t>A complete artifact package must contain:</a:t>
             </a:r>
-            <a:endParaRPr lang="en-US" altLang="zh-CN" dirty="0"/>
+            <a:endParaRPr lang="en-US" altLang="zh-CN" dirty="0">
+              <a:latin typeface="+mn-ea"/>
+            </a:endParaRPr>
           </a:p>
           <a:p>
             <a:pPr marL="285750" indent="-285750" algn="l">
@@ -6047,7 +6442,7 @@
                   <a:srgbClr val="333333"/>
                 </a:solidFill>
                 <a:effectLst/>
-                <a:latin typeface="Open Sans" panose="020B0606030504020204" pitchFamily="34" charset="0"/>
+                <a:latin typeface="+mn-ea"/>
               </a:rPr>
               <a:t>the accepted version of your OSDI paper</a:t>
             </a:r>
@@ -6063,7 +6458,7 @@
                   <a:srgbClr val="333333"/>
                 </a:solidFill>
                 <a:effectLst/>
-                <a:latin typeface="Open Sans" panose="020B0606030504020204" pitchFamily="34" charset="0"/>
+                <a:latin typeface="+mn-ea"/>
               </a:rPr>
               <a:t>the artifact itself</a:t>
             </a:r>
@@ -6079,13 +6474,15 @@
                   <a:srgbClr val="333333"/>
                 </a:solidFill>
                 <a:effectLst/>
-                <a:latin typeface="Open Sans" panose="020B0606030504020204" pitchFamily="34" charset="0"/>
+                <a:latin typeface="+mn-ea"/>
               </a:rPr>
               <a:t>README instructions</a:t>
             </a:r>
           </a:p>
           <a:p>
-            <a:endParaRPr lang="en-US" altLang="zh-CN" dirty="0"/>
+            <a:endParaRPr lang="en-US" altLang="zh-CN" dirty="0">
+              <a:latin typeface="+mn-ea"/>
+            </a:endParaRPr>
           </a:p>
         </p:txBody>
       </p:sp>
@@ -6123,11 +6520,13 @@
                   <a:srgbClr val="333333"/>
                 </a:solidFill>
                 <a:effectLst/>
-                <a:latin typeface="Open Sans" panose="020B0606030504020204" pitchFamily="34" charset="0"/>
+                <a:latin typeface="+mn-ea"/>
               </a:rPr>
               <a:t>1. README instructions</a:t>
             </a:r>
-            <a:endParaRPr lang="zh-CN" altLang="en-US" dirty="0"/>
+            <a:endParaRPr lang="zh-CN" altLang="en-US" dirty="0">
+              <a:latin typeface="+mn-ea"/>
+            </a:endParaRPr>
           </a:p>
         </p:txBody>
       </p:sp>
@@ -6145,8 +6544,8 @@
         </p:nvSpPr>
         <p:spPr>
           <a:xfrm>
-            <a:off x="409575" y="3685179"/>
-            <a:ext cx="4676775" cy="1477328"/>
+            <a:off x="401606" y="3793422"/>
+            <a:ext cx="4982921" cy="1477328"/>
           </a:xfrm>
           <a:prstGeom prst="rect">
             <a:avLst/>
@@ -6164,33 +6563,47 @@
               <a:buChar char="•"/>
             </a:pPr>
             <a:r>
-              <a:rPr lang="zh-CN" altLang="en-US" dirty="0"/>
+              <a:rPr lang="zh-CN" altLang="en-US" dirty="0">
+                <a:latin typeface="+mn-ea"/>
+              </a:rPr>
               <a:t>Getting Started Instructions</a:t>
             </a:r>
             <a:r>
-              <a:rPr lang="en-US" altLang="zh-CN" dirty="0"/>
+              <a:rPr lang="en-US" altLang="zh-CN" dirty="0">
+                <a:latin typeface="+mn-ea"/>
+              </a:rPr>
               <a:t>: </a:t>
             </a:r>
             <a:r>
-              <a:rPr lang="zh-CN" altLang="en-US" dirty="0"/>
+              <a:rPr lang="zh-CN" altLang="en-US" dirty="0">
+                <a:latin typeface="+mn-ea"/>
+              </a:rPr>
               <a:t>该部分应帮助评审在较短时间内检查</a:t>
             </a:r>
             <a:r>
-              <a:rPr lang="en-US" altLang="zh-CN" dirty="0"/>
+              <a:rPr lang="en-US" altLang="zh-CN" dirty="0">
+                <a:latin typeface="+mn-ea"/>
+              </a:rPr>
               <a:t>artifact</a:t>
             </a:r>
             <a:r>
-              <a:rPr lang="zh-CN" altLang="en-US" dirty="0"/>
+              <a:rPr lang="zh-CN" altLang="en-US" dirty="0">
+                <a:latin typeface="+mn-ea"/>
+              </a:rPr>
               <a:t>的基本功能。</a:t>
             </a:r>
-            <a:endParaRPr lang="en-US" altLang="zh-CN" dirty="0"/>
+            <a:endParaRPr lang="en-US" altLang="zh-CN" dirty="0">
+              <a:latin typeface="+mn-ea"/>
+            </a:endParaRPr>
           </a:p>
           <a:p>
             <a:pPr marL="285750" indent="-285750" algn="just">
               <a:buFont typeface="Arial" panose="020B0604020202020204" pitchFamily="34" charset="0"/>
               <a:buChar char="•"/>
             </a:pPr>
-            <a:endParaRPr lang="en-US" altLang="zh-CN" dirty="0"/>
+            <a:endParaRPr lang="en-US" altLang="zh-CN" dirty="0">
+              <a:latin typeface="+mn-ea"/>
+            </a:endParaRPr>
           </a:p>
           <a:p>
             <a:pPr marL="285750" indent="-285750" algn="just">
@@ -6198,59 +6611,34 @@
               <a:buChar char="•"/>
             </a:pPr>
             <a:r>
-              <a:rPr lang="zh-CN" altLang="en-US" dirty="0"/>
+              <a:rPr lang="zh-CN" altLang="en-US" dirty="0">
+                <a:latin typeface="+mn-ea"/>
+              </a:rPr>
               <a:t>Detailed Instructions</a:t>
             </a:r>
             <a:r>
-              <a:rPr lang="en-US" altLang="zh-CN" dirty="0"/>
+              <a:rPr lang="en-US" altLang="zh-CN" dirty="0">
+                <a:latin typeface="+mn-ea"/>
+              </a:rPr>
               <a:t>:</a:t>
             </a:r>
             <a:r>
-              <a:rPr lang="zh-CN" altLang="en-US" dirty="0"/>
+              <a:rPr lang="zh-CN" altLang="en-US" dirty="0">
+                <a:latin typeface="+mn-ea"/>
+              </a:rPr>
               <a:t> 该部分应提供足够的说明和文档，以便对</a:t>
             </a:r>
             <a:r>
-              <a:rPr lang="en-US" altLang="zh-CN" dirty="0"/>
+              <a:rPr lang="en-US" altLang="zh-CN" dirty="0">
+                <a:latin typeface="+mn-ea"/>
+              </a:rPr>
               <a:t>artifact</a:t>
             </a:r>
             <a:r>
-              <a:rPr lang="zh-CN" altLang="en-US" dirty="0"/>
+              <a:rPr lang="zh-CN" altLang="en-US" dirty="0">
+                <a:latin typeface="+mn-ea"/>
+              </a:rPr>
               <a:t>进行全面评估。</a:t>
-            </a:r>
-          </a:p>
-        </p:txBody>
-      </p:sp>
-      <p:sp>
-        <p:nvSpPr>
-          <p:cNvPr id="19" name="文本框 18">
-            <a:extLst>
-              <a:ext uri="{FF2B5EF4-FFF2-40B4-BE49-F238E27FC236}">
-                <a16:creationId xmlns:a16="http://schemas.microsoft.com/office/drawing/2014/main" id="{50F85346-D9E3-4355-8B1F-4DF263739508}"/>
-              </a:ext>
-            </a:extLst>
-          </p:cNvPr>
-          <p:cNvSpPr txBox="1"/>
-          <p:nvPr/>
-        </p:nvSpPr>
-        <p:spPr>
-          <a:xfrm>
-            <a:off x="3048000" y="6488668"/>
-            <a:ext cx="6096000" cy="369332"/>
-          </a:xfrm>
-          <a:prstGeom prst="rect">
-            <a:avLst/>
-          </a:prstGeom>
-          <a:noFill/>
-        </p:spPr>
-        <p:txBody>
-          <a:bodyPr wrap="square">
-            <a:spAutoFit/>
-          </a:bodyPr>
-          <a:lstStyle/>
-          <a:p>
-            <a:r>
-              <a:rPr lang="zh-CN" altLang="en-US" dirty="0"/>
-              <a:t>https://www.usenix.org/conference/osdi25/call-for-artifacts</a:t>
             </a:r>
           </a:p>
         </p:txBody>
@@ -6288,7 +6676,7 @@
                 <a:solidFill>
                   <a:srgbClr val="333333"/>
                 </a:solidFill>
-                <a:latin typeface="Open Sans" panose="020B0606030504020204" pitchFamily="34" charset="0"/>
+                <a:latin typeface="+mn-ea"/>
               </a:rPr>
               <a:t>2</a:t>
             </a:r>
@@ -6298,11 +6686,13 @@
                   <a:srgbClr val="333333"/>
                 </a:solidFill>
                 <a:effectLst/>
-                <a:latin typeface="Open Sans" panose="020B0606030504020204" pitchFamily="34" charset="0"/>
+                <a:latin typeface="+mn-ea"/>
               </a:rPr>
               <a:t>. Artifact claims</a:t>
             </a:r>
-            <a:endParaRPr lang="zh-CN" altLang="en-US" dirty="0"/>
+            <a:endParaRPr lang="zh-CN" altLang="en-US" dirty="0">
+              <a:latin typeface="+mn-ea"/>
+            </a:endParaRPr>
           </a:p>
         </p:txBody>
       </p:sp>
@@ -6339,15 +6729,21 @@
               <a:buChar char="•"/>
             </a:pPr>
             <a:r>
-              <a:rPr lang="zh-CN" altLang="en-US" dirty="0"/>
+              <a:rPr lang="zh-CN" altLang="en-US" dirty="0">
+                <a:latin typeface="+mn-ea"/>
+              </a:rPr>
               <a:t>主要说明这个</a:t>
             </a:r>
             <a:r>
-              <a:rPr lang="en-US" altLang="zh-CN" dirty="0"/>
+              <a:rPr lang="en-US" altLang="zh-CN" dirty="0">
+                <a:latin typeface="+mn-ea"/>
+              </a:rPr>
               <a:t>artifact </a:t>
             </a:r>
             <a:r>
-              <a:rPr lang="zh-CN" altLang="en-US" dirty="0"/>
+              <a:rPr lang="zh-CN" altLang="en-US" dirty="0">
+                <a:latin typeface="+mn-ea"/>
+              </a:rPr>
               <a:t>能达到的效果，与论文中设定的期望是否有所差异等。</a:t>
             </a:r>
           </a:p>
@@ -6387,11 +6783,13 @@
                   <a:srgbClr val="333333"/>
                 </a:solidFill>
                 <a:effectLst/>
-                <a:latin typeface="Open Sans" panose="020B0606030504020204" pitchFamily="34" charset="0"/>
+                <a:latin typeface="+mn-ea"/>
               </a:rPr>
               <a:t>3. Artifact format</a:t>
             </a:r>
-            <a:endParaRPr lang="zh-CN" altLang="en-US" dirty="0"/>
+            <a:endParaRPr lang="zh-CN" altLang="en-US" dirty="0">
+              <a:latin typeface="+mn-ea"/>
+            </a:endParaRPr>
           </a:p>
         </p:txBody>
       </p:sp>
@@ -6428,7 +6826,9 @@
               <a:buChar char="•"/>
             </a:pPr>
             <a:r>
-              <a:rPr lang="en-US" altLang="zh-CN" dirty="0"/>
+              <a:rPr lang="en-US" altLang="zh-CN" dirty="0">
+                <a:latin typeface="+mn-ea"/>
+              </a:rPr>
               <a:t>Source code</a:t>
             </a:r>
           </a:p>
@@ -6438,7 +6838,9 @@
               <a:buChar char="•"/>
             </a:pPr>
             <a:r>
-              <a:rPr lang="en-US" altLang="zh-CN" dirty="0"/>
+              <a:rPr lang="en-US" altLang="zh-CN" dirty="0">
+                <a:latin typeface="+mn-ea"/>
+              </a:rPr>
               <a:t>Virtual machine/ container</a:t>
             </a:r>
           </a:p>
@@ -6448,7 +6850,9 @@
               <a:buChar char="•"/>
             </a:pPr>
             <a:r>
-              <a:rPr lang="en-US" altLang="zh-CN" dirty="0"/>
+              <a:rPr lang="en-US" altLang="zh-CN" dirty="0">
+                <a:latin typeface="+mn-ea"/>
+              </a:rPr>
               <a:t>Binary installer</a:t>
             </a:r>
           </a:p>
@@ -6458,7 +6862,9 @@
               <a:buChar char="•"/>
             </a:pPr>
             <a:r>
-              <a:rPr lang="en-US" altLang="zh-CN" dirty="0"/>
+              <a:rPr lang="en-US" altLang="zh-CN" dirty="0">
+                <a:latin typeface="+mn-ea"/>
+              </a:rPr>
               <a:t>Live instance on the web</a:t>
             </a:r>
           </a:p>
@@ -6468,10 +6874,14 @@
               <a:buChar char="•"/>
             </a:pPr>
             <a:r>
-              <a:rPr lang="en-US" altLang="zh-CN" dirty="0"/>
+              <a:rPr lang="en-US" altLang="zh-CN" dirty="0">
+                <a:latin typeface="+mn-ea"/>
+              </a:rPr>
               <a:t>Internet-accessible hardware</a:t>
             </a:r>
-            <a:endParaRPr lang="zh-CN" altLang="en-US" dirty="0"/>
+            <a:endParaRPr lang="zh-CN" altLang="en-US" dirty="0">
+              <a:latin typeface="+mn-ea"/>
+            </a:endParaRPr>
           </a:p>
         </p:txBody>
       </p:sp>
@@ -6480,7 +6890,7 @@
           <p:cNvPr id="10" name="文本框 9">
             <a:extLst>
               <a:ext uri="{FF2B5EF4-FFF2-40B4-BE49-F238E27FC236}">
-                <a16:creationId xmlns:a16="http://schemas.microsoft.com/office/drawing/2014/main" id="{7A8FC50B-0691-4192-B2E4-0577B9AD04F9}"/>
+                <a16:creationId xmlns:a16="http://schemas.microsoft.com/office/drawing/2014/main" id="{50544F3A-D1BE-42DF-A06F-61D65E7D8519}"/>
               </a:ext>
             </a:extLst>
           </p:cNvPr>
@@ -6489,8 +6899,8 @@
         </p:nvSpPr>
         <p:spPr>
           <a:xfrm>
-            <a:off x="2957691" y="5728668"/>
-            <a:ext cx="5912196" cy="369332"/>
+            <a:off x="2553477" y="6425684"/>
+            <a:ext cx="7085045" cy="369332"/>
           </a:xfrm>
           <a:prstGeom prst="rect">
             <a:avLst/>
@@ -6498,18 +6908,16 @@
           <a:noFill/>
         </p:spPr>
         <p:txBody>
-          <a:bodyPr wrap="none" rtlCol="0">
+          <a:bodyPr wrap="square">
             <a:spAutoFit/>
           </a:bodyPr>
           <a:lstStyle/>
           <a:p>
             <a:r>
-              <a:rPr lang="zh-CN" altLang="en-US" b="1" dirty="0">
-                <a:solidFill>
-                  <a:schemeClr val="accent1"/>
-                </a:solidFill>
-              </a:rPr>
-              <a:t>清晰的文档描述、可快速移植的环境、可以运行的代码</a:t>
+              <a:rPr lang="zh-CN" altLang="en-US" dirty="0">
+                <a:latin typeface="+mn-ea"/>
+              </a:rPr>
+              <a:t>https://www.usenix.org/conference/osdi25/call-for-artifacts</a:t>
             </a:r>
           </a:p>
         </p:txBody>
@@ -6517,7 +6925,7 @@
     </p:spTree>
     <p:extLst>
       <p:ext uri="{BB962C8B-B14F-4D97-AF65-F5344CB8AC3E}">
-        <p14:creationId xmlns:p14="http://schemas.microsoft.com/office/powerpoint/2010/main" val="2077179786"/>
+        <p14:creationId xmlns:p14="http://schemas.microsoft.com/office/powerpoint/2010/main" val="3570112861"/>
       </p:ext>
     </p:extLst>
   </p:cSld>
@@ -6546,53 +6954,10 @@
       </p:grpSpPr>
       <p:sp>
         <p:nvSpPr>
-          <p:cNvPr id="3" name="内容占位符 2">
+          <p:cNvPr id="12" name="文本框 11">
             <a:extLst>
               <a:ext uri="{FF2B5EF4-FFF2-40B4-BE49-F238E27FC236}">
-                <a16:creationId xmlns:a16="http://schemas.microsoft.com/office/drawing/2014/main" id="{7DE31800-DD41-443C-A0EA-0D68FB8A7E9D}"/>
-              </a:ext>
-            </a:extLst>
-          </p:cNvPr>
-          <p:cNvSpPr>
-            <a:spLocks noGrp="1"/>
-          </p:cNvSpPr>
-          <p:nvPr>
-            <p:ph idx="1"/>
-          </p:nvPr>
-        </p:nvSpPr>
-        <p:spPr>
-          <a:xfrm>
-            <a:off x="4193902" y="2901403"/>
-            <a:ext cx="4581676" cy="1912907"/>
-          </a:xfrm>
-        </p:spPr>
-        <p:txBody>
-          <a:bodyPr>
-            <a:normAutofit/>
-          </a:bodyPr>
-          <a:lstStyle/>
-          <a:p>
-            <a:pPr marL="0" indent="0">
-              <a:buNone/>
-            </a:pPr>
-            <a:r>
-              <a:rPr lang="en-US" altLang="zh-CN" sz="2800" b="1" dirty="0" err="1"/>
-              <a:t>Haibo</a:t>
-            </a:r>
-            <a:r>
-              <a:rPr lang="zh-CN" altLang="en-US" sz="2800" b="1" dirty="0"/>
-              <a:t>老师案例分析</a:t>
-            </a:r>
-            <a:endParaRPr lang="en-US" altLang="zh-CN" sz="2800" b="1" dirty="0"/>
-          </a:p>
-        </p:txBody>
-      </p:sp>
-      <p:sp>
-        <p:nvSpPr>
-          <p:cNvPr id="2" name="文本框 1">
-            <a:extLst>
-              <a:ext uri="{FF2B5EF4-FFF2-40B4-BE49-F238E27FC236}">
-                <a16:creationId xmlns:a16="http://schemas.microsoft.com/office/drawing/2014/main" id="{57C188ED-14C9-4083-AC09-B4E8F94DFDBE}"/>
+                <a16:creationId xmlns:a16="http://schemas.microsoft.com/office/drawing/2014/main" id="{B6967275-DB50-4DF5-AF45-BBA1165E9F04}"/>
               </a:ext>
             </a:extLst>
           </p:cNvPr>
@@ -6601,8 +6966,8 @@
         </p:nvSpPr>
         <p:spPr>
           <a:xfrm>
-            <a:off x="2710694" y="3762375"/>
-            <a:ext cx="7548092" cy="369332"/>
+            <a:off x="409575" y="247650"/>
+            <a:ext cx="4974952" cy="2031325"/>
           </a:xfrm>
           <a:prstGeom prst="rect">
             <a:avLst/>
@@ -6610,37 +6975,104 @@
           <a:noFill/>
         </p:spPr>
         <p:txBody>
-          <a:bodyPr wrap="none" rtlCol="0">
+          <a:bodyPr wrap="square" rtlCol="0">
             <a:spAutoFit/>
           </a:bodyPr>
           <a:lstStyle/>
           <a:p>
-            <a:r>
-              <a:rPr lang="en-US" altLang="zh-CN" dirty="0"/>
-              <a:t>ATC’25</a:t>
-            </a:r>
-            <a:r>
-              <a:rPr lang="zh-CN" altLang="en-US" dirty="0"/>
-              <a:t> </a:t>
-            </a:r>
-            <a:r>
-              <a:rPr lang="en-US" altLang="zh-CN" dirty="0" err="1"/>
-              <a:t>Colocating</a:t>
-            </a:r>
-            <a:r>
-              <a:rPr lang="en-US" altLang="zh-CN" dirty="0"/>
-              <a:t> ML Inference and Training with Fast GPU Memory Handover</a:t>
-            </a:r>
-            <a:endParaRPr lang="zh-CN" altLang="en-US" dirty="0"/>
-          </a:p>
-        </p:txBody>
-      </p:sp>
-      <p:sp>
-        <p:nvSpPr>
-          <p:cNvPr id="6" name="文本框 5">
+            <a:pPr algn="l"/>
+            <a:r>
+              <a:rPr lang="en-US" altLang="zh-CN" b="1" i="0" dirty="0">
+                <a:solidFill>
+                  <a:srgbClr val="333333"/>
+                </a:solidFill>
+                <a:effectLst/>
+                <a:latin typeface="+mn-ea"/>
+              </a:rPr>
+              <a:t>OSDI '25 Call for Artifacts</a:t>
+            </a:r>
+          </a:p>
+          <a:p>
+            <a:endParaRPr lang="en-US" altLang="zh-CN" dirty="0">
+              <a:latin typeface="+mn-ea"/>
+            </a:endParaRPr>
+          </a:p>
+          <a:p>
+            <a:r>
+              <a:rPr lang="en-US" altLang="zh-CN" b="0" i="0" dirty="0">
+                <a:solidFill>
+                  <a:srgbClr val="333333"/>
+                </a:solidFill>
+                <a:effectLst/>
+                <a:latin typeface="+mn-ea"/>
+              </a:rPr>
+              <a:t>A complete artifact package must contain:</a:t>
+            </a:r>
+            <a:endParaRPr lang="en-US" altLang="zh-CN" dirty="0">
+              <a:latin typeface="+mn-ea"/>
+            </a:endParaRPr>
+          </a:p>
+          <a:p>
+            <a:pPr marL="285750" indent="-285750" algn="l">
+              <a:buFont typeface="Arial" panose="020B0604020202020204" pitchFamily="34" charset="0"/>
+              <a:buChar char="•"/>
+            </a:pPr>
+            <a:r>
+              <a:rPr lang="en-US" altLang="zh-CN" i="0" dirty="0">
+                <a:solidFill>
+                  <a:srgbClr val="333333"/>
+                </a:solidFill>
+                <a:effectLst/>
+                <a:latin typeface="+mn-ea"/>
+              </a:rPr>
+              <a:t>the accepted version of your OSDI paper</a:t>
+            </a:r>
+          </a:p>
+          <a:p>
+            <a:pPr marL="285750" indent="-285750" algn="l">
+              <a:buFont typeface="Arial" panose="020B0604020202020204" pitchFamily="34" charset="0"/>
+              <a:buChar char="•"/>
+            </a:pPr>
+            <a:r>
+              <a:rPr lang="en-US" altLang="zh-CN" i="0" dirty="0">
+                <a:solidFill>
+                  <a:srgbClr val="333333"/>
+                </a:solidFill>
+                <a:effectLst/>
+                <a:latin typeface="+mn-ea"/>
+              </a:rPr>
+              <a:t>the artifact itself</a:t>
+            </a:r>
+          </a:p>
+          <a:p>
+            <a:pPr marL="285750" indent="-285750" algn="l">
+              <a:buFont typeface="Arial" panose="020B0604020202020204" pitchFamily="34" charset="0"/>
+              <a:buChar char="•"/>
+            </a:pPr>
+            <a:r>
+              <a:rPr lang="en-US" altLang="zh-CN" i="0" dirty="0">
+                <a:solidFill>
+                  <a:srgbClr val="333333"/>
+                </a:solidFill>
+                <a:effectLst/>
+                <a:latin typeface="+mn-ea"/>
+              </a:rPr>
+              <a:t>README instructions</a:t>
+            </a:r>
+          </a:p>
+          <a:p>
+            <a:endParaRPr lang="en-US" altLang="zh-CN" dirty="0">
+              <a:latin typeface="+mn-ea"/>
+            </a:endParaRPr>
+          </a:p>
+        </p:txBody>
+      </p:sp>
+      <p:sp>
+        <p:nvSpPr>
+          <p:cNvPr id="14" name="文本框 13">
             <a:extLst>
               <a:ext uri="{FF2B5EF4-FFF2-40B4-BE49-F238E27FC236}">
-                <a16:creationId xmlns:a16="http://schemas.microsoft.com/office/drawing/2014/main" id="{B70E0D26-20C5-4F05-B580-1737E9FBC633}"/>
+                <a16:creationId xmlns:a16="http://schemas.microsoft.com/office/drawing/2014/main" id="{3210D805-60A2-43E9-BFF5-9A1B499ED2FF}"/>
               </a:ext>
             </a:extLst>
           </p:cNvPr>
@@ -6649,7 +7081,7 @@
         </p:nvSpPr>
         <p:spPr>
           <a:xfrm>
-            <a:off x="4095750" y="4288342"/>
+            <a:off x="409575" y="3174698"/>
             <a:ext cx="6096000" cy="369332"/>
           </a:xfrm>
           <a:prstGeom prst="rect">
@@ -6664,8 +7096,448 @@
           <a:lstStyle/>
           <a:p>
             <a:r>
-              <a:rPr lang="zh-CN" altLang="en-US" dirty="0"/>
-              <a:t>https://github.com/SiriusInfTra/Sirius</a:t>
+              <a:rPr lang="en-US" altLang="zh-CN" b="1" i="0" dirty="0">
+                <a:solidFill>
+                  <a:srgbClr val="333333"/>
+                </a:solidFill>
+                <a:effectLst/>
+                <a:latin typeface="+mn-ea"/>
+              </a:rPr>
+              <a:t>1. README instructions</a:t>
+            </a:r>
+            <a:endParaRPr lang="zh-CN" altLang="en-US" dirty="0">
+              <a:latin typeface="+mn-ea"/>
+            </a:endParaRPr>
+          </a:p>
+        </p:txBody>
+      </p:sp>
+      <p:sp>
+        <p:nvSpPr>
+          <p:cNvPr id="17" name="文本框 16">
+            <a:extLst>
+              <a:ext uri="{FF2B5EF4-FFF2-40B4-BE49-F238E27FC236}">
+                <a16:creationId xmlns:a16="http://schemas.microsoft.com/office/drawing/2014/main" id="{992BA8ED-664F-44F6-BF96-4971E9C8CBA2}"/>
+              </a:ext>
+            </a:extLst>
+          </p:cNvPr>
+          <p:cNvSpPr txBox="1"/>
+          <p:nvPr/>
+        </p:nvSpPr>
+        <p:spPr>
+          <a:xfrm>
+            <a:off x="401606" y="3793422"/>
+            <a:ext cx="4982921" cy="1477328"/>
+          </a:xfrm>
+          <a:prstGeom prst="rect">
+            <a:avLst/>
+          </a:prstGeom>
+          <a:noFill/>
+        </p:spPr>
+        <p:txBody>
+          <a:bodyPr wrap="square">
+            <a:spAutoFit/>
+          </a:bodyPr>
+          <a:lstStyle/>
+          <a:p>
+            <a:pPr marL="285750" indent="-285750" algn="just">
+              <a:buFont typeface="Arial" panose="020B0604020202020204" pitchFamily="34" charset="0"/>
+              <a:buChar char="•"/>
+            </a:pPr>
+            <a:r>
+              <a:rPr lang="zh-CN" altLang="en-US" dirty="0">
+                <a:latin typeface="+mn-ea"/>
+              </a:rPr>
+              <a:t>Getting Started Instructions</a:t>
+            </a:r>
+            <a:r>
+              <a:rPr lang="en-US" altLang="zh-CN" dirty="0">
+                <a:latin typeface="+mn-ea"/>
+              </a:rPr>
+              <a:t>: </a:t>
+            </a:r>
+            <a:r>
+              <a:rPr lang="zh-CN" altLang="en-US" dirty="0">
+                <a:latin typeface="+mn-ea"/>
+              </a:rPr>
+              <a:t>该部分应帮助评审在较短时间内检查</a:t>
+            </a:r>
+            <a:r>
+              <a:rPr lang="en-US" altLang="zh-CN" dirty="0">
+                <a:latin typeface="+mn-ea"/>
+              </a:rPr>
+              <a:t>artifact</a:t>
+            </a:r>
+            <a:r>
+              <a:rPr lang="zh-CN" altLang="en-US" dirty="0">
+                <a:latin typeface="+mn-ea"/>
+              </a:rPr>
+              <a:t>的基本功能。</a:t>
+            </a:r>
+            <a:endParaRPr lang="en-US" altLang="zh-CN" dirty="0">
+              <a:latin typeface="+mn-ea"/>
+            </a:endParaRPr>
+          </a:p>
+          <a:p>
+            <a:pPr marL="285750" indent="-285750" algn="just">
+              <a:buFont typeface="Arial" panose="020B0604020202020204" pitchFamily="34" charset="0"/>
+              <a:buChar char="•"/>
+            </a:pPr>
+            <a:endParaRPr lang="en-US" altLang="zh-CN" dirty="0">
+              <a:latin typeface="+mn-ea"/>
+            </a:endParaRPr>
+          </a:p>
+          <a:p>
+            <a:pPr marL="285750" indent="-285750" algn="just">
+              <a:buFont typeface="Arial" panose="020B0604020202020204" pitchFamily="34" charset="0"/>
+              <a:buChar char="•"/>
+            </a:pPr>
+            <a:r>
+              <a:rPr lang="zh-CN" altLang="en-US" dirty="0">
+                <a:latin typeface="+mn-ea"/>
+              </a:rPr>
+              <a:t>Detailed Instructions</a:t>
+            </a:r>
+            <a:r>
+              <a:rPr lang="en-US" altLang="zh-CN" dirty="0">
+                <a:latin typeface="+mn-ea"/>
+              </a:rPr>
+              <a:t>:</a:t>
+            </a:r>
+            <a:r>
+              <a:rPr lang="zh-CN" altLang="en-US" dirty="0">
+                <a:latin typeface="+mn-ea"/>
+              </a:rPr>
+              <a:t> 该部分应提供足够的说明和文档，以便对</a:t>
+            </a:r>
+            <a:r>
+              <a:rPr lang="en-US" altLang="zh-CN" dirty="0">
+                <a:latin typeface="+mn-ea"/>
+              </a:rPr>
+              <a:t>artifact</a:t>
+            </a:r>
+            <a:r>
+              <a:rPr lang="zh-CN" altLang="en-US" dirty="0">
+                <a:latin typeface="+mn-ea"/>
+              </a:rPr>
+              <a:t>进行全面评估。</a:t>
+            </a:r>
+          </a:p>
+        </p:txBody>
+      </p:sp>
+      <p:sp>
+        <p:nvSpPr>
+          <p:cNvPr id="19" name="文本框 18">
+            <a:extLst>
+              <a:ext uri="{FF2B5EF4-FFF2-40B4-BE49-F238E27FC236}">
+                <a16:creationId xmlns:a16="http://schemas.microsoft.com/office/drawing/2014/main" id="{50F85346-D9E3-4355-8B1F-4DF263739508}"/>
+              </a:ext>
+            </a:extLst>
+          </p:cNvPr>
+          <p:cNvSpPr txBox="1"/>
+          <p:nvPr/>
+        </p:nvSpPr>
+        <p:spPr>
+          <a:xfrm>
+            <a:off x="2553477" y="6425684"/>
+            <a:ext cx="7085045" cy="369332"/>
+          </a:xfrm>
+          <a:prstGeom prst="rect">
+            <a:avLst/>
+          </a:prstGeom>
+          <a:noFill/>
+        </p:spPr>
+        <p:txBody>
+          <a:bodyPr wrap="square">
+            <a:spAutoFit/>
+          </a:bodyPr>
+          <a:lstStyle/>
+          <a:p>
+            <a:r>
+              <a:rPr lang="zh-CN" altLang="en-US" dirty="0">
+                <a:latin typeface="+mn-ea"/>
+              </a:rPr>
+              <a:t>https://www.usenix.org/conference/osdi25/call-for-artifacts</a:t>
+            </a:r>
+          </a:p>
+        </p:txBody>
+      </p:sp>
+      <p:sp>
+        <p:nvSpPr>
+          <p:cNvPr id="20" name="文本框 19">
+            <a:extLst>
+              <a:ext uri="{FF2B5EF4-FFF2-40B4-BE49-F238E27FC236}">
+                <a16:creationId xmlns:a16="http://schemas.microsoft.com/office/drawing/2014/main" id="{5961E8C3-B0E1-46C9-B11E-F362157D8B10}"/>
+              </a:ext>
+            </a:extLst>
+          </p:cNvPr>
+          <p:cNvSpPr txBox="1"/>
+          <p:nvPr/>
+        </p:nvSpPr>
+        <p:spPr>
+          <a:xfrm>
+            <a:off x="6962775" y="279701"/>
+            <a:ext cx="6096000" cy="369332"/>
+          </a:xfrm>
+          <a:prstGeom prst="rect">
+            <a:avLst/>
+          </a:prstGeom>
+          <a:noFill/>
+        </p:spPr>
+        <p:txBody>
+          <a:bodyPr wrap="square">
+            <a:spAutoFit/>
+          </a:bodyPr>
+          <a:lstStyle/>
+          <a:p>
+            <a:r>
+              <a:rPr lang="en-US" altLang="zh-CN" b="1" dirty="0">
+                <a:solidFill>
+                  <a:srgbClr val="333333"/>
+                </a:solidFill>
+                <a:latin typeface="+mn-ea"/>
+              </a:rPr>
+              <a:t>2</a:t>
+            </a:r>
+            <a:r>
+              <a:rPr lang="en-US" altLang="zh-CN" b="1" i="0" dirty="0">
+                <a:solidFill>
+                  <a:srgbClr val="333333"/>
+                </a:solidFill>
+                <a:effectLst/>
+                <a:latin typeface="+mn-ea"/>
+              </a:rPr>
+              <a:t>. Artifact claims</a:t>
+            </a:r>
+            <a:endParaRPr lang="zh-CN" altLang="en-US" dirty="0">
+              <a:latin typeface="+mn-ea"/>
+            </a:endParaRPr>
+          </a:p>
+        </p:txBody>
+      </p:sp>
+      <p:sp>
+        <p:nvSpPr>
+          <p:cNvPr id="21" name="文本框 20">
+            <a:extLst>
+              <a:ext uri="{FF2B5EF4-FFF2-40B4-BE49-F238E27FC236}">
+                <a16:creationId xmlns:a16="http://schemas.microsoft.com/office/drawing/2014/main" id="{6EF8A52C-1784-4D94-B832-CD5F884651BD}"/>
+              </a:ext>
+            </a:extLst>
+          </p:cNvPr>
+          <p:cNvSpPr txBox="1"/>
+          <p:nvPr/>
+        </p:nvSpPr>
+        <p:spPr>
+          <a:xfrm>
+            <a:off x="6962775" y="861729"/>
+            <a:ext cx="4676775" cy="646331"/>
+          </a:xfrm>
+          <a:prstGeom prst="rect">
+            <a:avLst/>
+          </a:prstGeom>
+          <a:noFill/>
+        </p:spPr>
+        <p:txBody>
+          <a:bodyPr wrap="square">
+            <a:spAutoFit/>
+          </a:bodyPr>
+          <a:lstStyle/>
+          <a:p>
+            <a:pPr marL="285750" indent="-285750" algn="just">
+              <a:buFont typeface="Arial" panose="020B0604020202020204" pitchFamily="34" charset="0"/>
+              <a:buChar char="•"/>
+            </a:pPr>
+            <a:r>
+              <a:rPr lang="zh-CN" altLang="en-US" dirty="0">
+                <a:latin typeface="+mn-ea"/>
+              </a:rPr>
+              <a:t>主要说明这个</a:t>
+            </a:r>
+            <a:r>
+              <a:rPr lang="en-US" altLang="zh-CN" dirty="0">
+                <a:latin typeface="+mn-ea"/>
+              </a:rPr>
+              <a:t>artifact </a:t>
+            </a:r>
+            <a:r>
+              <a:rPr lang="zh-CN" altLang="en-US" dirty="0">
+                <a:latin typeface="+mn-ea"/>
+              </a:rPr>
+              <a:t>能达到的效果，与论文中设定的期望是否有所差异等。</a:t>
+            </a:r>
+          </a:p>
+        </p:txBody>
+      </p:sp>
+      <p:sp>
+        <p:nvSpPr>
+          <p:cNvPr id="22" name="文本框 21">
+            <a:extLst>
+              <a:ext uri="{FF2B5EF4-FFF2-40B4-BE49-F238E27FC236}">
+                <a16:creationId xmlns:a16="http://schemas.microsoft.com/office/drawing/2014/main" id="{F3C5B11C-5B25-4B8D-B019-FF44F11EF8EE}"/>
+              </a:ext>
+            </a:extLst>
+          </p:cNvPr>
+          <p:cNvSpPr txBox="1"/>
+          <p:nvPr/>
+        </p:nvSpPr>
+        <p:spPr>
+          <a:xfrm>
+            <a:off x="6962775" y="3199090"/>
+            <a:ext cx="6096000" cy="369332"/>
+          </a:xfrm>
+          <a:prstGeom prst="rect">
+            <a:avLst/>
+          </a:prstGeom>
+          <a:noFill/>
+        </p:spPr>
+        <p:txBody>
+          <a:bodyPr wrap="square">
+            <a:spAutoFit/>
+          </a:bodyPr>
+          <a:lstStyle/>
+          <a:p>
+            <a:r>
+              <a:rPr lang="en-US" altLang="zh-CN" b="1" i="0" dirty="0">
+                <a:solidFill>
+                  <a:srgbClr val="333333"/>
+                </a:solidFill>
+                <a:effectLst/>
+                <a:latin typeface="+mn-ea"/>
+              </a:rPr>
+              <a:t>3. Artifact format</a:t>
+            </a:r>
+            <a:endParaRPr lang="zh-CN" altLang="en-US" dirty="0">
+              <a:latin typeface="+mn-ea"/>
+            </a:endParaRPr>
+          </a:p>
+        </p:txBody>
+      </p:sp>
+      <p:sp>
+        <p:nvSpPr>
+          <p:cNvPr id="26" name="文本框 25">
+            <a:extLst>
+              <a:ext uri="{FF2B5EF4-FFF2-40B4-BE49-F238E27FC236}">
+                <a16:creationId xmlns:a16="http://schemas.microsoft.com/office/drawing/2014/main" id="{57264075-A72D-466A-9E6B-F24DC964B886}"/>
+              </a:ext>
+            </a:extLst>
+          </p:cNvPr>
+          <p:cNvSpPr txBox="1"/>
+          <p:nvPr/>
+        </p:nvSpPr>
+        <p:spPr>
+          <a:xfrm>
+            <a:off x="7096125" y="3746285"/>
+            <a:ext cx="4676775" cy="1477328"/>
+          </a:xfrm>
+          <a:prstGeom prst="rect">
+            <a:avLst/>
+          </a:prstGeom>
+          <a:noFill/>
+        </p:spPr>
+        <p:txBody>
+          <a:bodyPr wrap="square">
+            <a:spAutoFit/>
+          </a:bodyPr>
+          <a:lstStyle/>
+          <a:p>
+            <a:pPr marL="285750" indent="-285750" algn="just">
+              <a:buFont typeface="Arial" panose="020B0604020202020204" pitchFamily="34" charset="0"/>
+              <a:buChar char="•"/>
+            </a:pPr>
+            <a:r>
+              <a:rPr lang="en-US" altLang="zh-CN" dirty="0">
+                <a:latin typeface="+mn-ea"/>
+              </a:rPr>
+              <a:t>Source code</a:t>
+            </a:r>
+          </a:p>
+          <a:p>
+            <a:pPr marL="285750" indent="-285750" algn="just">
+              <a:buFont typeface="Arial" panose="020B0604020202020204" pitchFamily="34" charset="0"/>
+              <a:buChar char="•"/>
+            </a:pPr>
+            <a:r>
+              <a:rPr lang="en-US" altLang="zh-CN" dirty="0">
+                <a:latin typeface="+mn-ea"/>
+              </a:rPr>
+              <a:t>Virtual machine/ container</a:t>
+            </a:r>
+          </a:p>
+          <a:p>
+            <a:pPr marL="285750" indent="-285750" algn="just">
+              <a:buFont typeface="Arial" panose="020B0604020202020204" pitchFamily="34" charset="0"/>
+              <a:buChar char="•"/>
+            </a:pPr>
+            <a:r>
+              <a:rPr lang="en-US" altLang="zh-CN" dirty="0">
+                <a:latin typeface="+mn-ea"/>
+              </a:rPr>
+              <a:t>Binary installer</a:t>
+            </a:r>
+          </a:p>
+          <a:p>
+            <a:pPr marL="285750" indent="-285750" algn="just">
+              <a:buFont typeface="Arial" panose="020B0604020202020204" pitchFamily="34" charset="0"/>
+              <a:buChar char="•"/>
+            </a:pPr>
+            <a:r>
+              <a:rPr lang="en-US" altLang="zh-CN" dirty="0">
+                <a:latin typeface="+mn-ea"/>
+              </a:rPr>
+              <a:t>Live instance on the web</a:t>
+            </a:r>
+          </a:p>
+          <a:p>
+            <a:pPr marL="285750" indent="-285750" algn="just">
+              <a:buFont typeface="Arial" panose="020B0604020202020204" pitchFamily="34" charset="0"/>
+              <a:buChar char="•"/>
+            </a:pPr>
+            <a:r>
+              <a:rPr lang="en-US" altLang="zh-CN" dirty="0">
+                <a:latin typeface="+mn-ea"/>
+              </a:rPr>
+              <a:t>Internet-accessible hardware</a:t>
+            </a:r>
+            <a:endParaRPr lang="zh-CN" altLang="en-US" dirty="0">
+              <a:latin typeface="+mn-ea"/>
+            </a:endParaRPr>
+          </a:p>
+        </p:txBody>
+      </p:sp>
+      <p:sp>
+        <p:nvSpPr>
+          <p:cNvPr id="10" name="文本框 9">
+            <a:extLst>
+              <a:ext uri="{FF2B5EF4-FFF2-40B4-BE49-F238E27FC236}">
+                <a16:creationId xmlns:a16="http://schemas.microsoft.com/office/drawing/2014/main" id="{3B002A20-9842-40A3-8336-B28C656AB31D}"/>
+              </a:ext>
+            </a:extLst>
+          </p:cNvPr>
+          <p:cNvSpPr txBox="1"/>
+          <p:nvPr/>
+        </p:nvSpPr>
+        <p:spPr>
+          <a:xfrm>
+            <a:off x="2957691" y="5728668"/>
+            <a:ext cx="5912196" cy="369332"/>
+          </a:xfrm>
+          <a:prstGeom prst="rect">
+            <a:avLst/>
+          </a:prstGeom>
+          <a:noFill/>
+        </p:spPr>
+        <p:txBody>
+          <a:bodyPr wrap="none" rtlCol="0">
+            <a:spAutoFit/>
+          </a:bodyPr>
+          <a:lstStyle/>
+          <a:p>
+            <a:r>
+              <a:rPr lang="zh-CN" altLang="en-US" b="1" dirty="0">
+                <a:solidFill>
+                  <a:schemeClr val="accent1"/>
+                </a:solidFill>
+              </a:rPr>
+              <a:t>清晰的文档描述、可快速移植的环境、可以运行的代码</a:t>
             </a:r>
           </a:p>
         </p:txBody>
@@ -6673,7 +7545,7 @@
     </p:spTree>
     <p:extLst>
       <p:ext uri="{BB962C8B-B14F-4D97-AF65-F5344CB8AC3E}">
-        <p14:creationId xmlns:p14="http://schemas.microsoft.com/office/powerpoint/2010/main" val="4024716538"/>
+        <p14:creationId xmlns:p14="http://schemas.microsoft.com/office/powerpoint/2010/main" val="3769379241"/>
       </p:ext>
     </p:extLst>
   </p:cSld>
@@ -6702,10 +7574,53 @@
       </p:grpSpPr>
       <p:sp>
         <p:nvSpPr>
-          <p:cNvPr id="8" name="文本框 7">
+          <p:cNvPr id="3" name="内容占位符 2">
             <a:extLst>
               <a:ext uri="{FF2B5EF4-FFF2-40B4-BE49-F238E27FC236}">
-                <a16:creationId xmlns:a16="http://schemas.microsoft.com/office/drawing/2014/main" id="{5C4AE152-DAED-415D-89CA-B2B2033A1A0A}"/>
+                <a16:creationId xmlns:a16="http://schemas.microsoft.com/office/drawing/2014/main" id="{7DE31800-DD41-443C-A0EA-0D68FB8A7E9D}"/>
+              </a:ext>
+            </a:extLst>
+          </p:cNvPr>
+          <p:cNvSpPr>
+            <a:spLocks noGrp="1"/>
+          </p:cNvSpPr>
+          <p:nvPr>
+            <p:ph idx="1"/>
+          </p:nvPr>
+        </p:nvSpPr>
+        <p:spPr>
+          <a:xfrm>
+            <a:off x="4193902" y="2805921"/>
+            <a:ext cx="4581676" cy="1912907"/>
+          </a:xfrm>
+        </p:spPr>
+        <p:txBody>
+          <a:bodyPr>
+            <a:normAutofit/>
+          </a:bodyPr>
+          <a:lstStyle/>
+          <a:p>
+            <a:pPr marL="0" indent="0">
+              <a:buNone/>
+            </a:pPr>
+            <a:r>
+              <a:rPr lang="en-US" altLang="zh-CN" sz="4000" b="1" dirty="0"/>
+              <a:t>4. </a:t>
+            </a:r>
+            <a:r>
+              <a:rPr lang="zh-CN" altLang="en-US" sz="4000" b="1" dirty="0"/>
+              <a:t>案例分析</a:t>
+            </a:r>
+            <a:endParaRPr lang="en-US" altLang="zh-CN" sz="4000" b="1" dirty="0"/>
+          </a:p>
+        </p:txBody>
+      </p:sp>
+      <p:sp>
+        <p:nvSpPr>
+          <p:cNvPr id="2" name="文本框 1">
+            <a:extLst>
+              <a:ext uri="{FF2B5EF4-FFF2-40B4-BE49-F238E27FC236}">
+                <a16:creationId xmlns:a16="http://schemas.microsoft.com/office/drawing/2014/main" id="{57C188ED-14C9-4083-AC09-B4E8F94DFDBE}"/>
               </a:ext>
             </a:extLst>
           </p:cNvPr>
@@ -6714,8 +7629,8 @@
         </p:nvSpPr>
         <p:spPr>
           <a:xfrm>
-            <a:off x="568105" y="299802"/>
-            <a:ext cx="4052263" cy="369332"/>
+            <a:off x="2248967" y="3762374"/>
+            <a:ext cx="7548092" cy="369332"/>
           </a:xfrm>
           <a:prstGeom prst="rect">
             <a:avLst/>
@@ -6730,51 +7645,30 @@
           <a:p>
             <a:r>
               <a:rPr lang="en-US" altLang="zh-CN" dirty="0"/>
-              <a:t>1. README</a:t>
+              <a:t>ATC’25</a:t>
             </a:r>
             <a:r>
               <a:rPr lang="zh-CN" altLang="en-US" dirty="0"/>
-              <a:t>：Getting Started Instructions</a:t>
-            </a:r>
-          </a:p>
-        </p:txBody>
-      </p:sp>
-      <p:pic>
-        <p:nvPicPr>
-          <p:cNvPr id="7" name="图片 6">
+              <a:t> </a:t>
+            </a:r>
+            <a:r>
+              <a:rPr lang="en-US" altLang="zh-CN" dirty="0" err="1"/>
+              <a:t>Colocating</a:t>
+            </a:r>
+            <a:r>
+              <a:rPr lang="en-US" altLang="zh-CN" dirty="0"/>
+              <a:t> ML Inference and Training with Fast GPU Memory Handover</a:t>
+            </a:r>
+            <a:endParaRPr lang="zh-CN" altLang="en-US" dirty="0"/>
+          </a:p>
+        </p:txBody>
+      </p:sp>
+      <p:sp>
+        <p:nvSpPr>
+          <p:cNvPr id="6" name="文本框 5">
             <a:extLst>
               <a:ext uri="{FF2B5EF4-FFF2-40B4-BE49-F238E27FC236}">
-                <a16:creationId xmlns:a16="http://schemas.microsoft.com/office/drawing/2014/main" id="{881B7652-E30B-4EE2-9718-5176389A1BE8}"/>
-              </a:ext>
-            </a:extLst>
-          </p:cNvPr>
-          <p:cNvPicPr>
-            <a:picLocks noChangeAspect="1"/>
-          </p:cNvPicPr>
-          <p:nvPr/>
-        </p:nvPicPr>
-        <p:blipFill>
-          <a:blip r:embed="rId2"/>
-          <a:stretch>
-            <a:fillRect/>
-          </a:stretch>
-        </p:blipFill>
-        <p:spPr>
-          <a:xfrm>
-            <a:off x="568105" y="787652"/>
-            <a:ext cx="4147776" cy="5943600"/>
-          </a:xfrm>
-          <a:prstGeom prst="rect">
-            <a:avLst/>
-          </a:prstGeom>
-        </p:spPr>
-      </p:pic>
-      <p:sp>
-        <p:nvSpPr>
-          <p:cNvPr id="9" name="文本框 8">
-            <a:extLst>
-              <a:ext uri="{FF2B5EF4-FFF2-40B4-BE49-F238E27FC236}">
-                <a16:creationId xmlns:a16="http://schemas.microsoft.com/office/drawing/2014/main" id="{F215DE05-AD33-4D85-BA46-18F385D19512}"/>
+                <a16:creationId xmlns:a16="http://schemas.microsoft.com/office/drawing/2014/main" id="{B70E0D26-20C5-4F05-B580-1737E9FBC633}"/>
               </a:ext>
             </a:extLst>
           </p:cNvPr>
@@ -6783,8 +7677,8 @@
         </p:nvSpPr>
         <p:spPr>
           <a:xfrm>
-            <a:off x="6853472" y="299802"/>
-            <a:ext cx="3232488" cy="369332"/>
+            <a:off x="3833200" y="4605219"/>
+            <a:ext cx="6096000" cy="369332"/>
           </a:xfrm>
           <a:prstGeom prst="rect">
             <a:avLst/>
@@ -6792,56 +7686,98 @@
           <a:noFill/>
         </p:spPr>
         <p:txBody>
+          <a:bodyPr wrap="square">
+            <a:spAutoFit/>
+          </a:bodyPr>
+          <a:lstStyle/>
+          <a:p>
+            <a:r>
+              <a:rPr lang="zh-CN" altLang="en-US" dirty="0"/>
+              <a:t>https://github.com/SiriusInfTra/Sirius</a:t>
+            </a:r>
+          </a:p>
+        </p:txBody>
+      </p:sp>
+      <p:sp>
+        <p:nvSpPr>
+          <p:cNvPr id="4" name="文本框 3">
+            <a:extLst>
+              <a:ext uri="{FF2B5EF4-FFF2-40B4-BE49-F238E27FC236}">
+                <a16:creationId xmlns:a16="http://schemas.microsoft.com/office/drawing/2014/main" id="{4C98E6AD-78D9-4865-826B-7F9D5FE009DA}"/>
+              </a:ext>
+            </a:extLst>
+          </p:cNvPr>
+          <p:cNvSpPr txBox="1"/>
+          <p:nvPr/>
+        </p:nvSpPr>
+        <p:spPr>
+          <a:xfrm>
+            <a:off x="4970352" y="3521798"/>
+            <a:ext cx="184731" cy="369332"/>
+          </a:xfrm>
+          <a:prstGeom prst="rect">
+            <a:avLst/>
+          </a:prstGeom>
+          <a:noFill/>
+        </p:spPr>
+        <p:txBody>
           <a:bodyPr wrap="none" rtlCol="0">
             <a:spAutoFit/>
           </a:bodyPr>
           <a:lstStyle/>
           <a:p>
-            <a:r>
-              <a:rPr lang="en-US" altLang="zh-CN" dirty="0"/>
-              <a:t>README</a:t>
-            </a:r>
-            <a:r>
-              <a:rPr lang="zh-CN" altLang="en-US" dirty="0"/>
-              <a:t>： Detailed Instructions</a:t>
-            </a:r>
-          </a:p>
-        </p:txBody>
-      </p:sp>
-      <p:pic>
-        <p:nvPicPr>
-          <p:cNvPr id="13" name="图片 12">
+            <a:endParaRPr lang="zh-CN" altLang="en-US" dirty="0"/>
+          </a:p>
+        </p:txBody>
+      </p:sp>
+      <p:sp>
+        <p:nvSpPr>
+          <p:cNvPr id="5" name="文本框 4">
             <a:extLst>
               <a:ext uri="{FF2B5EF4-FFF2-40B4-BE49-F238E27FC236}">
-                <a16:creationId xmlns:a16="http://schemas.microsoft.com/office/drawing/2014/main" id="{36F6FA24-04DC-49B6-AE30-D6FAA57B2CEE}"/>
+                <a16:creationId xmlns:a16="http://schemas.microsoft.com/office/drawing/2014/main" id="{A6A5189B-231E-463B-8A32-C4E3411ADB68}"/>
               </a:ext>
             </a:extLst>
           </p:cNvPr>
-          <p:cNvPicPr>
-            <a:picLocks noChangeAspect="1"/>
-          </p:cNvPicPr>
+          <p:cNvSpPr txBox="1"/>
           <p:nvPr/>
-        </p:nvPicPr>
-        <p:blipFill>
-          <a:blip r:embed="rId3"/>
-          <a:stretch>
-            <a:fillRect/>
-          </a:stretch>
-        </p:blipFill>
-        <p:spPr>
-          <a:xfrm>
-            <a:off x="6762937" y="787652"/>
-            <a:ext cx="5179133" cy="5943599"/>
+        </p:nvSpPr>
+        <p:spPr>
+          <a:xfrm>
+            <a:off x="4970352" y="4176224"/>
+            <a:ext cx="1245854" cy="369332"/>
           </a:xfrm>
           <a:prstGeom prst="rect">
             <a:avLst/>
           </a:prstGeom>
-        </p:spPr>
-      </p:pic>
+          <a:noFill/>
+        </p:spPr>
+        <p:txBody>
+          <a:bodyPr wrap="none" rtlCol="0">
+            <a:spAutoFit/>
+          </a:bodyPr>
+          <a:lstStyle/>
+          <a:p>
+            <a:r>
+              <a:rPr lang="en-US" altLang="zh-CN" dirty="0" err="1"/>
+              <a:t>Haibo</a:t>
+            </a:r>
+            <a:r>
+              <a:rPr lang="en-US" altLang="zh-CN" dirty="0"/>
+              <a:t> </a:t>
+            </a:r>
+            <a:r>
+              <a:rPr lang="en-US" altLang="zh-CN" dirty="0" err="1"/>
+              <a:t>chen</a:t>
+            </a:r>
+            <a:endParaRPr lang="zh-CN" altLang="en-US" dirty="0"/>
+          </a:p>
+        </p:txBody>
+      </p:sp>
     </p:spTree>
     <p:extLst>
       <p:ext uri="{BB962C8B-B14F-4D97-AF65-F5344CB8AC3E}">
-        <p14:creationId xmlns:p14="http://schemas.microsoft.com/office/powerpoint/2010/main" val="3167925678"/>
+        <p14:creationId xmlns:p14="http://schemas.microsoft.com/office/powerpoint/2010/main" val="4024716538"/>
       </p:ext>
     </p:extLst>
   </p:cSld>
@@ -6870,10 +7806,10 @@
       </p:grpSpPr>
       <p:sp>
         <p:nvSpPr>
-          <p:cNvPr id="6" name="文本框 5">
+          <p:cNvPr id="8" name="文本框 7">
             <a:extLst>
               <a:ext uri="{FF2B5EF4-FFF2-40B4-BE49-F238E27FC236}">
-                <a16:creationId xmlns:a16="http://schemas.microsoft.com/office/drawing/2014/main" id="{E23812DE-42E1-4022-9519-4A827B4FE0F0}"/>
+                <a16:creationId xmlns:a16="http://schemas.microsoft.com/office/drawing/2014/main" id="{5C4AE152-DAED-415D-89CA-B2B2033A1A0A}"/>
               </a:ext>
             </a:extLst>
           </p:cNvPr>
@@ -6882,8 +7818,8 @@
         </p:nvSpPr>
         <p:spPr>
           <a:xfrm>
-            <a:off x="726240" y="3818299"/>
-            <a:ext cx="3474028" cy="1200329"/>
+            <a:off x="568105" y="299802"/>
+            <a:ext cx="4052263" cy="369332"/>
           </a:xfrm>
           <a:prstGeom prst="rect">
             <a:avLst/>
@@ -6897,52 +7833,22 @@
           <a:lstStyle/>
           <a:p>
             <a:r>
+              <a:rPr lang="en-US" altLang="zh-CN" dirty="0"/>
+              <a:t>1. README</a:t>
+            </a:r>
+            <a:r>
               <a:rPr lang="zh-CN" altLang="en-US" dirty="0"/>
-              <a:t>一个执行脚本</a:t>
-            </a:r>
-            <a:r>
-              <a:rPr lang="en-US" altLang="zh-CN" dirty="0"/>
-              <a:t>run_all.sh</a:t>
-            </a:r>
-            <a:r>
-              <a:rPr lang="zh-CN" altLang="en-US" dirty="0"/>
-              <a:t>：</a:t>
-            </a:r>
-            <a:endParaRPr lang="en-US" altLang="zh-CN" dirty="0"/>
-          </a:p>
-          <a:p>
-            <a:pPr marL="285750" indent="-285750">
-              <a:buFont typeface="Arial" panose="020B0604020202020204" pitchFamily="34" charset="0"/>
-              <a:buChar char="•"/>
-            </a:pPr>
-            <a:r>
-              <a:rPr lang="zh-CN" altLang="en-US" dirty="0"/>
-              <a:t>可以一次性运行全部测试</a:t>
-            </a:r>
-            <a:endParaRPr lang="en-US" altLang="zh-CN" dirty="0"/>
-          </a:p>
-          <a:p>
-            <a:pPr marL="285750" indent="-285750">
-              <a:buFont typeface="Arial" panose="020B0604020202020204" pitchFamily="34" charset="0"/>
-              <a:buChar char="•"/>
-            </a:pPr>
-            <a:r>
-              <a:rPr lang="zh-CN" altLang="en-US" dirty="0"/>
-              <a:t>也可以单独选择需要复现的图</a:t>
-            </a:r>
-            <a:endParaRPr lang="en-US" altLang="zh-CN" dirty="0"/>
-          </a:p>
-          <a:p>
-            <a:endParaRPr lang="zh-CN" altLang="en-US" dirty="0"/>
+              <a:t>：Getting Started Instructions</a:t>
+            </a:r>
           </a:p>
         </p:txBody>
       </p:sp>
       <p:pic>
         <p:nvPicPr>
-          <p:cNvPr id="8" name="图片 7">
+          <p:cNvPr id="7" name="图片 6">
             <a:extLst>
               <a:ext uri="{FF2B5EF4-FFF2-40B4-BE49-F238E27FC236}">
-                <a16:creationId xmlns:a16="http://schemas.microsoft.com/office/drawing/2014/main" id="{7B764A5B-0D06-44A7-8F1F-BCFC5AC18E30}"/>
+                <a16:creationId xmlns:a16="http://schemas.microsoft.com/office/drawing/2014/main" id="{881B7652-E30B-4EE2-9718-5176389A1BE8}"/>
               </a:ext>
             </a:extLst>
           </p:cNvPr>
@@ -6959,20 +7865,59 @@
         </p:blipFill>
         <p:spPr>
           <a:xfrm>
-            <a:off x="160501" y="640585"/>
-            <a:ext cx="5618629" cy="2589149"/>
+            <a:off x="568105" y="787652"/>
+            <a:ext cx="4147776" cy="5943600"/>
           </a:xfrm>
           <a:prstGeom prst="rect">
             <a:avLst/>
           </a:prstGeom>
         </p:spPr>
       </p:pic>
+      <p:sp>
+        <p:nvSpPr>
+          <p:cNvPr id="9" name="文本框 8">
+            <a:extLst>
+              <a:ext uri="{FF2B5EF4-FFF2-40B4-BE49-F238E27FC236}">
+                <a16:creationId xmlns:a16="http://schemas.microsoft.com/office/drawing/2014/main" id="{F215DE05-AD33-4D85-BA46-18F385D19512}"/>
+              </a:ext>
+            </a:extLst>
+          </p:cNvPr>
+          <p:cNvSpPr txBox="1"/>
+          <p:nvPr/>
+        </p:nvSpPr>
+        <p:spPr>
+          <a:xfrm>
+            <a:off x="6853472" y="299802"/>
+            <a:ext cx="3232488" cy="369332"/>
+          </a:xfrm>
+          <a:prstGeom prst="rect">
+            <a:avLst/>
+          </a:prstGeom>
+          <a:noFill/>
+        </p:spPr>
+        <p:txBody>
+          <a:bodyPr wrap="none" rtlCol="0">
+            <a:spAutoFit/>
+          </a:bodyPr>
+          <a:lstStyle/>
+          <a:p>
+            <a:r>
+              <a:rPr lang="en-US" altLang="zh-CN" dirty="0"/>
+              <a:t>README</a:t>
+            </a:r>
+            <a:r>
+              <a:rPr lang="zh-CN" altLang="en-US" dirty="0"/>
+              <a:t>： Detailed Instructions</a:t>
+            </a:r>
+          </a:p>
+        </p:txBody>
+      </p:sp>
       <p:pic>
         <p:nvPicPr>
-          <p:cNvPr id="11" name="图片 10">
+          <p:cNvPr id="13" name="图片 12">
             <a:extLst>
               <a:ext uri="{FF2B5EF4-FFF2-40B4-BE49-F238E27FC236}">
-                <a16:creationId xmlns:a16="http://schemas.microsoft.com/office/drawing/2014/main" id="{CBD034F3-1DE7-4EB2-888B-46D83B4768C1}"/>
+                <a16:creationId xmlns:a16="http://schemas.microsoft.com/office/drawing/2014/main" id="{36F6FA24-04DC-49B6-AE30-D6FAA57B2CEE}"/>
               </a:ext>
             </a:extLst>
           </p:cNvPr>
@@ -6989,53 +7934,18 @@
         </p:blipFill>
         <p:spPr>
           <a:xfrm>
-            <a:off x="5979004" y="930154"/>
-            <a:ext cx="6052495" cy="2299580"/>
+            <a:off x="6762937" y="787652"/>
+            <a:ext cx="5179133" cy="5943599"/>
           </a:xfrm>
           <a:prstGeom prst="rect">
             <a:avLst/>
           </a:prstGeom>
         </p:spPr>
       </p:pic>
-      <p:sp>
-        <p:nvSpPr>
-          <p:cNvPr id="12" name="文本框 11">
-            <a:extLst>
-              <a:ext uri="{FF2B5EF4-FFF2-40B4-BE49-F238E27FC236}">
-                <a16:creationId xmlns:a16="http://schemas.microsoft.com/office/drawing/2014/main" id="{EAC46D6E-291F-4109-A47C-FA0010BA75F2}"/>
-              </a:ext>
-            </a:extLst>
-          </p:cNvPr>
-          <p:cNvSpPr txBox="1"/>
-          <p:nvPr/>
-        </p:nvSpPr>
-        <p:spPr>
-          <a:xfrm>
-            <a:off x="6881088" y="3818299"/>
-            <a:ext cx="3647152" cy="369332"/>
-          </a:xfrm>
-          <a:prstGeom prst="rect">
-            <a:avLst/>
-          </a:prstGeom>
-          <a:noFill/>
-        </p:spPr>
-        <p:txBody>
-          <a:bodyPr wrap="none" rtlCol="0">
-            <a:spAutoFit/>
-          </a:bodyPr>
-          <a:lstStyle/>
-          <a:p>
-            <a:r>
-              <a:rPr lang="zh-CN" altLang="en-US" dirty="0"/>
-              <a:t>运行后得到的结果会存储在文件里</a:t>
-            </a:r>
-          </a:p>
-        </p:txBody>
-      </p:sp>
     </p:spTree>
     <p:extLst>
       <p:ext uri="{BB962C8B-B14F-4D97-AF65-F5344CB8AC3E}">
-        <p14:creationId xmlns:p14="http://schemas.microsoft.com/office/powerpoint/2010/main" val="3129960453"/>
+        <p14:creationId xmlns:p14="http://schemas.microsoft.com/office/powerpoint/2010/main" val="3167925678"/>
       </p:ext>
     </p:extLst>
   </p:cSld>
@@ -7064,38 +7974,164 @@
       </p:grpSpPr>
       <p:sp>
         <p:nvSpPr>
-          <p:cNvPr id="3" name="内容占位符 2">
+          <p:cNvPr id="6" name="文本框 5">
             <a:extLst>
               <a:ext uri="{FF2B5EF4-FFF2-40B4-BE49-F238E27FC236}">
-                <a16:creationId xmlns:a16="http://schemas.microsoft.com/office/drawing/2014/main" id="{7DE31800-DD41-443C-A0EA-0D68FB8A7E9D}"/>
+                <a16:creationId xmlns:a16="http://schemas.microsoft.com/office/drawing/2014/main" id="{E23812DE-42E1-4022-9519-4A827B4FE0F0}"/>
               </a:ext>
             </a:extLst>
           </p:cNvPr>
-          <p:cNvSpPr>
-            <a:spLocks noGrp="1"/>
-          </p:cNvSpPr>
-          <p:nvPr>
-            <p:ph idx="1"/>
-          </p:nvPr>
-        </p:nvSpPr>
-        <p:spPr>
-          <a:xfrm>
-            <a:off x="4735768" y="2901403"/>
-            <a:ext cx="4581676" cy="1912907"/>
-          </a:xfrm>
-        </p:spPr>
-        <p:txBody>
-          <a:bodyPr>
-            <a:normAutofit/>
+          <p:cNvSpPr txBox="1"/>
+          <p:nvPr/>
+        </p:nvSpPr>
+        <p:spPr>
+          <a:xfrm>
+            <a:off x="708133" y="4433935"/>
+            <a:ext cx="3474028" cy="1200329"/>
+          </a:xfrm>
+          <a:prstGeom prst="rect">
+            <a:avLst/>
+          </a:prstGeom>
+          <a:noFill/>
+        </p:spPr>
+        <p:txBody>
+          <a:bodyPr wrap="none" rtlCol="0">
+            <a:spAutoFit/>
           </a:bodyPr>
           <a:lstStyle/>
           <a:p>
-            <a:pPr marL="0" indent="0">
-              <a:buNone/>
+            <a:r>
+              <a:rPr lang="zh-CN" altLang="en-US" dirty="0"/>
+              <a:t>一个执行脚本</a:t>
+            </a:r>
+            <a:r>
+              <a:rPr lang="en-US" altLang="zh-CN" dirty="0"/>
+              <a:t>run_all.sh</a:t>
+            </a:r>
+            <a:r>
+              <a:rPr lang="zh-CN" altLang="en-US" dirty="0"/>
+              <a:t>：</a:t>
+            </a:r>
+            <a:endParaRPr lang="en-US" altLang="zh-CN" dirty="0"/>
+          </a:p>
+          <a:p>
+            <a:pPr marL="285750" indent="-285750">
+              <a:buFont typeface="Arial" panose="020B0604020202020204" pitchFamily="34" charset="0"/>
+              <a:buChar char="•"/>
             </a:pPr>
             <a:r>
-              <a:rPr lang="zh-CN" altLang="en-US" sz="4000" dirty="0"/>
-              <a:t>常见问题</a:t>
+              <a:rPr lang="zh-CN" altLang="en-US" dirty="0"/>
+              <a:t>可以一次性运行全部测试</a:t>
+            </a:r>
+            <a:endParaRPr lang="en-US" altLang="zh-CN" dirty="0"/>
+          </a:p>
+          <a:p>
+            <a:pPr marL="285750" indent="-285750">
+              <a:buFont typeface="Arial" panose="020B0604020202020204" pitchFamily="34" charset="0"/>
+              <a:buChar char="•"/>
+            </a:pPr>
+            <a:r>
+              <a:rPr lang="zh-CN" altLang="en-US" dirty="0"/>
+              <a:t>也可以单独选择需要复现的图</a:t>
+            </a:r>
+            <a:endParaRPr lang="en-US" altLang="zh-CN" dirty="0"/>
+          </a:p>
+          <a:p>
+            <a:endParaRPr lang="zh-CN" altLang="en-US" dirty="0"/>
+          </a:p>
+        </p:txBody>
+      </p:sp>
+      <p:pic>
+        <p:nvPicPr>
+          <p:cNvPr id="8" name="图片 7">
+            <a:extLst>
+              <a:ext uri="{FF2B5EF4-FFF2-40B4-BE49-F238E27FC236}">
+                <a16:creationId xmlns:a16="http://schemas.microsoft.com/office/drawing/2014/main" id="{7B764A5B-0D06-44A7-8F1F-BCFC5AC18E30}"/>
+              </a:ext>
+            </a:extLst>
+          </p:cNvPr>
+          <p:cNvPicPr>
+            <a:picLocks noChangeAspect="1"/>
+          </p:cNvPicPr>
+          <p:nvPr/>
+        </p:nvPicPr>
+        <p:blipFill>
+          <a:blip r:embed="rId2"/>
+          <a:stretch>
+            <a:fillRect/>
+          </a:stretch>
+        </p:blipFill>
+        <p:spPr>
+          <a:xfrm>
+            <a:off x="160501" y="640585"/>
+            <a:ext cx="5618629" cy="2589149"/>
+          </a:xfrm>
+          <a:prstGeom prst="rect">
+            <a:avLst/>
+          </a:prstGeom>
+        </p:spPr>
+      </p:pic>
+      <p:pic>
+        <p:nvPicPr>
+          <p:cNvPr id="11" name="图片 10">
+            <a:extLst>
+              <a:ext uri="{FF2B5EF4-FFF2-40B4-BE49-F238E27FC236}">
+                <a16:creationId xmlns:a16="http://schemas.microsoft.com/office/drawing/2014/main" id="{CBD034F3-1DE7-4EB2-888B-46D83B4768C1}"/>
+              </a:ext>
+            </a:extLst>
+          </p:cNvPr>
+          <p:cNvPicPr>
+            <a:picLocks noChangeAspect="1"/>
+          </p:cNvPicPr>
+          <p:nvPr/>
+        </p:nvPicPr>
+        <p:blipFill>
+          <a:blip r:embed="rId3"/>
+          <a:stretch>
+            <a:fillRect/>
+          </a:stretch>
+        </p:blipFill>
+        <p:spPr>
+          <a:xfrm>
+            <a:off x="5979004" y="930154"/>
+            <a:ext cx="6052495" cy="2299580"/>
+          </a:xfrm>
+          <a:prstGeom prst="rect">
+            <a:avLst/>
+          </a:prstGeom>
+        </p:spPr>
+      </p:pic>
+      <p:sp>
+        <p:nvSpPr>
+          <p:cNvPr id="12" name="文本框 11">
+            <a:extLst>
+              <a:ext uri="{FF2B5EF4-FFF2-40B4-BE49-F238E27FC236}">
+                <a16:creationId xmlns:a16="http://schemas.microsoft.com/office/drawing/2014/main" id="{EAC46D6E-291F-4109-A47C-FA0010BA75F2}"/>
+              </a:ext>
+            </a:extLst>
+          </p:cNvPr>
+          <p:cNvSpPr txBox="1"/>
+          <p:nvPr/>
+        </p:nvSpPr>
+        <p:spPr>
+          <a:xfrm>
+            <a:off x="6998784" y="4664767"/>
+            <a:ext cx="3647152" cy="369332"/>
+          </a:xfrm>
+          <a:prstGeom prst="rect">
+            <a:avLst/>
+          </a:prstGeom>
+          <a:noFill/>
+        </p:spPr>
+        <p:txBody>
+          <a:bodyPr wrap="none" rtlCol="0">
+            <a:spAutoFit/>
+          </a:bodyPr>
+          <a:lstStyle/>
+          <a:p>
+            <a:r>
+              <a:rPr lang="zh-CN" altLang="en-US" dirty="0"/>
+              <a:t>运行后得到的结果会存储在文件里</a:t>
             </a:r>
           </a:p>
         </p:txBody>
@@ -7103,7 +8139,7 @@
     </p:spTree>
     <p:extLst>
       <p:ext uri="{BB962C8B-B14F-4D97-AF65-F5344CB8AC3E}">
-        <p14:creationId xmlns:p14="http://schemas.microsoft.com/office/powerpoint/2010/main" val="1021911250"/>
+        <p14:creationId xmlns:p14="http://schemas.microsoft.com/office/powerpoint/2010/main" val="3129960453"/>
       </p:ext>
     </p:extLst>
   </p:cSld>
@@ -7132,672 +8168,50 @@
       </p:grpSpPr>
       <p:sp>
         <p:nvSpPr>
-          <p:cNvPr id="5" name="文本框 4">
+          <p:cNvPr id="3" name="内容占位符 2">
             <a:extLst>
               <a:ext uri="{FF2B5EF4-FFF2-40B4-BE49-F238E27FC236}">
-                <a16:creationId xmlns:a16="http://schemas.microsoft.com/office/drawing/2014/main" id="{53CDA642-0653-426D-AE5E-F41C1CABBB66}"/>
+                <a16:creationId xmlns:a16="http://schemas.microsoft.com/office/drawing/2014/main" id="{7DE31800-DD41-443C-A0EA-0D68FB8A7E9D}"/>
               </a:ext>
             </a:extLst>
           </p:cNvPr>
-          <p:cNvSpPr txBox="1"/>
-          <p:nvPr/>
-        </p:nvSpPr>
-        <p:spPr>
-          <a:xfrm>
-            <a:off x="287448" y="249900"/>
-            <a:ext cx="6097508" cy="369332"/>
-          </a:xfrm>
-          <a:prstGeom prst="rect">
-            <a:avLst/>
-          </a:prstGeom>
-          <a:noFill/>
-        </p:spPr>
-        <p:txBody>
-          <a:bodyPr wrap="square">
-            <a:spAutoFit/>
+          <p:cNvSpPr>
+            <a:spLocks noGrp="1"/>
+          </p:cNvSpPr>
+          <p:nvPr>
+            <p:ph idx="1"/>
+          </p:nvPr>
+        </p:nvSpPr>
+        <p:spPr>
+          <a:xfrm>
+            <a:off x="4699554" y="2901403"/>
+            <a:ext cx="4581676" cy="1912907"/>
+          </a:xfrm>
+        </p:spPr>
+        <p:txBody>
+          <a:bodyPr>
+            <a:normAutofit/>
           </a:bodyPr>
           <a:lstStyle/>
           <a:p>
-            <a:r>
-              <a:rPr lang="en-US" altLang="zh-CN" b="1" i="0">
-                <a:solidFill>
-                  <a:srgbClr val="191B1F"/>
-                </a:solidFill>
-                <a:effectLst/>
-                <a:latin typeface="-apple-system"/>
-              </a:rPr>
-              <a:t>Q</a:t>
-            </a:r>
-            <a:r>
-              <a:rPr lang="zh-CN" altLang="en-US" b="0" i="0">
-                <a:solidFill>
-                  <a:srgbClr val="191B1F"/>
-                </a:solidFill>
-                <a:effectLst/>
-                <a:latin typeface="-apple-system"/>
-              </a:rPr>
-              <a:t>：</a:t>
-            </a:r>
-            <a:r>
-              <a:rPr lang="en-US" altLang="zh-CN" b="1" i="0">
-                <a:solidFill>
-                  <a:srgbClr val="191B1F"/>
-                </a:solidFill>
-                <a:effectLst/>
-                <a:latin typeface="-apple-system"/>
-              </a:rPr>
-              <a:t>AE</a:t>
-            </a:r>
-            <a:r>
-              <a:rPr lang="zh-CN" altLang="en-US" b="1" i="0">
-                <a:solidFill>
-                  <a:srgbClr val="191B1F"/>
-                </a:solidFill>
-                <a:effectLst/>
-                <a:latin typeface="-apple-system"/>
-              </a:rPr>
-              <a:t>是否一定需要开源代码？</a:t>
-            </a:r>
-            <a:endParaRPr lang="zh-CN" altLang="en-US" dirty="0"/>
-          </a:p>
-        </p:txBody>
-      </p:sp>
-      <p:sp>
-        <p:nvSpPr>
-          <p:cNvPr id="7" name="文本框 6">
-            <a:extLst>
-              <a:ext uri="{FF2B5EF4-FFF2-40B4-BE49-F238E27FC236}">
-                <a16:creationId xmlns:a16="http://schemas.microsoft.com/office/drawing/2014/main" id="{5372ECA5-D5A7-45C8-9AAD-1C4E400764F0}"/>
-              </a:ext>
-            </a:extLst>
-          </p:cNvPr>
-          <p:cNvSpPr txBox="1"/>
-          <p:nvPr/>
-        </p:nvSpPr>
-        <p:spPr>
-          <a:xfrm>
-            <a:off x="287448" y="836638"/>
-            <a:ext cx="11635966" cy="923330"/>
-          </a:xfrm>
-          <a:prstGeom prst="rect">
-            <a:avLst/>
-          </a:prstGeom>
-          <a:noFill/>
-        </p:spPr>
-        <p:txBody>
-          <a:bodyPr wrap="square">
-            <a:spAutoFit/>
-          </a:bodyPr>
-          <a:lstStyle/>
-          <a:p>
-            <a:r>
-              <a:rPr lang="en-US" altLang="zh-CN" b="1" i="0" dirty="0">
-                <a:solidFill>
-                  <a:srgbClr val="191B1F"/>
-                </a:solidFill>
-                <a:effectLst/>
-                <a:latin typeface="-apple-system"/>
-              </a:rPr>
-              <a:t>A</a:t>
-            </a:r>
-            <a:r>
-              <a:rPr lang="zh-CN" altLang="en-US" b="0" i="0" dirty="0">
-                <a:solidFill>
-                  <a:srgbClr val="191B1F"/>
-                </a:solidFill>
-                <a:effectLst/>
-                <a:latin typeface="-apple-system"/>
-              </a:rPr>
-              <a:t>：不是。可以选择提交可执行文件或二进制，评审人可通过提供的可执行文件，对功能完备和结果可复现进行评估。需要注意的是，如果只提供可执行文件，有可能无法获得</a:t>
-            </a:r>
-            <a:r>
-              <a:rPr lang="en-US" altLang="zh-CN" b="0" i="0" dirty="0">
-                <a:solidFill>
-                  <a:srgbClr val="191B1F"/>
-                </a:solidFill>
-                <a:effectLst/>
-                <a:latin typeface="-apple-system"/>
-              </a:rPr>
-              <a:t>Available</a:t>
-            </a:r>
-            <a:r>
-              <a:rPr lang="zh-CN" altLang="en-US" b="0" i="0" dirty="0">
-                <a:solidFill>
-                  <a:srgbClr val="191B1F"/>
-                </a:solidFill>
-                <a:effectLst/>
-                <a:latin typeface="-apple-system"/>
-              </a:rPr>
-              <a:t>的徽章（如</a:t>
-            </a:r>
-            <a:r>
-              <a:rPr lang="en-US" altLang="zh-CN" b="0" i="0" dirty="0" err="1">
-                <a:solidFill>
-                  <a:srgbClr val="191B1F"/>
-                </a:solidFill>
-                <a:effectLst/>
-                <a:latin typeface="-apple-system"/>
-              </a:rPr>
-              <a:t>PPoPP</a:t>
-            </a:r>
-            <a:r>
-              <a:rPr lang="zh-CN" altLang="en-US" b="0" i="0" dirty="0">
-                <a:solidFill>
-                  <a:srgbClr val="191B1F"/>
-                </a:solidFill>
-                <a:effectLst/>
-                <a:latin typeface="-apple-system"/>
-              </a:rPr>
-              <a:t>会议）。因此需要结合具体会议的要求进行判断。</a:t>
-            </a:r>
-            <a:endParaRPr lang="zh-CN" altLang="en-US" dirty="0"/>
-          </a:p>
-        </p:txBody>
-      </p:sp>
-      <p:sp>
-        <p:nvSpPr>
-          <p:cNvPr id="9" name="文本框 8">
-            <a:extLst>
-              <a:ext uri="{FF2B5EF4-FFF2-40B4-BE49-F238E27FC236}">
-                <a16:creationId xmlns:a16="http://schemas.microsoft.com/office/drawing/2014/main" id="{DA217C7F-1C8A-40A8-BB7D-44525E6499B5}"/>
-              </a:ext>
-            </a:extLst>
-          </p:cNvPr>
-          <p:cNvSpPr txBox="1"/>
-          <p:nvPr/>
-        </p:nvSpPr>
-        <p:spPr>
-          <a:xfrm>
-            <a:off x="287448" y="2056158"/>
-            <a:ext cx="11635966" cy="646331"/>
-          </a:xfrm>
-          <a:prstGeom prst="rect">
-            <a:avLst/>
-          </a:prstGeom>
-          <a:noFill/>
-        </p:spPr>
-        <p:txBody>
-          <a:bodyPr wrap="square">
-            <a:spAutoFit/>
-          </a:bodyPr>
-          <a:lstStyle/>
-          <a:p>
-            <a:r>
-              <a:rPr lang="en-US" altLang="zh-CN" b="1" i="0" dirty="0">
-                <a:solidFill>
-                  <a:srgbClr val="191B1F"/>
-                </a:solidFill>
-                <a:effectLst/>
-                <a:latin typeface="-apple-system"/>
-              </a:rPr>
-              <a:t>Q</a:t>
-            </a:r>
-            <a:r>
-              <a:rPr lang="zh-CN" altLang="en-US" b="0" i="0" dirty="0">
-                <a:solidFill>
-                  <a:srgbClr val="191B1F"/>
-                </a:solidFill>
-                <a:effectLst/>
-                <a:latin typeface="-apple-system"/>
-              </a:rPr>
-              <a:t>：</a:t>
-            </a:r>
-            <a:r>
-              <a:rPr lang="zh-CN" altLang="en-US" b="1" i="0" dirty="0">
-                <a:solidFill>
-                  <a:srgbClr val="191B1F"/>
-                </a:solidFill>
-                <a:effectLst/>
-                <a:latin typeface="-apple-system"/>
-              </a:rPr>
-              <a:t>由于代码的完善与迭代，部分的测试数据已经与论文提交时候的版本有一定的出入，这个意味着我们</a:t>
-            </a:r>
-            <a:r>
-              <a:rPr lang="en-US" altLang="zh-CN" b="1" i="0" dirty="0">
-                <a:solidFill>
-                  <a:srgbClr val="191B1F"/>
-                </a:solidFill>
-                <a:effectLst/>
-                <a:latin typeface="-apple-system"/>
-              </a:rPr>
-              <a:t>AE</a:t>
-            </a:r>
-            <a:r>
-              <a:rPr lang="zh-CN" altLang="en-US" b="1" i="0" dirty="0">
-                <a:solidFill>
-                  <a:srgbClr val="191B1F"/>
-                </a:solidFill>
-                <a:effectLst/>
-                <a:latin typeface="-apple-system"/>
-              </a:rPr>
-              <a:t>的结果会不通过吗？</a:t>
-            </a:r>
-            <a:endParaRPr lang="zh-CN" altLang="en-US" dirty="0"/>
-          </a:p>
-        </p:txBody>
-      </p:sp>
-      <p:sp>
-        <p:nvSpPr>
-          <p:cNvPr id="11" name="文本框 10">
-            <a:extLst>
-              <a:ext uri="{FF2B5EF4-FFF2-40B4-BE49-F238E27FC236}">
-                <a16:creationId xmlns:a16="http://schemas.microsoft.com/office/drawing/2014/main" id="{A8E32398-6813-450A-8E17-43F94BCBD9D7}"/>
-              </a:ext>
-            </a:extLst>
-          </p:cNvPr>
-          <p:cNvSpPr txBox="1"/>
-          <p:nvPr/>
-        </p:nvSpPr>
-        <p:spPr>
-          <a:xfrm>
-            <a:off x="287448" y="3124468"/>
-            <a:ext cx="11635966" cy="646331"/>
-          </a:xfrm>
-          <a:prstGeom prst="rect">
-            <a:avLst/>
-          </a:prstGeom>
-          <a:noFill/>
-        </p:spPr>
-        <p:txBody>
-          <a:bodyPr wrap="square">
-            <a:spAutoFit/>
-          </a:bodyPr>
-          <a:lstStyle/>
-          <a:p>
-            <a:r>
-              <a:rPr lang="en-US" altLang="zh-CN" b="1" i="0" dirty="0">
-                <a:solidFill>
-                  <a:srgbClr val="191B1F"/>
-                </a:solidFill>
-                <a:effectLst/>
-                <a:latin typeface="-apple-system"/>
-              </a:rPr>
-              <a:t>A</a:t>
-            </a:r>
-            <a:r>
-              <a:rPr lang="zh-CN" altLang="en-US" b="0" i="0" dirty="0">
-                <a:solidFill>
-                  <a:srgbClr val="191B1F"/>
-                </a:solidFill>
-                <a:effectLst/>
-                <a:latin typeface="-apple-system"/>
-              </a:rPr>
-              <a:t>：不是，</a:t>
-            </a:r>
-            <a:r>
-              <a:rPr lang="en-US" altLang="zh-CN" b="0" i="0" dirty="0">
-                <a:solidFill>
-                  <a:srgbClr val="191B1F"/>
-                </a:solidFill>
-                <a:effectLst/>
-                <a:latin typeface="-apple-system"/>
-              </a:rPr>
-              <a:t>AE</a:t>
-            </a:r>
-            <a:r>
-              <a:rPr lang="zh-CN" altLang="en-US" b="0" i="0" dirty="0">
-                <a:solidFill>
-                  <a:srgbClr val="191B1F"/>
-                </a:solidFill>
-                <a:effectLst/>
-                <a:latin typeface="-apple-system"/>
-              </a:rPr>
-              <a:t>不追求所有的数据在绝对值上和论文中的数据保持完全相同。</a:t>
-            </a:r>
-            <a:r>
-              <a:rPr lang="zh-CN" altLang="en-US" b="1" i="0" dirty="0">
-                <a:solidFill>
-                  <a:srgbClr val="191B1F"/>
-                </a:solidFill>
-                <a:effectLst/>
-                <a:latin typeface="-apple-system"/>
-              </a:rPr>
-              <a:t>一定的误差范围</a:t>
-            </a:r>
-            <a:r>
-              <a:rPr lang="zh-CN" altLang="en-US" b="0" i="0" dirty="0">
-                <a:solidFill>
-                  <a:srgbClr val="191B1F"/>
-                </a:solidFill>
-                <a:effectLst/>
-                <a:latin typeface="-apple-system"/>
-              </a:rPr>
-              <a:t>或</a:t>
-            </a:r>
-            <a:r>
-              <a:rPr lang="zh-CN" altLang="en-US" b="1" i="0" dirty="0">
-                <a:solidFill>
-                  <a:srgbClr val="191B1F"/>
-                </a:solidFill>
-                <a:effectLst/>
-                <a:latin typeface="-apple-system"/>
-              </a:rPr>
-              <a:t>结果相差较大，但是存在合理的解释，后续讨论通过的 </a:t>
-            </a:r>
-            <a:r>
-              <a:rPr lang="zh-CN" altLang="en-US" b="0" i="0" dirty="0">
-                <a:solidFill>
-                  <a:srgbClr val="191B1F"/>
-                </a:solidFill>
-                <a:effectLst/>
-                <a:latin typeface="-apple-system"/>
-              </a:rPr>
-              <a:t>都是可以接受的</a:t>
-            </a:r>
-            <a:endParaRPr lang="zh-CN" altLang="en-US" dirty="0"/>
-          </a:p>
-        </p:txBody>
-      </p:sp>
-      <p:sp>
-        <p:nvSpPr>
-          <p:cNvPr id="13" name="文本框 12">
-            <a:extLst>
-              <a:ext uri="{FF2B5EF4-FFF2-40B4-BE49-F238E27FC236}">
-                <a16:creationId xmlns:a16="http://schemas.microsoft.com/office/drawing/2014/main" id="{8799688A-D6F0-4E43-9CD5-6966C05F4AC3}"/>
-              </a:ext>
-            </a:extLst>
-          </p:cNvPr>
-          <p:cNvSpPr txBox="1"/>
-          <p:nvPr/>
-        </p:nvSpPr>
-        <p:spPr>
-          <a:xfrm>
-            <a:off x="287448" y="4192778"/>
-            <a:ext cx="11219507" cy="369332"/>
-          </a:xfrm>
-          <a:prstGeom prst="rect">
-            <a:avLst/>
-          </a:prstGeom>
-          <a:noFill/>
-        </p:spPr>
-        <p:txBody>
-          <a:bodyPr wrap="square">
-            <a:spAutoFit/>
-          </a:bodyPr>
-          <a:lstStyle/>
-          <a:p>
-            <a:r>
-              <a:rPr lang="en-US" altLang="zh-CN" b="1" i="0" dirty="0">
-                <a:solidFill>
-                  <a:srgbClr val="191B1F"/>
-                </a:solidFill>
-                <a:effectLst/>
-                <a:latin typeface="-apple-system"/>
-              </a:rPr>
-              <a:t>Q</a:t>
-            </a:r>
-            <a:r>
-              <a:rPr lang="zh-CN" altLang="en-US" b="0" i="0" dirty="0">
-                <a:solidFill>
-                  <a:srgbClr val="191B1F"/>
-                </a:solidFill>
-                <a:effectLst/>
-                <a:latin typeface="-apple-system"/>
-              </a:rPr>
-              <a:t>：</a:t>
-            </a:r>
-            <a:r>
-              <a:rPr lang="zh-CN" altLang="en-US" b="1" i="0" dirty="0">
-                <a:solidFill>
-                  <a:srgbClr val="191B1F"/>
-                </a:solidFill>
-                <a:effectLst/>
-                <a:latin typeface="-apple-system"/>
-              </a:rPr>
-              <a:t>我们实现需要特殊的硬件（</a:t>
-            </a:r>
-            <a:r>
-              <a:rPr lang="en-US" altLang="zh-CN" b="1" i="0" dirty="0">
-                <a:solidFill>
-                  <a:srgbClr val="191B1F"/>
-                </a:solidFill>
-                <a:effectLst/>
-                <a:latin typeface="-apple-system"/>
-              </a:rPr>
-              <a:t>FPGA/GPU/NPU</a:t>
-            </a:r>
-            <a:r>
-              <a:rPr lang="zh-CN" altLang="en-US" b="1" i="0" dirty="0">
-                <a:solidFill>
-                  <a:srgbClr val="191B1F"/>
-                </a:solidFill>
-                <a:effectLst/>
-                <a:latin typeface="-apple-system"/>
-              </a:rPr>
-              <a:t>等），如果评审员并没有该设备该如何解决？</a:t>
-            </a:r>
-            <a:endParaRPr lang="zh-CN" altLang="en-US" dirty="0"/>
-          </a:p>
-        </p:txBody>
-      </p:sp>
-      <p:sp>
-        <p:nvSpPr>
-          <p:cNvPr id="15" name="文本框 14">
-            <a:extLst>
-              <a:ext uri="{FF2B5EF4-FFF2-40B4-BE49-F238E27FC236}">
-                <a16:creationId xmlns:a16="http://schemas.microsoft.com/office/drawing/2014/main" id="{D63E4EAD-5759-431F-815D-24EA8104AA41}"/>
-              </a:ext>
-            </a:extLst>
-          </p:cNvPr>
-          <p:cNvSpPr txBox="1"/>
-          <p:nvPr/>
-        </p:nvSpPr>
-        <p:spPr>
-          <a:xfrm>
-            <a:off x="287448" y="4790183"/>
-            <a:ext cx="11328148" cy="1200329"/>
-          </a:xfrm>
-          <a:prstGeom prst="rect">
-            <a:avLst/>
-          </a:prstGeom>
-          <a:noFill/>
-        </p:spPr>
-        <p:txBody>
-          <a:bodyPr wrap="square">
-            <a:spAutoFit/>
-          </a:bodyPr>
-          <a:lstStyle/>
-          <a:p>
-            <a:r>
-              <a:rPr lang="en-US" altLang="zh-CN" b="1" i="0" dirty="0">
-                <a:solidFill>
-                  <a:srgbClr val="191B1F"/>
-                </a:solidFill>
-                <a:effectLst/>
-                <a:latin typeface="-apple-system"/>
-              </a:rPr>
-              <a:t>A</a:t>
-            </a:r>
-            <a:r>
-              <a:rPr lang="zh-CN" altLang="en-US" b="0" i="0" dirty="0">
-                <a:solidFill>
-                  <a:srgbClr val="191B1F"/>
-                </a:solidFill>
-                <a:effectLst/>
-                <a:latin typeface="-apple-system"/>
-              </a:rPr>
-              <a:t>：</a:t>
-            </a:r>
-            <a:r>
-              <a:rPr lang="en-US" altLang="zh-CN" b="0" i="0" dirty="0">
-                <a:solidFill>
-                  <a:srgbClr val="191B1F"/>
-                </a:solidFill>
-                <a:effectLst/>
-                <a:latin typeface="-apple-system"/>
-              </a:rPr>
-              <a:t>1. </a:t>
-            </a:r>
-            <a:r>
-              <a:rPr lang="zh-CN" altLang="en-US" b="0" i="0" dirty="0">
-                <a:solidFill>
-                  <a:srgbClr val="191B1F"/>
-                </a:solidFill>
-                <a:effectLst/>
-                <a:latin typeface="-apple-system"/>
-              </a:rPr>
-              <a:t>部分会议的</a:t>
-            </a:r>
-            <a:r>
-              <a:rPr lang="en-US" altLang="zh-CN" b="0" i="0" dirty="0">
-                <a:solidFill>
-                  <a:srgbClr val="191B1F"/>
-                </a:solidFill>
-                <a:effectLst/>
-                <a:latin typeface="-apple-system"/>
-              </a:rPr>
-              <a:t>AE</a:t>
-            </a:r>
-            <a:r>
-              <a:rPr lang="zh-CN" altLang="en-US" b="0" i="0" dirty="0">
-                <a:solidFill>
-                  <a:srgbClr val="191B1F"/>
-                </a:solidFill>
-                <a:effectLst/>
-                <a:latin typeface="-apple-system"/>
-              </a:rPr>
-              <a:t>会提供一些平台，例如</a:t>
-            </a:r>
-            <a:r>
-              <a:rPr lang="en-US" altLang="zh-CN" b="0" i="0" dirty="0">
-                <a:solidFill>
-                  <a:srgbClr val="191B1F"/>
-                </a:solidFill>
-                <a:effectLst/>
-                <a:latin typeface="-apple-system"/>
-              </a:rPr>
-              <a:t>AWS, </a:t>
-            </a:r>
-            <a:r>
-              <a:rPr lang="en-US" altLang="zh-CN" b="0" i="0" dirty="0" err="1">
-                <a:solidFill>
-                  <a:srgbClr val="191B1F"/>
-                </a:solidFill>
-                <a:effectLst/>
-                <a:latin typeface="-apple-system"/>
-              </a:rPr>
-              <a:t>Cloudlab</a:t>
-            </a:r>
-            <a:r>
-              <a:rPr lang="zh-CN" altLang="en-US" b="0" i="0" dirty="0">
-                <a:solidFill>
-                  <a:srgbClr val="191B1F"/>
-                </a:solidFill>
-                <a:effectLst/>
-                <a:latin typeface="-apple-system"/>
-              </a:rPr>
-              <a:t>。</a:t>
-            </a:r>
-            <a:endParaRPr lang="en-US" altLang="zh-CN" b="0" i="0" dirty="0">
-              <a:solidFill>
-                <a:srgbClr val="191B1F"/>
-              </a:solidFill>
-              <a:effectLst/>
-              <a:latin typeface="-apple-system"/>
-            </a:endParaRPr>
-          </a:p>
-          <a:p>
-            <a:r>
-              <a:rPr lang="en-US" altLang="zh-CN" dirty="0">
-                <a:solidFill>
-                  <a:srgbClr val="191B1F"/>
-                </a:solidFill>
-                <a:latin typeface="-apple-system"/>
-              </a:rPr>
-              <a:t>       </a:t>
-            </a:r>
-            <a:r>
-              <a:rPr lang="en-US" altLang="zh-CN" b="0" i="0" dirty="0">
-                <a:solidFill>
-                  <a:srgbClr val="191B1F"/>
-                </a:solidFill>
-                <a:effectLst/>
-                <a:latin typeface="-apple-system"/>
-              </a:rPr>
-              <a:t>2. </a:t>
-            </a:r>
-            <a:r>
-              <a:rPr lang="zh-CN" altLang="en-US" b="0" i="0" dirty="0">
-                <a:solidFill>
-                  <a:srgbClr val="191B1F"/>
-                </a:solidFill>
-                <a:effectLst/>
-                <a:latin typeface="-apple-system"/>
-              </a:rPr>
-              <a:t>基于模拟器的性能可能和真实硬件的绝对性能不同，但是也能够部分支撑论文中的核心论点。</a:t>
-            </a:r>
-            <a:endParaRPr lang="en-US" altLang="zh-CN" b="0" i="0" dirty="0">
-              <a:solidFill>
-                <a:srgbClr val="191B1F"/>
-              </a:solidFill>
-              <a:effectLst/>
-              <a:latin typeface="-apple-system"/>
-            </a:endParaRPr>
-          </a:p>
-          <a:p>
-            <a:r>
-              <a:rPr lang="en-US" altLang="zh-CN" b="0" i="0" dirty="0">
-                <a:solidFill>
-                  <a:srgbClr val="191B1F"/>
-                </a:solidFill>
-                <a:effectLst/>
-                <a:latin typeface="-apple-system"/>
-              </a:rPr>
-              <a:t>       3. </a:t>
-            </a:r>
-            <a:r>
-              <a:rPr lang="zh-CN" altLang="en-US" b="0" i="0" dirty="0">
-                <a:solidFill>
-                  <a:srgbClr val="191B1F"/>
-                </a:solidFill>
-                <a:effectLst/>
-                <a:latin typeface="-apple-system"/>
-              </a:rPr>
-              <a:t>为评审员搭建能够访问内部实验平台的方法（</a:t>
-            </a:r>
-            <a:r>
-              <a:rPr lang="en-US" altLang="zh-CN" b="0" i="0" dirty="0">
-                <a:solidFill>
-                  <a:srgbClr val="191B1F"/>
-                </a:solidFill>
-                <a:effectLst/>
-                <a:latin typeface="-apple-system"/>
-              </a:rPr>
-              <a:t>VPN, SSH</a:t>
-            </a:r>
-            <a:r>
-              <a:rPr lang="zh-CN" altLang="en-US" b="0" i="0" dirty="0">
-                <a:solidFill>
-                  <a:srgbClr val="191B1F"/>
-                </a:solidFill>
-                <a:effectLst/>
-                <a:latin typeface="-apple-system"/>
-              </a:rPr>
-              <a:t>）。</a:t>
-            </a:r>
-            <a:endParaRPr lang="en-US" altLang="zh-CN" b="0" i="0" dirty="0">
-              <a:solidFill>
-                <a:srgbClr val="191B1F"/>
-              </a:solidFill>
-              <a:effectLst/>
-              <a:latin typeface="-apple-system"/>
-            </a:endParaRPr>
-          </a:p>
-          <a:p>
-            <a:endParaRPr lang="en-US" altLang="zh-CN" b="0" i="0" dirty="0">
-              <a:solidFill>
-                <a:srgbClr val="191B1F"/>
-              </a:solidFill>
-              <a:effectLst/>
-              <a:latin typeface="-apple-system"/>
-            </a:endParaRPr>
+            <a:pPr marL="0" indent="0">
+              <a:buNone/>
+            </a:pPr>
+            <a:r>
+              <a:rPr lang="en-US" altLang="zh-CN" sz="4000" dirty="0"/>
+              <a:t>5.</a:t>
+            </a:r>
+            <a:r>
+              <a:rPr lang="zh-CN" altLang="en-US" sz="4000" dirty="0"/>
+              <a:t>常见问题</a:t>
+            </a:r>
           </a:p>
         </p:txBody>
       </p:sp>
     </p:spTree>
     <p:extLst>
       <p:ext uri="{BB962C8B-B14F-4D97-AF65-F5344CB8AC3E}">
-        <p14:creationId xmlns:p14="http://schemas.microsoft.com/office/powerpoint/2010/main" val="3123460065"/>
+        <p14:creationId xmlns:p14="http://schemas.microsoft.com/office/powerpoint/2010/main" val="1021911250"/>
       </p:ext>
     </p:extLst>
   </p:cSld>
@@ -7850,51 +8264,86 @@
           <a:bodyPr/>
           <a:lstStyle/>
           <a:p>
-            <a:r>
-              <a:rPr lang="zh-CN" altLang="en-US" dirty="0"/>
+            <a:pPr marL="514350" indent="-514350">
+              <a:buFont typeface="+mj-lt"/>
+              <a:buAutoNum type="arabicPeriod"/>
+            </a:pPr>
+            <a:r>
+              <a:rPr lang="zh-CN" altLang="en-US" dirty="0">
+                <a:latin typeface="+mn-ea"/>
+              </a:rPr>
               <a:t>什么是</a:t>
             </a:r>
             <a:r>
-              <a:rPr lang="en-US" altLang="zh-CN" dirty="0"/>
+              <a:rPr lang="en-US" altLang="zh-CN" dirty="0">
+                <a:latin typeface="+mn-ea"/>
+              </a:rPr>
               <a:t>AE</a:t>
             </a:r>
           </a:p>
           <a:p>
-            <a:r>
-              <a:rPr lang="en-US" altLang="zh-CN" dirty="0"/>
+            <a:pPr marL="514350" indent="-514350">
+              <a:buFont typeface="+mj-lt"/>
+              <a:buAutoNum type="arabicPeriod"/>
+            </a:pPr>
+            <a:r>
+              <a:rPr lang="en-US" altLang="zh-CN" dirty="0">
+                <a:latin typeface="+mn-ea"/>
+              </a:rPr>
               <a:t>AE</a:t>
             </a:r>
             <a:r>
-              <a:rPr lang="zh-CN" altLang="en-US" dirty="0"/>
+              <a:rPr lang="zh-CN" altLang="en-US" dirty="0">
+                <a:latin typeface="+mn-ea"/>
+              </a:rPr>
               <a:t>包含的徽章</a:t>
             </a:r>
-            <a:endParaRPr lang="en-US" altLang="zh-CN" dirty="0"/>
-          </a:p>
-          <a:p>
-            <a:r>
-              <a:rPr lang="en-US" altLang="zh-CN" dirty="0"/>
-              <a:t>AE</a:t>
-            </a:r>
-            <a:r>
-              <a:rPr lang="zh-CN" altLang="en-US" dirty="0"/>
-              <a:t>要准备哪些</a:t>
-            </a:r>
-            <a:endParaRPr lang="en-US" altLang="zh-CN" dirty="0"/>
-          </a:p>
-          <a:p>
-            <a:r>
-              <a:rPr lang="en-US" altLang="zh-CN" dirty="0" err="1"/>
-              <a:t>Haibo</a:t>
-            </a:r>
-            <a:r>
-              <a:rPr lang="zh-CN" altLang="en-US" dirty="0"/>
-              <a:t>老师案例分析</a:t>
-            </a:r>
-            <a:endParaRPr lang="en-US" altLang="zh-CN" dirty="0"/>
-          </a:p>
-          <a:p>
-            <a:r>
-              <a:rPr lang="zh-CN" altLang="en-US" dirty="0"/>
+            <a:endParaRPr lang="en-US" altLang="zh-CN" dirty="0">
+              <a:latin typeface="+mn-ea"/>
+            </a:endParaRPr>
+          </a:p>
+          <a:p>
+            <a:pPr marL="514350" indent="-514350">
+              <a:buFont typeface="+mj-lt"/>
+              <a:buAutoNum type="arabicPeriod"/>
+            </a:pPr>
+            <a:r>
+              <a:rPr lang="zh-CN" altLang="en-US" dirty="0">
+                <a:latin typeface="+mn-ea"/>
+              </a:rPr>
+              <a:t>如何做</a:t>
+            </a:r>
+            <a:r>
+              <a:rPr lang="en-US" altLang="zh-CN" dirty="0">
+                <a:latin typeface="+mn-ea"/>
+              </a:rPr>
+              <a:t>artifact</a:t>
+            </a:r>
+          </a:p>
+          <a:p>
+            <a:pPr marL="514350" indent="-514350">
+              <a:buFont typeface="+mj-lt"/>
+              <a:buAutoNum type="arabicPeriod"/>
+            </a:pPr>
+            <a:r>
+              <a:rPr lang="zh-CN" altLang="en-US" dirty="0">
+                <a:latin typeface="+mn-ea"/>
+              </a:rPr>
+              <a:t>案例分析</a:t>
+            </a:r>
+            <a:endParaRPr lang="en-US" altLang="zh-CN" dirty="0">
+              <a:latin typeface="+mn-ea"/>
+            </a:endParaRPr>
+          </a:p>
+          <a:p>
+            <a:pPr marL="514350" indent="-514350">
+              <a:buFont typeface="+mj-lt"/>
+              <a:buAutoNum type="arabicPeriod"/>
+            </a:pPr>
+            <a:r>
+              <a:rPr lang="zh-CN" altLang="en-US" dirty="0">
+                <a:latin typeface="+mn-ea"/>
+              </a:rPr>
               <a:t>常见问题</a:t>
             </a:r>
           </a:p>
@@ -7959,17 +8408,17 @@
           <a:lstStyle/>
           <a:p>
             <a:r>
-              <a:rPr lang="en-US" altLang="zh-CN" b="1" i="0">
+              <a:rPr lang="en-US" altLang="zh-CN" b="1" i="0" dirty="0">
                 <a:solidFill>
                   <a:srgbClr val="191B1F"/>
                 </a:solidFill>
                 <a:effectLst/>
                 <a:latin typeface="-apple-system"/>
               </a:rPr>
-              <a:t>Q</a:t>
-            </a:r>
-            <a:r>
-              <a:rPr lang="zh-CN" altLang="en-US" b="0" i="0">
+              <a:t>Q1</a:t>
+            </a:r>
+            <a:r>
+              <a:rPr lang="zh-CN" altLang="en-US" b="0" i="0" dirty="0">
                 <a:solidFill>
                   <a:srgbClr val="191B1F"/>
                 </a:solidFill>
@@ -7979,7 +8428,7 @@
               <a:t>：</a:t>
             </a:r>
             <a:r>
-              <a:rPr lang="en-US" altLang="zh-CN" b="1" i="0">
+              <a:rPr lang="en-US" altLang="zh-CN" b="1" i="0" dirty="0">
                 <a:solidFill>
                   <a:srgbClr val="191B1F"/>
                 </a:solidFill>
@@ -7989,7 +8438,7 @@
               <a:t>AE</a:t>
             </a:r>
             <a:r>
-              <a:rPr lang="zh-CN" altLang="en-US" b="1" i="0">
+              <a:rPr lang="zh-CN" altLang="en-US" b="1" i="0" dirty="0">
                 <a:solidFill>
                   <a:srgbClr val="191B1F"/>
                 </a:solidFill>
@@ -8038,7 +8487,7 @@
                 <a:effectLst/>
                 <a:latin typeface="-apple-system"/>
               </a:rPr>
-              <a:t>A</a:t>
+              <a:t>A1</a:t>
             </a:r>
             <a:r>
               <a:rPr lang="zh-CN" altLang="en-US" b="0" i="0" dirty="0">
@@ -8130,7 +8579,7 @@
                 <a:effectLst/>
                 <a:latin typeface="-apple-system"/>
               </a:rPr>
-              <a:t>Q</a:t>
+              <a:t>Q2</a:t>
             </a:r>
             <a:r>
               <a:rPr lang="zh-CN" altLang="en-US" b="0" i="0" dirty="0">
@@ -8212,7 +8661,7 @@
                 <a:effectLst/>
                 <a:latin typeface="-apple-system"/>
               </a:rPr>
-              <a:t>A</a:t>
+              <a:t>A2</a:t>
             </a:r>
             <a:r>
               <a:rPr lang="zh-CN" altLang="en-US" b="0" i="0" dirty="0">
@@ -8324,7 +8773,7 @@
                 <a:effectLst/>
                 <a:latin typeface="-apple-system"/>
               </a:rPr>
-              <a:t>Q</a:t>
+              <a:t>Q3</a:t>
             </a:r>
             <a:r>
               <a:rPr lang="zh-CN" altLang="en-US" b="0" i="0" dirty="0">
@@ -8406,7 +8855,7 @@
                 <a:effectLst/>
                 <a:latin typeface="-apple-system"/>
               </a:rPr>
-              <a:t>A</a:t>
+              <a:t>A3</a:t>
             </a:r>
             <a:r>
               <a:rPr lang="zh-CN" altLang="en-US" b="0" i="0" dirty="0">
@@ -8504,7 +8953,7 @@
                 </a:solidFill>
                 <a:latin typeface="-apple-system"/>
               </a:rPr>
-              <a:t>       </a:t>
+              <a:t>         </a:t>
             </a:r>
             <a:r>
               <a:rPr lang="en-US" altLang="zh-CN" b="0" i="0" dirty="0">
@@ -8543,7 +8992,7 @@
                 <a:effectLst/>
                 <a:latin typeface="-apple-system"/>
               </a:rPr>
-              <a:t>       3. </a:t>
+              <a:t>         3. </a:t>
             </a:r>
             <a:r>
               <a:rPr lang="zh-CN" altLang="en-US" b="0" i="0" dirty="0">
@@ -8594,90 +9043,10 @@
           </a:p>
         </p:txBody>
       </p:sp>
-      <p:sp>
-        <p:nvSpPr>
-          <p:cNvPr id="16" name="文本框 15">
-            <a:extLst>
-              <a:ext uri="{FF2B5EF4-FFF2-40B4-BE49-F238E27FC236}">
-                <a16:creationId xmlns:a16="http://schemas.microsoft.com/office/drawing/2014/main" id="{06B5206D-8C2D-43DD-85A0-5A6D0B9FADE4}"/>
-              </a:ext>
-            </a:extLst>
-          </p:cNvPr>
-          <p:cNvSpPr txBox="1"/>
-          <p:nvPr/>
-        </p:nvSpPr>
-        <p:spPr>
-          <a:xfrm>
-            <a:off x="3874883" y="6218585"/>
-            <a:ext cx="3551485" cy="646331"/>
-          </a:xfrm>
-          <a:prstGeom prst="rect">
-            <a:avLst/>
-          </a:prstGeom>
-          <a:noFill/>
-        </p:spPr>
-        <p:txBody>
-          <a:bodyPr wrap="none" rtlCol="0">
-            <a:spAutoFit/>
-          </a:bodyPr>
-          <a:lstStyle/>
-          <a:p>
-            <a:r>
-              <a:rPr lang="zh-CN" altLang="en-US" b="1" dirty="0">
-                <a:solidFill>
-                  <a:srgbClr val="FF0000"/>
-                </a:solidFill>
-                <a:latin typeface="-apple-system"/>
-              </a:rPr>
-              <a:t>注意与</a:t>
-            </a:r>
-            <a:r>
-              <a:rPr lang="en-US" altLang="zh-CN" b="1" dirty="0">
-                <a:solidFill>
-                  <a:srgbClr val="FF0000"/>
-                </a:solidFill>
-                <a:latin typeface="-apple-system"/>
-              </a:rPr>
-              <a:t>AEC</a:t>
-            </a:r>
-            <a:r>
-              <a:rPr lang="zh-CN" altLang="en-US" b="1" dirty="0">
-                <a:solidFill>
-                  <a:srgbClr val="FF0000"/>
-                </a:solidFill>
-                <a:latin typeface="-apple-system"/>
-              </a:rPr>
-              <a:t>的</a:t>
-            </a:r>
-            <a:r>
-              <a:rPr lang="zh-CN" altLang="en-US" b="1" i="0" dirty="0">
-                <a:solidFill>
-                  <a:srgbClr val="FF0000"/>
-                </a:solidFill>
-                <a:effectLst/>
-                <a:latin typeface="-apple-system"/>
-              </a:rPr>
-              <a:t>评审员做充分的沟通</a:t>
-            </a:r>
-            <a:endParaRPr lang="zh-CN" altLang="en-US" b="1" dirty="0">
-              <a:solidFill>
-                <a:srgbClr val="FF0000"/>
-              </a:solidFill>
-            </a:endParaRPr>
-          </a:p>
-          <a:p>
-            <a:endParaRPr lang="zh-CN" altLang="en-US" b="1" dirty="0">
-              <a:solidFill>
-                <a:srgbClr val="FF0000"/>
-              </a:solidFill>
-            </a:endParaRPr>
-          </a:p>
-        </p:txBody>
-      </p:sp>
     </p:spTree>
     <p:extLst>
       <p:ext uri="{BB962C8B-B14F-4D97-AF65-F5344CB8AC3E}">
-        <p14:creationId xmlns:p14="http://schemas.microsoft.com/office/powerpoint/2010/main" val="2182991935"/>
+        <p14:creationId xmlns:p14="http://schemas.microsoft.com/office/powerpoint/2010/main" val="3123460065"/>
       </p:ext>
     </p:extLst>
   </p:cSld>
@@ -8706,46 +9075,752 @@
       </p:grpSpPr>
       <p:sp>
         <p:nvSpPr>
-          <p:cNvPr id="3" name="内容占位符 2">
+          <p:cNvPr id="5" name="文本框 4">
             <a:extLst>
               <a:ext uri="{FF2B5EF4-FFF2-40B4-BE49-F238E27FC236}">
-                <a16:creationId xmlns:a16="http://schemas.microsoft.com/office/drawing/2014/main" id="{7DE31800-DD41-443C-A0EA-0D68FB8A7E9D}"/>
+                <a16:creationId xmlns:a16="http://schemas.microsoft.com/office/drawing/2014/main" id="{53CDA642-0653-426D-AE5E-F41C1CABBB66}"/>
               </a:ext>
             </a:extLst>
           </p:cNvPr>
-          <p:cNvSpPr>
-            <a:spLocks noGrp="1"/>
-          </p:cNvSpPr>
-          <p:nvPr>
-            <p:ph idx="1"/>
-          </p:nvPr>
-        </p:nvSpPr>
-        <p:spPr>
-          <a:xfrm>
-            <a:off x="4418897" y="3118687"/>
-            <a:ext cx="6680651" cy="1912907"/>
-          </a:xfrm>
-        </p:spPr>
-        <p:txBody>
-          <a:bodyPr>
-            <a:normAutofit/>
+          <p:cNvSpPr txBox="1"/>
+          <p:nvPr/>
+        </p:nvSpPr>
+        <p:spPr>
+          <a:xfrm>
+            <a:off x="287448" y="249900"/>
+            <a:ext cx="6097508" cy="369332"/>
+          </a:xfrm>
+          <a:prstGeom prst="rect">
+            <a:avLst/>
+          </a:prstGeom>
+          <a:noFill/>
+        </p:spPr>
+        <p:txBody>
+          <a:bodyPr wrap="square">
+            <a:spAutoFit/>
           </a:bodyPr>
           <a:lstStyle/>
           <a:p>
-            <a:pPr marL="0" indent="0">
-              <a:buNone/>
-            </a:pPr>
-            <a:r>
-              <a:rPr lang="zh-CN" altLang="en-US" sz="4000" dirty="0"/>
-              <a:t>参考链接汇总</a:t>
-            </a:r>
+            <a:r>
+              <a:rPr lang="en-US" altLang="zh-CN" b="1" i="0" dirty="0">
+                <a:solidFill>
+                  <a:srgbClr val="191B1F"/>
+                </a:solidFill>
+                <a:effectLst/>
+                <a:latin typeface="-apple-system"/>
+              </a:rPr>
+              <a:t>Q1</a:t>
+            </a:r>
+            <a:r>
+              <a:rPr lang="zh-CN" altLang="en-US" b="0" i="0" dirty="0">
+                <a:solidFill>
+                  <a:srgbClr val="191B1F"/>
+                </a:solidFill>
+                <a:effectLst/>
+                <a:latin typeface="-apple-system"/>
+              </a:rPr>
+              <a:t>：</a:t>
+            </a:r>
+            <a:r>
+              <a:rPr lang="en-US" altLang="zh-CN" b="1" i="0" dirty="0">
+                <a:solidFill>
+                  <a:srgbClr val="191B1F"/>
+                </a:solidFill>
+                <a:effectLst/>
+                <a:latin typeface="-apple-system"/>
+              </a:rPr>
+              <a:t>AE</a:t>
+            </a:r>
+            <a:r>
+              <a:rPr lang="zh-CN" altLang="en-US" b="1" i="0" dirty="0">
+                <a:solidFill>
+                  <a:srgbClr val="191B1F"/>
+                </a:solidFill>
+                <a:effectLst/>
+                <a:latin typeface="-apple-system"/>
+              </a:rPr>
+              <a:t>是否一定需要开源代码？</a:t>
+            </a:r>
+            <a:endParaRPr lang="zh-CN" altLang="en-US" dirty="0"/>
+          </a:p>
+        </p:txBody>
+      </p:sp>
+      <p:sp>
+        <p:nvSpPr>
+          <p:cNvPr id="7" name="文本框 6">
+            <a:extLst>
+              <a:ext uri="{FF2B5EF4-FFF2-40B4-BE49-F238E27FC236}">
+                <a16:creationId xmlns:a16="http://schemas.microsoft.com/office/drawing/2014/main" id="{5372ECA5-D5A7-45C8-9AAD-1C4E400764F0}"/>
+              </a:ext>
+            </a:extLst>
+          </p:cNvPr>
+          <p:cNvSpPr txBox="1"/>
+          <p:nvPr/>
+        </p:nvSpPr>
+        <p:spPr>
+          <a:xfrm>
+            <a:off x="287448" y="836638"/>
+            <a:ext cx="11635966" cy="923330"/>
+          </a:xfrm>
+          <a:prstGeom prst="rect">
+            <a:avLst/>
+          </a:prstGeom>
+          <a:noFill/>
+        </p:spPr>
+        <p:txBody>
+          <a:bodyPr wrap="square">
+            <a:spAutoFit/>
+          </a:bodyPr>
+          <a:lstStyle/>
+          <a:p>
+            <a:r>
+              <a:rPr lang="en-US" altLang="zh-CN" b="1" i="0" dirty="0">
+                <a:solidFill>
+                  <a:srgbClr val="191B1F"/>
+                </a:solidFill>
+                <a:effectLst/>
+                <a:latin typeface="-apple-system"/>
+              </a:rPr>
+              <a:t>A1</a:t>
+            </a:r>
+            <a:r>
+              <a:rPr lang="zh-CN" altLang="en-US" b="0" i="0" dirty="0">
+                <a:solidFill>
+                  <a:srgbClr val="191B1F"/>
+                </a:solidFill>
+                <a:effectLst/>
+                <a:latin typeface="-apple-system"/>
+              </a:rPr>
+              <a:t>：不是。可以选择提交可执行文件或二进制，评审人可通过提供的可执行文件，对功能完备和结果可复现进行评估。需要注意的是，如果只提供可执行文件，有可能无法获得</a:t>
+            </a:r>
+            <a:r>
+              <a:rPr lang="en-US" altLang="zh-CN" b="0" i="0" dirty="0">
+                <a:solidFill>
+                  <a:srgbClr val="191B1F"/>
+                </a:solidFill>
+                <a:effectLst/>
+                <a:latin typeface="-apple-system"/>
+              </a:rPr>
+              <a:t>Available</a:t>
+            </a:r>
+            <a:r>
+              <a:rPr lang="zh-CN" altLang="en-US" b="0" i="0" dirty="0">
+                <a:solidFill>
+                  <a:srgbClr val="191B1F"/>
+                </a:solidFill>
+                <a:effectLst/>
+                <a:latin typeface="-apple-system"/>
+              </a:rPr>
+              <a:t>的徽章（如</a:t>
+            </a:r>
+            <a:r>
+              <a:rPr lang="en-US" altLang="zh-CN" b="0" i="0" dirty="0" err="1">
+                <a:solidFill>
+                  <a:srgbClr val="191B1F"/>
+                </a:solidFill>
+                <a:effectLst/>
+                <a:latin typeface="-apple-system"/>
+              </a:rPr>
+              <a:t>PPoPP</a:t>
+            </a:r>
+            <a:r>
+              <a:rPr lang="zh-CN" altLang="en-US" b="0" i="0" dirty="0">
+                <a:solidFill>
+                  <a:srgbClr val="191B1F"/>
+                </a:solidFill>
+                <a:effectLst/>
+                <a:latin typeface="-apple-system"/>
+              </a:rPr>
+              <a:t>会议）。因此需要结合具体会议的要求进行判断。</a:t>
+            </a:r>
+            <a:endParaRPr lang="zh-CN" altLang="en-US" dirty="0"/>
+          </a:p>
+        </p:txBody>
+      </p:sp>
+      <p:sp>
+        <p:nvSpPr>
+          <p:cNvPr id="9" name="文本框 8">
+            <a:extLst>
+              <a:ext uri="{FF2B5EF4-FFF2-40B4-BE49-F238E27FC236}">
+                <a16:creationId xmlns:a16="http://schemas.microsoft.com/office/drawing/2014/main" id="{DA217C7F-1C8A-40A8-BB7D-44525E6499B5}"/>
+              </a:ext>
+            </a:extLst>
+          </p:cNvPr>
+          <p:cNvSpPr txBox="1"/>
+          <p:nvPr/>
+        </p:nvSpPr>
+        <p:spPr>
+          <a:xfrm>
+            <a:off x="287448" y="2056158"/>
+            <a:ext cx="11635966" cy="646331"/>
+          </a:xfrm>
+          <a:prstGeom prst="rect">
+            <a:avLst/>
+          </a:prstGeom>
+          <a:noFill/>
+        </p:spPr>
+        <p:txBody>
+          <a:bodyPr wrap="square">
+            <a:spAutoFit/>
+          </a:bodyPr>
+          <a:lstStyle/>
+          <a:p>
+            <a:r>
+              <a:rPr lang="en-US" altLang="zh-CN" b="1" i="0" dirty="0">
+                <a:solidFill>
+                  <a:srgbClr val="191B1F"/>
+                </a:solidFill>
+                <a:effectLst/>
+                <a:latin typeface="-apple-system"/>
+              </a:rPr>
+              <a:t>Q2</a:t>
+            </a:r>
+            <a:r>
+              <a:rPr lang="zh-CN" altLang="en-US" b="0" i="0" dirty="0">
+                <a:solidFill>
+                  <a:srgbClr val="191B1F"/>
+                </a:solidFill>
+                <a:effectLst/>
+                <a:latin typeface="-apple-system"/>
+              </a:rPr>
+              <a:t>：</a:t>
+            </a:r>
+            <a:r>
+              <a:rPr lang="zh-CN" altLang="en-US" b="1" i="0" dirty="0">
+                <a:solidFill>
+                  <a:srgbClr val="191B1F"/>
+                </a:solidFill>
+                <a:effectLst/>
+                <a:latin typeface="-apple-system"/>
+              </a:rPr>
+              <a:t>由于代码的完善与迭代，部分的测试数据已经与论文提交时候的版本有一定的出入，这个意味着我们</a:t>
+            </a:r>
+            <a:r>
+              <a:rPr lang="en-US" altLang="zh-CN" b="1" i="0" dirty="0">
+                <a:solidFill>
+                  <a:srgbClr val="191B1F"/>
+                </a:solidFill>
+                <a:effectLst/>
+                <a:latin typeface="-apple-system"/>
+              </a:rPr>
+              <a:t>AE</a:t>
+            </a:r>
+            <a:r>
+              <a:rPr lang="zh-CN" altLang="en-US" b="1" i="0" dirty="0">
+                <a:solidFill>
+                  <a:srgbClr val="191B1F"/>
+                </a:solidFill>
+                <a:effectLst/>
+                <a:latin typeface="-apple-system"/>
+              </a:rPr>
+              <a:t>的结果会不通过吗？</a:t>
+            </a:r>
+            <a:endParaRPr lang="zh-CN" altLang="en-US" dirty="0"/>
+          </a:p>
+        </p:txBody>
+      </p:sp>
+      <p:sp>
+        <p:nvSpPr>
+          <p:cNvPr id="11" name="文本框 10">
+            <a:extLst>
+              <a:ext uri="{FF2B5EF4-FFF2-40B4-BE49-F238E27FC236}">
+                <a16:creationId xmlns:a16="http://schemas.microsoft.com/office/drawing/2014/main" id="{A8E32398-6813-450A-8E17-43F94BCBD9D7}"/>
+              </a:ext>
+            </a:extLst>
+          </p:cNvPr>
+          <p:cNvSpPr txBox="1"/>
+          <p:nvPr/>
+        </p:nvSpPr>
+        <p:spPr>
+          <a:xfrm>
+            <a:off x="287448" y="3124468"/>
+            <a:ext cx="11635966" cy="646331"/>
+          </a:xfrm>
+          <a:prstGeom prst="rect">
+            <a:avLst/>
+          </a:prstGeom>
+          <a:noFill/>
+        </p:spPr>
+        <p:txBody>
+          <a:bodyPr wrap="square">
+            <a:spAutoFit/>
+          </a:bodyPr>
+          <a:lstStyle/>
+          <a:p>
+            <a:r>
+              <a:rPr lang="en-US" altLang="zh-CN" b="1" i="0" dirty="0">
+                <a:solidFill>
+                  <a:srgbClr val="191B1F"/>
+                </a:solidFill>
+                <a:effectLst/>
+                <a:latin typeface="-apple-system"/>
+              </a:rPr>
+              <a:t>A2</a:t>
+            </a:r>
+            <a:r>
+              <a:rPr lang="zh-CN" altLang="en-US" b="0" i="0" dirty="0">
+                <a:solidFill>
+                  <a:srgbClr val="191B1F"/>
+                </a:solidFill>
+                <a:effectLst/>
+                <a:latin typeface="-apple-system"/>
+              </a:rPr>
+              <a:t>：不是，</a:t>
+            </a:r>
+            <a:r>
+              <a:rPr lang="en-US" altLang="zh-CN" b="0" i="0" dirty="0">
+                <a:solidFill>
+                  <a:srgbClr val="191B1F"/>
+                </a:solidFill>
+                <a:effectLst/>
+                <a:latin typeface="-apple-system"/>
+              </a:rPr>
+              <a:t>AE</a:t>
+            </a:r>
+            <a:r>
+              <a:rPr lang="zh-CN" altLang="en-US" b="0" i="0" dirty="0">
+                <a:solidFill>
+                  <a:srgbClr val="191B1F"/>
+                </a:solidFill>
+                <a:effectLst/>
+                <a:latin typeface="-apple-system"/>
+              </a:rPr>
+              <a:t>不追求所有的数据在绝对值上和论文中的数据保持完全相同。</a:t>
+            </a:r>
+            <a:r>
+              <a:rPr lang="zh-CN" altLang="en-US" b="1" i="0" dirty="0">
+                <a:solidFill>
+                  <a:srgbClr val="191B1F"/>
+                </a:solidFill>
+                <a:effectLst/>
+                <a:latin typeface="-apple-system"/>
+              </a:rPr>
+              <a:t>一定的误差范围</a:t>
+            </a:r>
+            <a:r>
+              <a:rPr lang="zh-CN" altLang="en-US" b="0" i="0" dirty="0">
+                <a:solidFill>
+                  <a:srgbClr val="191B1F"/>
+                </a:solidFill>
+                <a:effectLst/>
+                <a:latin typeface="-apple-system"/>
+              </a:rPr>
+              <a:t>或</a:t>
+            </a:r>
+            <a:r>
+              <a:rPr lang="zh-CN" altLang="en-US" b="1" i="0" dirty="0">
+                <a:solidFill>
+                  <a:srgbClr val="191B1F"/>
+                </a:solidFill>
+                <a:effectLst/>
+                <a:latin typeface="-apple-system"/>
+              </a:rPr>
+              <a:t>结果相差较大，但是存在合理的解释，后续讨论通过的 </a:t>
+            </a:r>
+            <a:r>
+              <a:rPr lang="zh-CN" altLang="en-US" b="0" i="0" dirty="0">
+                <a:solidFill>
+                  <a:srgbClr val="191B1F"/>
+                </a:solidFill>
+                <a:effectLst/>
+                <a:latin typeface="-apple-system"/>
+              </a:rPr>
+              <a:t>都是可以接受的</a:t>
+            </a:r>
+            <a:endParaRPr lang="zh-CN" altLang="en-US" dirty="0"/>
+          </a:p>
+        </p:txBody>
+      </p:sp>
+      <p:sp>
+        <p:nvSpPr>
+          <p:cNvPr id="13" name="文本框 12">
+            <a:extLst>
+              <a:ext uri="{FF2B5EF4-FFF2-40B4-BE49-F238E27FC236}">
+                <a16:creationId xmlns:a16="http://schemas.microsoft.com/office/drawing/2014/main" id="{8799688A-D6F0-4E43-9CD5-6966C05F4AC3}"/>
+              </a:ext>
+            </a:extLst>
+          </p:cNvPr>
+          <p:cNvSpPr txBox="1"/>
+          <p:nvPr/>
+        </p:nvSpPr>
+        <p:spPr>
+          <a:xfrm>
+            <a:off x="287448" y="4192778"/>
+            <a:ext cx="11219507" cy="369332"/>
+          </a:xfrm>
+          <a:prstGeom prst="rect">
+            <a:avLst/>
+          </a:prstGeom>
+          <a:noFill/>
+        </p:spPr>
+        <p:txBody>
+          <a:bodyPr wrap="square">
+            <a:spAutoFit/>
+          </a:bodyPr>
+          <a:lstStyle/>
+          <a:p>
+            <a:r>
+              <a:rPr lang="en-US" altLang="zh-CN" b="1" i="0" dirty="0">
+                <a:solidFill>
+                  <a:srgbClr val="191B1F"/>
+                </a:solidFill>
+                <a:effectLst/>
+                <a:latin typeface="-apple-system"/>
+              </a:rPr>
+              <a:t>Q3</a:t>
+            </a:r>
+            <a:r>
+              <a:rPr lang="zh-CN" altLang="en-US" b="0" i="0" dirty="0">
+                <a:solidFill>
+                  <a:srgbClr val="191B1F"/>
+                </a:solidFill>
+                <a:effectLst/>
+                <a:latin typeface="-apple-system"/>
+              </a:rPr>
+              <a:t>：</a:t>
+            </a:r>
+            <a:r>
+              <a:rPr lang="zh-CN" altLang="en-US" b="1" i="0" dirty="0">
+                <a:solidFill>
+                  <a:srgbClr val="191B1F"/>
+                </a:solidFill>
+                <a:effectLst/>
+                <a:latin typeface="-apple-system"/>
+              </a:rPr>
+              <a:t>我们实现需要特殊的硬件（</a:t>
+            </a:r>
+            <a:r>
+              <a:rPr lang="en-US" altLang="zh-CN" b="1" i="0" dirty="0">
+                <a:solidFill>
+                  <a:srgbClr val="191B1F"/>
+                </a:solidFill>
+                <a:effectLst/>
+                <a:latin typeface="-apple-system"/>
+              </a:rPr>
+              <a:t>FPGA/GPU/NPU</a:t>
+            </a:r>
+            <a:r>
+              <a:rPr lang="zh-CN" altLang="en-US" b="1" i="0" dirty="0">
+                <a:solidFill>
+                  <a:srgbClr val="191B1F"/>
+                </a:solidFill>
+                <a:effectLst/>
+                <a:latin typeface="-apple-system"/>
+              </a:rPr>
+              <a:t>等），如果评审员并没有该设备该如何解决？</a:t>
+            </a:r>
+            <a:endParaRPr lang="zh-CN" altLang="en-US" dirty="0"/>
+          </a:p>
+        </p:txBody>
+      </p:sp>
+      <p:sp>
+        <p:nvSpPr>
+          <p:cNvPr id="15" name="文本框 14">
+            <a:extLst>
+              <a:ext uri="{FF2B5EF4-FFF2-40B4-BE49-F238E27FC236}">
+                <a16:creationId xmlns:a16="http://schemas.microsoft.com/office/drawing/2014/main" id="{D63E4EAD-5759-431F-815D-24EA8104AA41}"/>
+              </a:ext>
+            </a:extLst>
+          </p:cNvPr>
+          <p:cNvSpPr txBox="1"/>
+          <p:nvPr/>
+        </p:nvSpPr>
+        <p:spPr>
+          <a:xfrm>
+            <a:off x="287448" y="4790183"/>
+            <a:ext cx="11328148" cy="1200329"/>
+          </a:xfrm>
+          <a:prstGeom prst="rect">
+            <a:avLst/>
+          </a:prstGeom>
+          <a:noFill/>
+        </p:spPr>
+        <p:txBody>
+          <a:bodyPr wrap="square">
+            <a:spAutoFit/>
+          </a:bodyPr>
+          <a:lstStyle/>
+          <a:p>
+            <a:r>
+              <a:rPr lang="en-US" altLang="zh-CN" b="1" i="0" dirty="0">
+                <a:solidFill>
+                  <a:srgbClr val="191B1F"/>
+                </a:solidFill>
+                <a:effectLst/>
+                <a:latin typeface="-apple-system"/>
+              </a:rPr>
+              <a:t>A3</a:t>
+            </a:r>
+            <a:r>
+              <a:rPr lang="zh-CN" altLang="en-US" b="0" i="0" dirty="0">
+                <a:solidFill>
+                  <a:srgbClr val="191B1F"/>
+                </a:solidFill>
+                <a:effectLst/>
+                <a:latin typeface="-apple-system"/>
+              </a:rPr>
+              <a:t>：</a:t>
+            </a:r>
+            <a:r>
+              <a:rPr lang="en-US" altLang="zh-CN" b="0" i="0" dirty="0">
+                <a:solidFill>
+                  <a:srgbClr val="191B1F"/>
+                </a:solidFill>
+                <a:effectLst/>
+                <a:latin typeface="-apple-system"/>
+              </a:rPr>
+              <a:t>1. </a:t>
+            </a:r>
+            <a:r>
+              <a:rPr lang="zh-CN" altLang="en-US" b="0" i="0" dirty="0">
+                <a:solidFill>
+                  <a:srgbClr val="191B1F"/>
+                </a:solidFill>
+                <a:effectLst/>
+                <a:latin typeface="-apple-system"/>
+              </a:rPr>
+              <a:t>部分会议的</a:t>
+            </a:r>
+            <a:r>
+              <a:rPr lang="en-US" altLang="zh-CN" b="0" i="0" dirty="0">
+                <a:solidFill>
+                  <a:srgbClr val="191B1F"/>
+                </a:solidFill>
+                <a:effectLst/>
+                <a:latin typeface="-apple-system"/>
+              </a:rPr>
+              <a:t>AE</a:t>
+            </a:r>
+            <a:r>
+              <a:rPr lang="zh-CN" altLang="en-US" b="0" i="0" dirty="0">
+                <a:solidFill>
+                  <a:srgbClr val="191B1F"/>
+                </a:solidFill>
+                <a:effectLst/>
+                <a:latin typeface="-apple-system"/>
+              </a:rPr>
+              <a:t>会提供一些平台，例如</a:t>
+            </a:r>
+            <a:r>
+              <a:rPr lang="en-US" altLang="zh-CN" b="0" i="0" dirty="0">
+                <a:solidFill>
+                  <a:srgbClr val="191B1F"/>
+                </a:solidFill>
+                <a:effectLst/>
+                <a:latin typeface="-apple-system"/>
+              </a:rPr>
+              <a:t>AWS, </a:t>
+            </a:r>
+            <a:r>
+              <a:rPr lang="en-US" altLang="zh-CN" b="0" i="0" dirty="0" err="1">
+                <a:solidFill>
+                  <a:srgbClr val="191B1F"/>
+                </a:solidFill>
+                <a:effectLst/>
+                <a:latin typeface="-apple-system"/>
+              </a:rPr>
+              <a:t>Cloudlab</a:t>
+            </a:r>
+            <a:r>
+              <a:rPr lang="zh-CN" altLang="en-US" b="0" i="0" dirty="0">
+                <a:solidFill>
+                  <a:srgbClr val="191B1F"/>
+                </a:solidFill>
+                <a:effectLst/>
+                <a:latin typeface="-apple-system"/>
+              </a:rPr>
+              <a:t>。</a:t>
+            </a:r>
+            <a:endParaRPr lang="en-US" altLang="zh-CN" b="0" i="0" dirty="0">
+              <a:solidFill>
+                <a:srgbClr val="191B1F"/>
+              </a:solidFill>
+              <a:effectLst/>
+              <a:latin typeface="-apple-system"/>
+            </a:endParaRPr>
+          </a:p>
+          <a:p>
+            <a:r>
+              <a:rPr lang="en-US" altLang="zh-CN" dirty="0">
+                <a:solidFill>
+                  <a:srgbClr val="191B1F"/>
+                </a:solidFill>
+                <a:latin typeface="-apple-system"/>
+              </a:rPr>
+              <a:t>         </a:t>
+            </a:r>
+            <a:r>
+              <a:rPr lang="en-US" altLang="zh-CN" b="0" i="0" dirty="0">
+                <a:solidFill>
+                  <a:srgbClr val="191B1F"/>
+                </a:solidFill>
+                <a:effectLst/>
+                <a:latin typeface="-apple-system"/>
+              </a:rPr>
+              <a:t>2. </a:t>
+            </a:r>
+            <a:r>
+              <a:rPr lang="zh-CN" altLang="en-US" b="0" i="0" dirty="0">
+                <a:solidFill>
+                  <a:srgbClr val="191B1F"/>
+                </a:solidFill>
+                <a:effectLst/>
+                <a:latin typeface="-apple-system"/>
+              </a:rPr>
+              <a:t>基于模拟器的性能可能和真实硬件的绝对性能不同，但是也能够部分支撑论文中的核心论点。</a:t>
+            </a:r>
+            <a:endParaRPr lang="en-US" altLang="zh-CN" b="0" i="0" dirty="0">
+              <a:solidFill>
+                <a:srgbClr val="191B1F"/>
+              </a:solidFill>
+              <a:effectLst/>
+              <a:latin typeface="-apple-system"/>
+            </a:endParaRPr>
+          </a:p>
+          <a:p>
+            <a:r>
+              <a:rPr lang="en-US" altLang="zh-CN" b="0" i="0" dirty="0">
+                <a:solidFill>
+                  <a:srgbClr val="191B1F"/>
+                </a:solidFill>
+                <a:effectLst/>
+                <a:latin typeface="-apple-system"/>
+              </a:rPr>
+              <a:t>         3. </a:t>
+            </a:r>
+            <a:r>
+              <a:rPr lang="zh-CN" altLang="en-US" b="0" i="0" dirty="0">
+                <a:solidFill>
+                  <a:srgbClr val="191B1F"/>
+                </a:solidFill>
+                <a:effectLst/>
+                <a:latin typeface="-apple-system"/>
+              </a:rPr>
+              <a:t>为评审员搭建能够访问内部实验平台的方法（</a:t>
+            </a:r>
+            <a:r>
+              <a:rPr lang="en-US" altLang="zh-CN" b="0" i="0" dirty="0">
+                <a:solidFill>
+                  <a:srgbClr val="191B1F"/>
+                </a:solidFill>
+                <a:effectLst/>
+                <a:latin typeface="-apple-system"/>
+              </a:rPr>
+              <a:t>VPN, SSH</a:t>
+            </a:r>
+            <a:r>
+              <a:rPr lang="zh-CN" altLang="en-US" b="0" i="0" dirty="0">
+                <a:solidFill>
+                  <a:srgbClr val="191B1F"/>
+                </a:solidFill>
+                <a:effectLst/>
+                <a:latin typeface="-apple-system"/>
+              </a:rPr>
+              <a:t>）。</a:t>
+            </a:r>
+            <a:endParaRPr lang="en-US" altLang="zh-CN" b="0" i="0" dirty="0">
+              <a:solidFill>
+                <a:srgbClr val="191B1F"/>
+              </a:solidFill>
+              <a:effectLst/>
+              <a:latin typeface="-apple-system"/>
+            </a:endParaRPr>
+          </a:p>
+          <a:p>
+            <a:endParaRPr lang="en-US" altLang="zh-CN" b="0" i="0" dirty="0">
+              <a:solidFill>
+                <a:srgbClr val="191B1F"/>
+              </a:solidFill>
+              <a:effectLst/>
+              <a:latin typeface="-apple-system"/>
+            </a:endParaRPr>
+          </a:p>
+        </p:txBody>
+      </p:sp>
+      <p:sp>
+        <p:nvSpPr>
+          <p:cNvPr id="16" name="文本框 15">
+            <a:extLst>
+              <a:ext uri="{FF2B5EF4-FFF2-40B4-BE49-F238E27FC236}">
+                <a16:creationId xmlns:a16="http://schemas.microsoft.com/office/drawing/2014/main" id="{06B5206D-8C2D-43DD-85A0-5A6D0B9FADE4}"/>
+              </a:ext>
+            </a:extLst>
+          </p:cNvPr>
+          <p:cNvSpPr txBox="1"/>
+          <p:nvPr/>
+        </p:nvSpPr>
+        <p:spPr>
+          <a:xfrm>
+            <a:off x="3874883" y="6218585"/>
+            <a:ext cx="3551485" cy="646331"/>
+          </a:xfrm>
+          <a:prstGeom prst="rect">
+            <a:avLst/>
+          </a:prstGeom>
+          <a:noFill/>
+        </p:spPr>
+        <p:txBody>
+          <a:bodyPr wrap="none" rtlCol="0">
+            <a:spAutoFit/>
+          </a:bodyPr>
+          <a:lstStyle/>
+          <a:p>
+            <a:r>
+              <a:rPr lang="zh-CN" altLang="en-US" b="1" dirty="0">
+                <a:solidFill>
+                  <a:srgbClr val="FF0000"/>
+                </a:solidFill>
+                <a:latin typeface="-apple-system"/>
+              </a:rPr>
+              <a:t>注意与</a:t>
+            </a:r>
+            <a:r>
+              <a:rPr lang="en-US" altLang="zh-CN" b="1" dirty="0">
+                <a:solidFill>
+                  <a:srgbClr val="FF0000"/>
+                </a:solidFill>
+                <a:latin typeface="-apple-system"/>
+              </a:rPr>
+              <a:t>AEC</a:t>
+            </a:r>
+            <a:r>
+              <a:rPr lang="zh-CN" altLang="en-US" b="1" dirty="0">
+                <a:solidFill>
+                  <a:srgbClr val="FF0000"/>
+                </a:solidFill>
+                <a:latin typeface="-apple-system"/>
+              </a:rPr>
+              <a:t>的</a:t>
+            </a:r>
+            <a:r>
+              <a:rPr lang="zh-CN" altLang="en-US" b="1" i="0" dirty="0">
+                <a:solidFill>
+                  <a:srgbClr val="FF0000"/>
+                </a:solidFill>
+                <a:effectLst/>
+                <a:latin typeface="-apple-system"/>
+              </a:rPr>
+              <a:t>评审员做充分的沟通</a:t>
+            </a:r>
+            <a:endParaRPr lang="zh-CN" altLang="en-US" b="1" dirty="0">
+              <a:solidFill>
+                <a:srgbClr val="FF0000"/>
+              </a:solidFill>
+            </a:endParaRPr>
+          </a:p>
+          <a:p>
+            <a:endParaRPr lang="zh-CN" altLang="en-US" b="1" dirty="0">
+              <a:solidFill>
+                <a:srgbClr val="FF0000"/>
+              </a:solidFill>
+            </a:endParaRPr>
           </a:p>
         </p:txBody>
       </p:sp>
     </p:spTree>
     <p:extLst>
       <p:ext uri="{BB962C8B-B14F-4D97-AF65-F5344CB8AC3E}">
-        <p14:creationId xmlns:p14="http://schemas.microsoft.com/office/powerpoint/2010/main" val="1827335893"/>
+        <p14:creationId xmlns:p14="http://schemas.microsoft.com/office/powerpoint/2010/main" val="2182991935"/>
       </p:ext>
     </p:extLst>
   </p:cSld>
@@ -8777,6 +9852,74 @@
           <p:cNvPr id="3" name="内容占位符 2">
             <a:extLst>
               <a:ext uri="{FF2B5EF4-FFF2-40B4-BE49-F238E27FC236}">
+                <a16:creationId xmlns:a16="http://schemas.microsoft.com/office/drawing/2014/main" id="{7DE31800-DD41-443C-A0EA-0D68FB8A7E9D}"/>
+              </a:ext>
+            </a:extLst>
+          </p:cNvPr>
+          <p:cNvSpPr>
+            <a:spLocks noGrp="1"/>
+          </p:cNvSpPr>
+          <p:nvPr>
+            <p:ph idx="1"/>
+          </p:nvPr>
+        </p:nvSpPr>
+        <p:spPr>
+          <a:xfrm>
+            <a:off x="4418897" y="3118687"/>
+            <a:ext cx="6680651" cy="1912907"/>
+          </a:xfrm>
+        </p:spPr>
+        <p:txBody>
+          <a:bodyPr>
+            <a:normAutofit/>
+          </a:bodyPr>
+          <a:lstStyle/>
+          <a:p>
+            <a:pPr marL="0" indent="0">
+              <a:buNone/>
+            </a:pPr>
+            <a:r>
+              <a:rPr lang="zh-CN" altLang="en-US" sz="4000" dirty="0"/>
+              <a:t>参考链接汇总</a:t>
+            </a:r>
+          </a:p>
+        </p:txBody>
+      </p:sp>
+    </p:spTree>
+    <p:extLst>
+      <p:ext uri="{BB962C8B-B14F-4D97-AF65-F5344CB8AC3E}">
+        <p14:creationId xmlns:p14="http://schemas.microsoft.com/office/powerpoint/2010/main" val="1827335893"/>
+      </p:ext>
+    </p:extLst>
+  </p:cSld>
+  <p:clrMapOvr>
+    <a:masterClrMapping/>
+  </p:clrMapOvr>
+</p:sld>
+</file>
+
+<file path=ppt/slides/slide23.xml><?xml version="1.0" encoding="utf-8"?>
+<p:sld xmlns:a="http://schemas.openxmlformats.org/drawingml/2006/main" xmlns:r="http://schemas.openxmlformats.org/officeDocument/2006/relationships" xmlns:p="http://schemas.openxmlformats.org/presentationml/2006/main">
+  <p:cSld>
+    <p:spTree>
+      <p:nvGrpSpPr>
+        <p:cNvPr id="1" name=""/>
+        <p:cNvGrpSpPr/>
+        <p:nvPr/>
+      </p:nvGrpSpPr>
+      <p:grpSpPr>
+        <a:xfrm>
+          <a:off x="0" y="0"/>
+          <a:ext cx="0" cy="0"/>
+          <a:chOff x="0" y="0"/>
+          <a:chExt cx="0" cy="0"/>
+        </a:xfrm>
+      </p:grpSpPr>
+      <p:sp>
+        <p:nvSpPr>
+          <p:cNvPr id="3" name="内容占位符 2">
+            <a:extLst>
+              <a:ext uri="{FF2B5EF4-FFF2-40B4-BE49-F238E27FC236}">
                 <a16:creationId xmlns:a16="http://schemas.microsoft.com/office/drawing/2014/main" id="{4B43F476-73EE-4578-8BD4-BD368D3D5360}"/>
               </a:ext>
             </a:extLst>
@@ -8795,75 +9938,102 @@
           </a:xfrm>
         </p:spPr>
         <p:txBody>
-          <a:bodyPr/>
-          <a:lstStyle/>
-          <a:p>
-            <a:r>
-              <a:rPr lang="en-US" altLang="zh-CN" dirty="0">
+          <a:bodyPr>
+            <a:normAutofit/>
+          </a:bodyPr>
+          <a:lstStyle/>
+          <a:p>
+            <a:r>
+              <a:rPr lang="en-US" altLang="zh-CN" sz="2000" dirty="0">
+                <a:latin typeface="+mn-ea"/>
                 <a:hlinkClick r:id="rId2"/>
               </a:rPr>
               <a:t>https://zhuanlan.zhihu.com/p/460805807</a:t>
             </a:r>
-            <a:endParaRPr lang="en-US" altLang="zh-CN" dirty="0"/>
-          </a:p>
-          <a:p>
-            <a:r>
-              <a:rPr lang="en-US" altLang="zh-CN" dirty="0">
-                <a:hlinkClick r:id="rId3"/>
-              </a:rPr>
-              <a:t>https://zhuanlan.zhihu.com/p/606773179</a:t>
-            </a:r>
-            <a:endParaRPr lang="en-US" altLang="zh-CN" dirty="0"/>
-          </a:p>
-          <a:p>
-            <a:r>
-              <a:rPr lang="zh-CN" altLang="en-US" dirty="0"/>
-              <a:t>https://www.usenix.org/conference/osdi25/call-for-artifacts</a:t>
-            </a:r>
-            <a:endParaRPr lang="en-US" altLang="zh-CN" dirty="0"/>
-          </a:p>
-          <a:p>
-            <a:r>
-              <a:rPr lang="en-US" altLang="zh-CN" dirty="0">
-                <a:latin typeface="+mn-ea"/>
-                <a:hlinkClick r:id="rId4"/>
-              </a:rPr>
-              <a:t>https://sysartifacts.github.io/osdi</a:t>
-            </a:r>
-            <a:endParaRPr lang="en-US" altLang="zh-CN" dirty="0">
+            <a:endParaRPr lang="en-US" altLang="zh-CN" sz="2000" dirty="0">
               <a:latin typeface="+mn-ea"/>
             </a:endParaRPr>
           </a:p>
           <a:p>
             <a:r>
-              <a:rPr lang="zh-CN" altLang="en-US" dirty="0">
-                <a:latin typeface="+mn-ea"/>
-                <a:hlinkClick r:id="rId5"/>
-              </a:rPr>
-              <a:t>https://www.sigmobile.org/mobisys/2025/artifact_evaluation/</a:t>
-            </a:r>
-            <a:endParaRPr lang="en-US" altLang="zh-CN" dirty="0">
+              <a:rPr lang="en-US" altLang="zh-CN" sz="2000" dirty="0">
+                <a:latin typeface="+mn-ea"/>
+                <a:hlinkClick r:id="rId3"/>
+              </a:rPr>
+              <a:t>https://zhuanlan.zhihu.com/p/606773179</a:t>
+            </a:r>
+            <a:endParaRPr lang="en-US" altLang="zh-CN" sz="2000" dirty="0">
               <a:latin typeface="+mn-ea"/>
             </a:endParaRPr>
           </a:p>
           <a:p>
             <a:r>
-              <a:rPr lang="zh-CN" altLang="en-US" dirty="0"/>
-              <a:t>https://github.com/SiriusInfTra/Sirius</a:t>
-            </a:r>
-          </a:p>
-          <a:p>
-            <a:endParaRPr lang="zh-CN" altLang="en-US" dirty="0">
+              <a:rPr lang="zh-CN" altLang="en-US" sz="2000" dirty="0">
+                <a:latin typeface="+mn-ea"/>
+              </a:rPr>
+              <a:t>https://www.usenix.org/conference/osdi25/call-for-artifacts</a:t>
+            </a:r>
+            <a:endParaRPr lang="en-US" altLang="zh-CN" sz="2000" dirty="0">
               <a:latin typeface="+mn-ea"/>
             </a:endParaRPr>
           </a:p>
           <a:p>
-            <a:endParaRPr lang="zh-CN" altLang="en-US" dirty="0">
+            <a:r>
+              <a:rPr lang="en-US" altLang="zh-CN" sz="2000" dirty="0">
+                <a:latin typeface="+mn-ea"/>
+                <a:hlinkClick r:id="rId4"/>
+              </a:rPr>
+              <a:t>https://sysartifacts.github.io/osdi</a:t>
+            </a:r>
+            <a:endParaRPr lang="en-US" altLang="zh-CN" sz="2000" dirty="0">
               <a:latin typeface="+mn-ea"/>
             </a:endParaRPr>
           </a:p>
           <a:p>
-            <a:endParaRPr lang="zh-CN" altLang="en-US" dirty="0"/>
+            <a:r>
+              <a:rPr lang="zh-CN" altLang="en-US" sz="2000" dirty="0">
+                <a:latin typeface="+mn-ea"/>
+                <a:hlinkClick r:id="rId5"/>
+              </a:rPr>
+              <a:t>https://www.sigmobile.org/mobisys/2025/artifact_evaluation/</a:t>
+            </a:r>
+            <a:endParaRPr lang="en-US" altLang="zh-CN" sz="2000" dirty="0">
+              <a:latin typeface="+mn-ea"/>
+            </a:endParaRPr>
+          </a:p>
+          <a:p>
+            <a:r>
+              <a:rPr lang="zh-CN" altLang="en-US" sz="2000" dirty="0">
+                <a:latin typeface="+mn-ea"/>
+              </a:rPr>
+              <a:t>https://www.sigmobile.org/mobisys/2025/call_for_papers/</a:t>
+            </a:r>
+            <a:endParaRPr lang="en-US" altLang="zh-CN" sz="2000" dirty="0">
+              <a:latin typeface="+mn-ea"/>
+            </a:endParaRPr>
+          </a:p>
+          <a:p>
+            <a:r>
+              <a:rPr lang="zh-CN" altLang="en-US" sz="2000" dirty="0">
+                <a:latin typeface="+mn-ea"/>
+              </a:rPr>
+              <a:t>https://github.com/SiriusInfTra/Sirius</a:t>
+            </a:r>
+          </a:p>
+          <a:p>
+            <a:endParaRPr lang="zh-CN" altLang="en-US" sz="2000" dirty="0">
+              <a:latin typeface="+mn-ea"/>
+            </a:endParaRPr>
+          </a:p>
+          <a:p>
+            <a:endParaRPr lang="zh-CN" altLang="en-US" sz="2000" dirty="0">
+              <a:latin typeface="+mn-ea"/>
+            </a:endParaRPr>
+          </a:p>
+          <a:p>
+            <a:endParaRPr lang="zh-CN" altLang="en-US" sz="2000" dirty="0">
+              <a:latin typeface="+mn-ea"/>
+            </a:endParaRPr>
           </a:p>
         </p:txBody>
       </p:sp>
@@ -8915,7 +10085,7 @@
         </p:nvSpPr>
         <p:spPr>
           <a:xfrm>
-            <a:off x="4735768" y="2901403"/>
+            <a:off x="4536591" y="2901403"/>
             <a:ext cx="4581676" cy="1912907"/>
           </a:xfrm>
         </p:spPr>
@@ -8929,14 +10099,26 @@
               <a:buNone/>
             </a:pPr>
             <a:r>
-              <a:rPr lang="zh-CN" altLang="en-US" sz="4000" dirty="0"/>
+              <a:rPr lang="en-US" altLang="zh-CN" sz="4000" dirty="0">
+                <a:latin typeface="+mn-ea"/>
+              </a:rPr>
+              <a:t>1. </a:t>
+            </a:r>
+            <a:r>
+              <a:rPr lang="zh-CN" altLang="en-US" sz="4000" dirty="0">
+                <a:latin typeface="+mn-ea"/>
+              </a:rPr>
               <a:t>什么是</a:t>
             </a:r>
             <a:r>
-              <a:rPr lang="en-US" altLang="zh-CN" sz="4000" dirty="0"/>
+              <a:rPr lang="en-US" altLang="zh-CN" sz="4000" dirty="0">
+                <a:latin typeface="+mn-ea"/>
+              </a:rPr>
               <a:t>AE</a:t>
             </a:r>
-            <a:endParaRPr lang="zh-CN" altLang="en-US" sz="4000" dirty="0"/>
+            <a:endParaRPr lang="zh-CN" altLang="en-US" sz="4000" dirty="0">
+              <a:latin typeface="+mn-ea"/>
+            </a:endParaRPr>
           </a:p>
         </p:txBody>
       </p:sp>
@@ -9028,8 +10210,8 @@
         </p:nvSpPr>
         <p:spPr>
           <a:xfrm>
-            <a:off x="762000" y="2005916"/>
-            <a:ext cx="10515600" cy="5049308"/>
+            <a:off x="719910" y="1652831"/>
+            <a:ext cx="11116147" cy="4766076"/>
           </a:xfrm>
         </p:spPr>
         <p:txBody>
@@ -9106,7 +10288,7 @@
                 <a:solidFill>
                   <a:srgbClr val="191B1F"/>
                 </a:solidFill>
-                <a:latin typeface="-apple-system"/>
+                <a:latin typeface="+mn-ea"/>
               </a:rPr>
               <a:t>很多工作</a:t>
             </a:r>
@@ -9116,7 +10298,7 @@
                   <a:srgbClr val="191B1F"/>
                 </a:solidFill>
                 <a:effectLst/>
-                <a:latin typeface="-apple-system"/>
+                <a:latin typeface="+mn-ea"/>
               </a:rPr>
               <a:t>把更多的时间放在故事呈现与论文撰写，却忽视了实现与实验。这导致很多工作虽然有一个激动人心的故事与想法，但实现与测试却非常仓促。这不仅降低了论文的可信度，某些极端情况下甚至会促成学术不端。</a:t>
             </a:r>
@@ -9142,7 +10324,9 @@
               <a:buNone/>
             </a:pPr>
             <a:br>
-              <a:rPr lang="zh-CN" altLang="en-US" sz="1400" dirty="0"/>
+              <a:rPr lang="zh-CN" altLang="en-US" sz="1400" dirty="0">
+                <a:latin typeface="+mn-ea"/>
+              </a:rPr>
             </a:br>
             <a:endParaRPr lang="zh-CN" altLang="en-US" sz="2000" dirty="0">
               <a:latin typeface="+mn-ea"/>
@@ -9239,8 +10423,8 @@
         </p:nvSpPr>
         <p:spPr>
           <a:xfrm>
-            <a:off x="1297122" y="261729"/>
-            <a:ext cx="10030680" cy="1294585"/>
+            <a:off x="137465" y="261729"/>
+            <a:ext cx="11758787" cy="879087"/>
           </a:xfrm>
           <a:prstGeom prst="rect">
             <a:avLst/>
@@ -9328,12 +10512,42 @@
           <a:chExt cx="0" cy="0"/>
         </a:xfrm>
       </p:grpSpPr>
-      <p:sp>
-        <p:nvSpPr>
-          <p:cNvPr id="5" name="文本框 4">
+      <p:pic>
+        <p:nvPicPr>
+          <p:cNvPr id="5" name="图片 4">
             <a:extLst>
               <a:ext uri="{FF2B5EF4-FFF2-40B4-BE49-F238E27FC236}">
-                <a16:creationId xmlns:a16="http://schemas.microsoft.com/office/drawing/2014/main" id="{FB2DA004-6B27-4856-863A-E8FF39202F1F}"/>
+                <a16:creationId xmlns:a16="http://schemas.microsoft.com/office/drawing/2014/main" id="{2B093E2D-5C8E-4619-8DF4-C49880684DE1}"/>
+              </a:ext>
+            </a:extLst>
+          </p:cNvPr>
+          <p:cNvPicPr>
+            <a:picLocks noChangeAspect="1"/>
+          </p:cNvPicPr>
+          <p:nvPr/>
+        </p:nvPicPr>
+        <p:blipFill>
+          <a:blip r:embed="rId3"/>
+          <a:stretch>
+            <a:fillRect/>
+          </a:stretch>
+        </p:blipFill>
+        <p:spPr>
+          <a:xfrm>
+            <a:off x="736820" y="946920"/>
+            <a:ext cx="5834368" cy="2286991"/>
+          </a:xfrm>
+          <a:prstGeom prst="rect">
+            <a:avLst/>
+          </a:prstGeom>
+        </p:spPr>
+      </p:pic>
+      <p:sp>
+        <p:nvSpPr>
+          <p:cNvPr id="6" name="文本框 5">
+            <a:extLst>
+              <a:ext uri="{FF2B5EF4-FFF2-40B4-BE49-F238E27FC236}">
+                <a16:creationId xmlns:a16="http://schemas.microsoft.com/office/drawing/2014/main" id="{5D6A8DFF-2A39-476E-9803-1C7209B1D13D}"/>
               </a:ext>
             </a:extLst>
           </p:cNvPr>
@@ -9342,8 +10556,8 @@
         </p:nvSpPr>
         <p:spPr>
           <a:xfrm>
-            <a:off x="486784" y="5785392"/>
-            <a:ext cx="7990242" cy="369332"/>
+            <a:off x="506994" y="235390"/>
+            <a:ext cx="1692130" cy="369332"/>
           </a:xfrm>
           <a:prstGeom prst="rect">
             <a:avLst/>
@@ -9351,16 +10565,34 @@
           <a:noFill/>
         </p:spPr>
         <p:txBody>
-          <a:bodyPr wrap="square">
+          <a:bodyPr wrap="square" rtlCol="0">
             <a:spAutoFit/>
           </a:bodyPr>
           <a:lstStyle/>
           <a:p>
             <a:r>
+              <a:rPr lang="en-US" altLang="zh-CN" dirty="0" err="1">
+                <a:latin typeface="+mn-ea"/>
+              </a:rPr>
+              <a:t>MobiSys</a:t>
+            </a:r>
+            <a:r>
               <a:rPr lang="en-US" altLang="zh-CN" dirty="0">
                 <a:latin typeface="+mn-ea"/>
               </a:rPr>
-              <a:t>https://sysartifacts.github.io/osdi</a:t>
+              <a:t>’</a:t>
+            </a:r>
+            <a:r>
+              <a:rPr lang="zh-CN" altLang="en-US" dirty="0">
+                <a:latin typeface="+mn-ea"/>
+              </a:rPr>
+              <a:t> </a:t>
+            </a:r>
+            <a:r>
+              <a:rPr lang="en-US" altLang="zh-CN" dirty="0">
+                <a:latin typeface="+mn-ea"/>
+              </a:rPr>
+              <a:t>25</a:t>
             </a:r>
             <a:endParaRPr lang="zh-CN" altLang="en-US" dirty="0">
               <a:latin typeface="+mn-ea"/>
@@ -9368,12 +10600,42 @@
           </a:p>
         </p:txBody>
       </p:sp>
-      <p:sp>
-        <p:nvSpPr>
-          <p:cNvPr id="7" name="文本框 6">
+      <p:pic>
+        <p:nvPicPr>
+          <p:cNvPr id="8" name="图片 7">
             <a:extLst>
               <a:ext uri="{FF2B5EF4-FFF2-40B4-BE49-F238E27FC236}">
-                <a16:creationId xmlns:a16="http://schemas.microsoft.com/office/drawing/2014/main" id="{93F87645-9AC2-4AB9-B281-7B526B5D3FBA}"/>
+                <a16:creationId xmlns:a16="http://schemas.microsoft.com/office/drawing/2014/main" id="{95805288-76C0-4CC6-BD65-4289D007F767}"/>
+              </a:ext>
+            </a:extLst>
+          </p:cNvPr>
+          <p:cNvPicPr>
+            <a:picLocks noChangeAspect="1"/>
+          </p:cNvPicPr>
+          <p:nvPr/>
+        </p:nvPicPr>
+        <p:blipFill>
+          <a:blip r:embed="rId4"/>
+          <a:stretch>
+            <a:fillRect/>
+          </a:stretch>
+        </p:blipFill>
+        <p:spPr>
+          <a:xfrm>
+            <a:off x="681631" y="4139442"/>
+            <a:ext cx="6457950" cy="1381125"/>
+          </a:xfrm>
+          <a:prstGeom prst="rect">
+            <a:avLst/>
+          </a:prstGeom>
+        </p:spPr>
+      </p:pic>
+      <p:sp>
+        <p:nvSpPr>
+          <p:cNvPr id="10" name="文本框 9">
+            <a:extLst>
+              <a:ext uri="{FF2B5EF4-FFF2-40B4-BE49-F238E27FC236}">
+                <a16:creationId xmlns:a16="http://schemas.microsoft.com/office/drawing/2014/main" id="{3B0BA0A8-A416-452D-8625-99D910D2805F}"/>
               </a:ext>
             </a:extLst>
           </p:cNvPr>
@@ -9382,8 +10644,8 @@
         </p:nvSpPr>
         <p:spPr>
           <a:xfrm>
-            <a:off x="486784" y="6208948"/>
-            <a:ext cx="7990242" cy="369332"/>
+            <a:off x="170815" y="6217927"/>
+            <a:ext cx="7266915" cy="338554"/>
           </a:xfrm>
           <a:prstGeom prst="rect">
             <a:avLst/>
@@ -9397,7 +10659,7 @@
           <a:lstStyle/>
           <a:p>
             <a:r>
-              <a:rPr lang="zh-CN" altLang="en-US" dirty="0">
+              <a:rPr lang="zh-CN" altLang="en-US" sz="1600" dirty="0">
                 <a:latin typeface="+mn-ea"/>
               </a:rPr>
               <a:t>https://www.sigmobile.org/mobisys/2025/artifact_evaluation/</a:t>
@@ -9410,7 +10672,7 @@
           <p:cNvPr id="12" name="文本框 11">
             <a:extLst>
               <a:ext uri="{FF2B5EF4-FFF2-40B4-BE49-F238E27FC236}">
-                <a16:creationId xmlns:a16="http://schemas.microsoft.com/office/drawing/2014/main" id="{546B5F13-94C6-4743-B7BD-1161E108D1AB}"/>
+                <a16:creationId xmlns:a16="http://schemas.microsoft.com/office/drawing/2014/main" id="{044D06AF-4F6E-46BF-9EF2-ADF39D1AFD75}"/>
               </a:ext>
             </a:extLst>
           </p:cNvPr>
@@ -9419,8 +10681,8 @@
         </p:nvSpPr>
         <p:spPr>
           <a:xfrm>
-            <a:off x="1039010" y="981960"/>
-            <a:ext cx="14369039" cy="646331"/>
+            <a:off x="170814" y="6556481"/>
+            <a:ext cx="7266915" cy="338554"/>
           </a:xfrm>
           <a:prstGeom prst="rect">
             <a:avLst/>
@@ -9434,35 +10696,20 @@
           <a:lstStyle/>
           <a:p>
             <a:r>
-              <a:rPr lang="en-US" altLang="zh-CN" b="0" i="0" dirty="0">
-                <a:solidFill>
-                  <a:srgbClr val="333333"/>
-                </a:solidFill>
-                <a:effectLst/>
-                <a:latin typeface="+mn-ea"/>
-              </a:rPr>
-              <a:t> </a:t>
-            </a:r>
-            <a:endParaRPr lang="en-US" altLang="zh-CN" dirty="0">
-              <a:solidFill>
-                <a:srgbClr val="333333"/>
-              </a:solidFill>
-              <a:latin typeface="+mn-ea"/>
-            </a:endParaRPr>
-          </a:p>
-          <a:p>
-            <a:endParaRPr lang="zh-CN" altLang="en-US" dirty="0">
-              <a:latin typeface="+mn-ea"/>
-            </a:endParaRPr>
-          </a:p>
-        </p:txBody>
-      </p:sp>
-      <p:sp>
-        <p:nvSpPr>
-          <p:cNvPr id="14" name="文本框 13">
+              <a:rPr lang="zh-CN" altLang="en-US" sz="1600" dirty="0">
+                <a:latin typeface="+mn-ea"/>
+              </a:rPr>
+              <a:t>https://www.sigmobile.org/mobisys/2025/call_for_papers/</a:t>
+            </a:r>
+          </a:p>
+        </p:txBody>
+      </p:sp>
+      <p:sp>
+        <p:nvSpPr>
+          <p:cNvPr id="13" name="文本框 12">
             <a:extLst>
               <a:ext uri="{FF2B5EF4-FFF2-40B4-BE49-F238E27FC236}">
-                <a16:creationId xmlns:a16="http://schemas.microsoft.com/office/drawing/2014/main" id="{4CC3210B-0331-4061-914E-9371E4F1F5E5}"/>
+                <a16:creationId xmlns:a16="http://schemas.microsoft.com/office/drawing/2014/main" id="{8F1B105F-63E2-45A5-8E1B-E1D6C33FC848}"/>
               </a:ext>
             </a:extLst>
           </p:cNvPr>
@@ -9471,8 +10718,8 @@
         </p:nvSpPr>
         <p:spPr>
           <a:xfrm>
-            <a:off x="257735" y="543892"/>
-            <a:ext cx="12063357" cy="4562275"/>
+            <a:off x="9254536" y="1091079"/>
+            <a:ext cx="877163" cy="369332"/>
           </a:xfrm>
           <a:prstGeom prst="rect">
             <a:avLst/>
@@ -9480,370 +10727,717 @@
           <a:noFill/>
         </p:spPr>
         <p:txBody>
-          <a:bodyPr wrap="square" rtlCol="0">
+          <a:bodyPr wrap="none" rtlCol="0">
             <a:spAutoFit/>
           </a:bodyPr>
           <a:lstStyle/>
           <a:p>
-            <a:pPr marL="285750" indent="-285750">
-              <a:lnSpc>
-                <a:spcPct val="150000"/>
-              </a:lnSpc>
-              <a:buFont typeface="Arial" panose="020B0604020202020204" pitchFamily="34" charset="0"/>
-              <a:buChar char="•"/>
-            </a:pPr>
-            <a:r>
-              <a:rPr lang="zh-CN" altLang="en-US" sz="2200" dirty="0">
-                <a:latin typeface="+mn-ea"/>
-              </a:rPr>
-              <a:t>每年对</a:t>
-            </a:r>
-            <a:r>
-              <a:rPr lang="en-US" altLang="zh-CN" sz="2200" dirty="0">
-                <a:latin typeface="+mn-ea"/>
-              </a:rPr>
-              <a:t>AE</a:t>
-            </a:r>
-            <a:r>
-              <a:rPr lang="zh-CN" altLang="en-US" sz="2200" dirty="0">
-                <a:latin typeface="+mn-ea"/>
-              </a:rPr>
-              <a:t>有要求的会可以在对应会议的官网查到</a:t>
-            </a:r>
-            <a:r>
-              <a:rPr lang="en-US" altLang="zh-CN" sz="2200" dirty="0">
-                <a:latin typeface="+mn-ea"/>
-              </a:rPr>
-              <a:t>date</a:t>
-            </a:r>
-            <a:r>
-              <a:rPr lang="zh-CN" altLang="en-US" sz="2200" dirty="0">
-                <a:latin typeface="+mn-ea"/>
-              </a:rPr>
-              <a:t>、</a:t>
-            </a:r>
-            <a:r>
-              <a:rPr lang="en-US" altLang="zh-CN" sz="2200" dirty="0">
-                <a:latin typeface="+mn-ea"/>
-              </a:rPr>
-              <a:t>guidelines</a:t>
-            </a:r>
-            <a:r>
-              <a:rPr lang="zh-CN" altLang="en-US" sz="2200" dirty="0">
-                <a:latin typeface="+mn-ea"/>
-              </a:rPr>
-              <a:t>等信息</a:t>
-            </a:r>
-            <a:endParaRPr lang="en-US" altLang="zh-CN" sz="2200" dirty="0">
+            <a:r>
+              <a:rPr lang="zh-CN" altLang="en-US" dirty="0">
+                <a:latin typeface="+mn-ea"/>
+              </a:rPr>
+              <a:t>写论文</a:t>
+            </a:r>
+          </a:p>
+        </p:txBody>
+      </p:sp>
+      <p:sp>
+        <p:nvSpPr>
+          <p:cNvPr id="14" name="箭头: 下 13">
+            <a:extLst>
+              <a:ext uri="{FF2B5EF4-FFF2-40B4-BE49-F238E27FC236}">
+                <a16:creationId xmlns:a16="http://schemas.microsoft.com/office/drawing/2014/main" id="{6026ED9F-A867-4634-9AC3-05889622633A}"/>
+              </a:ext>
+            </a:extLst>
+          </p:cNvPr>
+          <p:cNvSpPr/>
+          <p:nvPr/>
+        </p:nvSpPr>
+        <p:spPr>
+          <a:xfrm>
+            <a:off x="8995216" y="907930"/>
+            <a:ext cx="303563" cy="729013"/>
+          </a:xfrm>
+          <a:prstGeom prst="downArrow">
+            <a:avLst/>
+          </a:prstGeom>
+        </p:spPr>
+        <p:style>
+          <a:lnRef idx="2">
+            <a:schemeClr val="accent1">
+              <a:shade val="50000"/>
+            </a:schemeClr>
+          </a:lnRef>
+          <a:fillRef idx="1">
+            <a:schemeClr val="accent1"/>
+          </a:fillRef>
+          <a:effectRef idx="0">
+            <a:schemeClr val="accent1"/>
+          </a:effectRef>
+          <a:fontRef idx="minor">
+            <a:schemeClr val="lt1"/>
+          </a:fontRef>
+        </p:style>
+        <p:txBody>
+          <a:bodyPr rtlCol="0" anchor="ctr"/>
+          <a:lstStyle/>
+          <a:p>
+            <a:pPr algn="ctr"/>
+            <a:endParaRPr lang="zh-CN" altLang="en-US">
               <a:latin typeface="+mn-ea"/>
             </a:endParaRPr>
           </a:p>
-          <a:p>
-            <a:pPr marL="285750" indent="-285750">
-              <a:lnSpc>
-                <a:spcPct val="150000"/>
-              </a:lnSpc>
-              <a:buFont typeface="Arial" panose="020B0604020202020204" pitchFamily="34" charset="0"/>
-              <a:buChar char="•"/>
-            </a:pPr>
-            <a:endParaRPr lang="en-US" altLang="zh-CN" sz="2200" dirty="0">
+        </p:txBody>
+      </p:sp>
+      <p:sp>
+        <p:nvSpPr>
+          <p:cNvPr id="15" name="文本框 14">
+            <a:extLst>
+              <a:ext uri="{FF2B5EF4-FFF2-40B4-BE49-F238E27FC236}">
+                <a16:creationId xmlns:a16="http://schemas.microsoft.com/office/drawing/2014/main" id="{C592BB91-3A53-4F74-A8AF-D9CC0A014B17}"/>
+              </a:ext>
+            </a:extLst>
+          </p:cNvPr>
+          <p:cNvSpPr txBox="1"/>
+          <p:nvPr/>
+        </p:nvSpPr>
+        <p:spPr>
+          <a:xfrm>
+            <a:off x="8379016" y="1786949"/>
+            <a:ext cx="1861407" cy="369332"/>
+          </a:xfrm>
+          <a:prstGeom prst="rect">
+            <a:avLst/>
+          </a:prstGeom>
+          <a:noFill/>
+        </p:spPr>
+        <p:txBody>
+          <a:bodyPr wrap="none" rtlCol="0">
+            <a:spAutoFit/>
+          </a:bodyPr>
+          <a:lstStyle/>
+          <a:p>
+            <a:r>
+              <a:rPr lang="en-US" altLang="zh-CN" dirty="0">
+                <a:latin typeface="+mn-ea"/>
+              </a:rPr>
+              <a:t>Paper Deadline</a:t>
+            </a:r>
+            <a:endParaRPr lang="zh-CN" altLang="en-US" dirty="0">
               <a:latin typeface="+mn-ea"/>
             </a:endParaRPr>
           </a:p>
-          <a:p>
-            <a:pPr marL="285750" indent="-285750">
-              <a:lnSpc>
-                <a:spcPct val="150000"/>
-              </a:lnSpc>
-              <a:buFont typeface="Arial" panose="020B0604020202020204" pitchFamily="34" charset="0"/>
-              <a:buChar char="•"/>
-            </a:pPr>
-            <a:r>
-              <a:rPr lang="zh-CN" altLang="en-US" sz="2200" b="0" i="0" dirty="0">
-                <a:solidFill>
-                  <a:srgbClr val="191B1F"/>
-                </a:solidFill>
-                <a:effectLst/>
-                <a:latin typeface="+mn-ea"/>
-              </a:rPr>
-              <a:t>越来越多的科研工作者选择对自己的工作进行</a:t>
-            </a:r>
-            <a:r>
-              <a:rPr lang="en-US" altLang="zh-CN" sz="2200" b="0" i="0" dirty="0">
-                <a:solidFill>
-                  <a:srgbClr val="191B1F"/>
-                </a:solidFill>
-                <a:effectLst/>
+        </p:txBody>
+      </p:sp>
+      <p:sp>
+        <p:nvSpPr>
+          <p:cNvPr id="16" name="箭头: 下 15">
+            <a:extLst>
+              <a:ext uri="{FF2B5EF4-FFF2-40B4-BE49-F238E27FC236}">
+                <a16:creationId xmlns:a16="http://schemas.microsoft.com/office/drawing/2014/main" id="{5DEFBF85-5A70-4CB7-AAF8-AC84CC1E062C}"/>
+              </a:ext>
+            </a:extLst>
+          </p:cNvPr>
+          <p:cNvSpPr/>
+          <p:nvPr/>
+        </p:nvSpPr>
+        <p:spPr>
+          <a:xfrm>
+            <a:off x="8949948" y="2306287"/>
+            <a:ext cx="394097" cy="978408"/>
+          </a:xfrm>
+          <a:prstGeom prst="downArrow">
+            <a:avLst/>
+          </a:prstGeom>
+        </p:spPr>
+        <p:style>
+          <a:lnRef idx="2">
+            <a:schemeClr val="accent1">
+              <a:shade val="50000"/>
+            </a:schemeClr>
+          </a:lnRef>
+          <a:fillRef idx="1">
+            <a:schemeClr val="accent1"/>
+          </a:fillRef>
+          <a:effectRef idx="0">
+            <a:schemeClr val="accent1"/>
+          </a:effectRef>
+          <a:fontRef idx="minor">
+            <a:schemeClr val="lt1"/>
+          </a:fontRef>
+        </p:style>
+        <p:txBody>
+          <a:bodyPr rtlCol="0" anchor="ctr"/>
+          <a:lstStyle/>
+          <a:p>
+            <a:pPr algn="ctr"/>
+            <a:endParaRPr lang="zh-CN" altLang="en-US">
+              <a:latin typeface="+mn-ea"/>
+            </a:endParaRPr>
+          </a:p>
+        </p:txBody>
+      </p:sp>
+      <p:sp>
+        <p:nvSpPr>
+          <p:cNvPr id="18" name="文本框 17">
+            <a:extLst>
+              <a:ext uri="{FF2B5EF4-FFF2-40B4-BE49-F238E27FC236}">
+                <a16:creationId xmlns:a16="http://schemas.microsoft.com/office/drawing/2014/main" id="{99569932-5E4A-4832-AE28-4A48B97D2FAF}"/>
+              </a:ext>
+            </a:extLst>
+          </p:cNvPr>
+          <p:cNvSpPr txBox="1"/>
+          <p:nvPr/>
+        </p:nvSpPr>
+        <p:spPr>
+          <a:xfrm>
+            <a:off x="9298778" y="2579416"/>
+            <a:ext cx="646331" cy="369332"/>
+          </a:xfrm>
+          <a:prstGeom prst="rect">
+            <a:avLst/>
+          </a:prstGeom>
+          <a:noFill/>
+        </p:spPr>
+        <p:txBody>
+          <a:bodyPr wrap="none" rtlCol="0">
+            <a:spAutoFit/>
+          </a:bodyPr>
+          <a:lstStyle/>
+          <a:p>
+            <a:r>
+              <a:rPr lang="zh-CN" altLang="en-US" dirty="0">
+                <a:latin typeface="+mn-ea"/>
+              </a:rPr>
+              <a:t>审稿</a:t>
+            </a:r>
+          </a:p>
+        </p:txBody>
+      </p:sp>
+      <p:sp>
+        <p:nvSpPr>
+          <p:cNvPr id="19" name="文本框 18">
+            <a:extLst>
+              <a:ext uri="{FF2B5EF4-FFF2-40B4-BE49-F238E27FC236}">
+                <a16:creationId xmlns:a16="http://schemas.microsoft.com/office/drawing/2014/main" id="{CF0FF2E2-1D3C-4C2B-AEBC-BCFFBD5F370A}"/>
+              </a:ext>
+            </a:extLst>
+          </p:cNvPr>
+          <p:cNvSpPr txBox="1"/>
+          <p:nvPr/>
+        </p:nvSpPr>
+        <p:spPr>
+          <a:xfrm>
+            <a:off x="8421615" y="420056"/>
+            <a:ext cx="2021707" cy="369332"/>
+          </a:xfrm>
+          <a:prstGeom prst="rect">
+            <a:avLst/>
+          </a:prstGeom>
+          <a:noFill/>
+        </p:spPr>
+        <p:txBody>
+          <a:bodyPr wrap="none" rtlCol="0">
+            <a:spAutoFit/>
+          </a:bodyPr>
+          <a:lstStyle/>
+          <a:p>
+            <a:r>
+              <a:rPr lang="zh-CN" altLang="en-US" dirty="0">
+                <a:latin typeface="+mn-ea"/>
+              </a:rPr>
+              <a:t>选择要投稿的会议</a:t>
+            </a:r>
+          </a:p>
+        </p:txBody>
+      </p:sp>
+      <p:sp>
+        <p:nvSpPr>
+          <p:cNvPr id="20" name="文本框 19">
+            <a:extLst>
+              <a:ext uri="{FF2B5EF4-FFF2-40B4-BE49-F238E27FC236}">
+                <a16:creationId xmlns:a16="http://schemas.microsoft.com/office/drawing/2014/main" id="{8FC167F5-9BF8-4D3E-A7CA-F2BED107E834}"/>
+              </a:ext>
+            </a:extLst>
+          </p:cNvPr>
+          <p:cNvSpPr txBox="1"/>
+          <p:nvPr/>
+        </p:nvSpPr>
+        <p:spPr>
+          <a:xfrm>
+            <a:off x="8516875" y="3499459"/>
+            <a:ext cx="1390124" cy="369332"/>
+          </a:xfrm>
+          <a:prstGeom prst="rect">
+            <a:avLst/>
+          </a:prstGeom>
+          <a:noFill/>
+        </p:spPr>
+        <p:txBody>
+          <a:bodyPr wrap="none" rtlCol="0">
+            <a:spAutoFit/>
+          </a:bodyPr>
+          <a:lstStyle/>
+          <a:p>
+            <a:r>
+              <a:rPr lang="zh-CN" altLang="en-US" dirty="0">
+                <a:latin typeface="+mn-ea"/>
+              </a:rPr>
+              <a:t>论文出结果</a:t>
+            </a:r>
+          </a:p>
+        </p:txBody>
+      </p:sp>
+      <p:sp>
+        <p:nvSpPr>
+          <p:cNvPr id="21" name="箭头: 下 20">
+            <a:extLst>
+              <a:ext uri="{FF2B5EF4-FFF2-40B4-BE49-F238E27FC236}">
+                <a16:creationId xmlns:a16="http://schemas.microsoft.com/office/drawing/2014/main" id="{4D652AA0-5968-4E98-8A60-F325D814C6AB}"/>
+              </a:ext>
+            </a:extLst>
+          </p:cNvPr>
+          <p:cNvSpPr/>
+          <p:nvPr/>
+        </p:nvSpPr>
+        <p:spPr>
+          <a:xfrm>
+            <a:off x="8995216" y="3868791"/>
+            <a:ext cx="394097" cy="978408"/>
+          </a:xfrm>
+          <a:prstGeom prst="downArrow">
+            <a:avLst/>
+          </a:prstGeom>
+        </p:spPr>
+        <p:style>
+          <a:lnRef idx="2">
+            <a:schemeClr val="accent1">
+              <a:shade val="50000"/>
+            </a:schemeClr>
+          </a:lnRef>
+          <a:fillRef idx="1">
+            <a:schemeClr val="accent1"/>
+          </a:fillRef>
+          <a:effectRef idx="0">
+            <a:schemeClr val="accent1"/>
+          </a:effectRef>
+          <a:fontRef idx="minor">
+            <a:schemeClr val="lt1"/>
+          </a:fontRef>
+        </p:style>
+        <p:txBody>
+          <a:bodyPr rtlCol="0" anchor="ctr"/>
+          <a:lstStyle/>
+          <a:p>
+            <a:pPr algn="ctr"/>
+            <a:endParaRPr lang="zh-CN" altLang="en-US">
+              <a:latin typeface="+mn-ea"/>
+            </a:endParaRPr>
+          </a:p>
+        </p:txBody>
+      </p:sp>
+      <p:sp>
+        <p:nvSpPr>
+          <p:cNvPr id="22" name="文本框 21">
+            <a:extLst>
+              <a:ext uri="{FF2B5EF4-FFF2-40B4-BE49-F238E27FC236}">
+                <a16:creationId xmlns:a16="http://schemas.microsoft.com/office/drawing/2014/main" id="{9EB432B5-69D9-4780-AF08-10C2845C59DC}"/>
+              </a:ext>
+            </a:extLst>
+          </p:cNvPr>
+          <p:cNvSpPr txBox="1"/>
+          <p:nvPr/>
+        </p:nvSpPr>
+        <p:spPr>
+          <a:xfrm>
+            <a:off x="9344046" y="4141920"/>
+            <a:ext cx="1196994" cy="369332"/>
+          </a:xfrm>
+          <a:prstGeom prst="rect">
+            <a:avLst/>
+          </a:prstGeom>
+          <a:noFill/>
+        </p:spPr>
+        <p:txBody>
+          <a:bodyPr wrap="none" rtlCol="0">
+            <a:spAutoFit/>
+          </a:bodyPr>
+          <a:lstStyle/>
+          <a:p>
+            <a:r>
+              <a:rPr lang="zh-CN" altLang="en-US" dirty="0">
+                <a:latin typeface="+mn-ea"/>
+              </a:rPr>
+              <a:t>做</a:t>
+            </a:r>
+            <a:r>
+              <a:rPr lang="en-US" altLang="zh-CN" dirty="0">
+                <a:latin typeface="+mn-ea"/>
+              </a:rPr>
+              <a:t>artifact</a:t>
+            </a:r>
+            <a:endParaRPr lang="zh-CN" altLang="en-US" dirty="0">
+              <a:latin typeface="+mn-ea"/>
+            </a:endParaRPr>
+          </a:p>
+        </p:txBody>
+      </p:sp>
+      <p:sp>
+        <p:nvSpPr>
+          <p:cNvPr id="23" name="文本框 22">
+            <a:extLst>
+              <a:ext uri="{FF2B5EF4-FFF2-40B4-BE49-F238E27FC236}">
+                <a16:creationId xmlns:a16="http://schemas.microsoft.com/office/drawing/2014/main" id="{C3A2DAC6-E2A3-412C-A563-412030441B0B}"/>
+              </a:ext>
+            </a:extLst>
+          </p:cNvPr>
+          <p:cNvSpPr txBox="1"/>
+          <p:nvPr/>
+        </p:nvSpPr>
+        <p:spPr>
+          <a:xfrm>
+            <a:off x="8484097" y="4971438"/>
+            <a:ext cx="2048189" cy="369332"/>
+          </a:xfrm>
+          <a:prstGeom prst="rect">
+            <a:avLst/>
+          </a:prstGeom>
+          <a:noFill/>
+        </p:spPr>
+        <p:txBody>
+          <a:bodyPr wrap="none" rtlCol="0">
+            <a:spAutoFit/>
+          </a:bodyPr>
+          <a:lstStyle/>
+          <a:p>
+            <a:r>
+              <a:rPr lang="en-US" altLang="zh-CN" dirty="0">
+                <a:latin typeface="+mn-ea"/>
+              </a:rPr>
+              <a:t>Artifact Deadline</a:t>
+            </a:r>
+            <a:endParaRPr lang="zh-CN" altLang="en-US" dirty="0">
+              <a:latin typeface="+mn-ea"/>
+            </a:endParaRPr>
+          </a:p>
+        </p:txBody>
+      </p:sp>
+      <p:sp>
+        <p:nvSpPr>
+          <p:cNvPr id="24" name="箭头: 下 23">
+            <a:extLst>
+              <a:ext uri="{FF2B5EF4-FFF2-40B4-BE49-F238E27FC236}">
+                <a16:creationId xmlns:a16="http://schemas.microsoft.com/office/drawing/2014/main" id="{F085ECD2-C6B0-4325-8BAF-17C07B4A70DD}"/>
+              </a:ext>
+            </a:extLst>
+          </p:cNvPr>
+          <p:cNvSpPr/>
+          <p:nvPr/>
+        </p:nvSpPr>
+        <p:spPr>
+          <a:xfrm>
+            <a:off x="8995216" y="5322872"/>
+            <a:ext cx="394097" cy="978408"/>
+          </a:xfrm>
+          <a:prstGeom prst="downArrow">
+            <a:avLst/>
+          </a:prstGeom>
+        </p:spPr>
+        <p:style>
+          <a:lnRef idx="2">
+            <a:schemeClr val="accent1">
+              <a:shade val="50000"/>
+            </a:schemeClr>
+          </a:lnRef>
+          <a:fillRef idx="1">
+            <a:schemeClr val="accent1"/>
+          </a:fillRef>
+          <a:effectRef idx="0">
+            <a:schemeClr val="accent1"/>
+          </a:effectRef>
+          <a:fontRef idx="minor">
+            <a:schemeClr val="lt1"/>
+          </a:fontRef>
+        </p:style>
+        <p:txBody>
+          <a:bodyPr rtlCol="0" anchor="ctr"/>
+          <a:lstStyle/>
+          <a:p>
+            <a:pPr algn="ctr"/>
+            <a:endParaRPr lang="zh-CN" altLang="en-US">
+              <a:latin typeface="+mn-ea"/>
+            </a:endParaRPr>
+          </a:p>
+        </p:txBody>
+      </p:sp>
+      <p:sp>
+        <p:nvSpPr>
+          <p:cNvPr id="25" name="文本框 24">
+            <a:extLst>
+              <a:ext uri="{FF2B5EF4-FFF2-40B4-BE49-F238E27FC236}">
+                <a16:creationId xmlns:a16="http://schemas.microsoft.com/office/drawing/2014/main" id="{8BA94077-AE38-45EA-B8BC-5794643E6322}"/>
+              </a:ext>
+            </a:extLst>
+          </p:cNvPr>
+          <p:cNvSpPr txBox="1"/>
+          <p:nvPr/>
+        </p:nvSpPr>
+        <p:spPr>
+          <a:xfrm>
+            <a:off x="9344046" y="5596001"/>
+            <a:ext cx="473206" cy="369332"/>
+          </a:xfrm>
+          <a:prstGeom prst="rect">
+            <a:avLst/>
+          </a:prstGeom>
+          <a:noFill/>
+        </p:spPr>
+        <p:txBody>
+          <a:bodyPr wrap="none" rtlCol="0">
+            <a:spAutoFit/>
+          </a:bodyPr>
+          <a:lstStyle/>
+          <a:p>
+            <a:r>
+              <a:rPr lang="en-US" altLang="zh-CN" dirty="0">
                 <a:latin typeface="+mn-ea"/>
               </a:rPr>
               <a:t>AE</a:t>
             </a:r>
-            <a:r>
-              <a:rPr lang="zh-CN" altLang="en-US" sz="2200" b="0" i="0" dirty="0">
-                <a:solidFill>
-                  <a:srgbClr val="191B1F"/>
-                </a:solidFill>
-                <a:effectLst/>
-                <a:latin typeface="+mn-ea"/>
-              </a:rPr>
-              <a:t>，在论文首页贴上徽章</a:t>
-            </a:r>
-            <a:r>
-              <a:rPr lang="zh-CN" altLang="en-US" sz="2200" dirty="0">
-                <a:solidFill>
-                  <a:srgbClr val="191B1F"/>
-                </a:solidFill>
-                <a:latin typeface="+mn-ea"/>
-              </a:rPr>
-              <a:t>。</a:t>
-            </a:r>
-            <a:endParaRPr lang="en-US" altLang="zh-CN" sz="2200" dirty="0">
+            <a:endParaRPr lang="zh-CN" altLang="en-US" dirty="0">
+              <a:latin typeface="+mn-ea"/>
+            </a:endParaRPr>
+          </a:p>
+        </p:txBody>
+      </p:sp>
+      <p:sp>
+        <p:nvSpPr>
+          <p:cNvPr id="26" name="文本框 25">
+            <a:extLst>
+              <a:ext uri="{FF2B5EF4-FFF2-40B4-BE49-F238E27FC236}">
+                <a16:creationId xmlns:a16="http://schemas.microsoft.com/office/drawing/2014/main" id="{DB83CA52-3E24-4FB2-BBC5-20B12D8C3B8F}"/>
+              </a:ext>
+            </a:extLst>
+          </p:cNvPr>
+          <p:cNvSpPr txBox="1"/>
+          <p:nvPr/>
+        </p:nvSpPr>
+        <p:spPr>
+          <a:xfrm>
+            <a:off x="8550588" y="6437944"/>
+            <a:ext cx="1396536" cy="369332"/>
+          </a:xfrm>
+          <a:prstGeom prst="rect">
+            <a:avLst/>
+          </a:prstGeom>
+          <a:noFill/>
+        </p:spPr>
+        <p:txBody>
+          <a:bodyPr wrap="none" rtlCol="0">
+            <a:spAutoFit/>
+          </a:bodyPr>
+          <a:lstStyle/>
+          <a:p>
+            <a:r>
+              <a:rPr lang="zh-CN" altLang="en-US" dirty="0">
+                <a:latin typeface="+mn-ea"/>
+              </a:rPr>
+              <a:t>得出</a:t>
+            </a:r>
+            <a:r>
+              <a:rPr lang="en-US" altLang="zh-CN" dirty="0">
+                <a:latin typeface="+mn-ea"/>
+              </a:rPr>
+              <a:t>AE</a:t>
+            </a:r>
+            <a:r>
+              <a:rPr lang="zh-CN" altLang="en-US" dirty="0">
+                <a:latin typeface="+mn-ea"/>
+              </a:rPr>
+              <a:t>结果</a:t>
+            </a:r>
+          </a:p>
+        </p:txBody>
+      </p:sp>
+      <p:sp>
+        <p:nvSpPr>
+          <p:cNvPr id="2" name="文本框 1">
+            <a:extLst>
+              <a:ext uri="{FF2B5EF4-FFF2-40B4-BE49-F238E27FC236}">
+                <a16:creationId xmlns:a16="http://schemas.microsoft.com/office/drawing/2014/main" id="{977AED4B-FD4D-4FE8-AB63-B1E28AFE724B}"/>
+              </a:ext>
+            </a:extLst>
+          </p:cNvPr>
+          <p:cNvSpPr txBox="1"/>
+          <p:nvPr/>
+        </p:nvSpPr>
+        <p:spPr>
+          <a:xfrm>
+            <a:off x="10431523" y="1797894"/>
+            <a:ext cx="1239442" cy="369332"/>
+          </a:xfrm>
+          <a:prstGeom prst="rect">
+            <a:avLst/>
+          </a:prstGeom>
+          <a:noFill/>
+        </p:spPr>
+        <p:txBody>
+          <a:bodyPr wrap="none" rtlCol="0">
+            <a:spAutoFit/>
+          </a:bodyPr>
+          <a:lstStyle/>
+          <a:p>
+            <a:r>
+              <a:rPr lang="en-US" altLang="zh-CN" dirty="0">
+                <a:solidFill>
+                  <a:schemeClr val="accent1"/>
+                </a:solidFill>
+                <a:latin typeface="+mn-ea"/>
+              </a:rPr>
+              <a:t>2024.12.9</a:t>
+            </a:r>
+            <a:endParaRPr lang="zh-CN" altLang="en-US" dirty="0">
               <a:solidFill>
-                <a:srgbClr val="191B1F"/>
+                <a:schemeClr val="accent1"/>
               </a:solidFill>
               <a:latin typeface="+mn-ea"/>
             </a:endParaRPr>
           </a:p>
-          <a:p>
-            <a:pPr>
-              <a:lnSpc>
-                <a:spcPct val="150000"/>
-              </a:lnSpc>
-            </a:pPr>
-            <a:r>
-              <a:rPr lang="zh-CN" altLang="en-US" sz="2200" b="0" i="0" dirty="0">
-                <a:solidFill>
-                  <a:srgbClr val="191B1F"/>
-                </a:solidFill>
-                <a:effectLst/>
-                <a:latin typeface="+mn-ea"/>
-              </a:rPr>
-              <a:t>（</a:t>
-            </a:r>
-            <a:r>
-              <a:rPr lang="en-US" altLang="zh-CN" sz="2200" b="0" i="0" dirty="0">
-                <a:solidFill>
-                  <a:srgbClr val="191B1F"/>
-                </a:solidFill>
-                <a:effectLst/>
-                <a:latin typeface="+mn-ea"/>
-              </a:rPr>
-              <a:t>OSDI 2024</a:t>
-            </a:r>
-            <a:r>
-              <a:rPr lang="zh-CN" altLang="en-US" sz="2200" b="0" i="0" dirty="0">
-                <a:solidFill>
-                  <a:srgbClr val="191B1F"/>
-                </a:solidFill>
-                <a:effectLst/>
-                <a:latin typeface="+mn-ea"/>
-              </a:rPr>
-              <a:t>录用的论文有</a:t>
-            </a:r>
-            <a:r>
-              <a:rPr lang="en-US" altLang="zh-CN" sz="2200" dirty="0">
-                <a:solidFill>
-                  <a:srgbClr val="191B1F"/>
-                </a:solidFill>
-                <a:latin typeface="+mn-ea"/>
-              </a:rPr>
-              <a:t>6</a:t>
-            </a:r>
-            <a:r>
-              <a:rPr lang="en-US" altLang="zh-CN" sz="2200" b="0" i="0" dirty="0">
-                <a:solidFill>
-                  <a:srgbClr val="191B1F"/>
-                </a:solidFill>
-                <a:effectLst/>
-                <a:latin typeface="+mn-ea"/>
-              </a:rPr>
-              <a:t>9%</a:t>
-            </a:r>
-            <a:r>
-              <a:rPr lang="zh-CN" altLang="en-US" sz="2200" b="0" i="0" dirty="0">
-                <a:solidFill>
-                  <a:srgbClr val="191B1F"/>
-                </a:solidFill>
-                <a:effectLst/>
-                <a:latin typeface="+mn-ea"/>
-              </a:rPr>
-              <a:t>提交了</a:t>
-            </a:r>
-            <a:r>
-              <a:rPr lang="en-US" altLang="zh-CN" sz="2200" b="0" i="0" dirty="0">
-                <a:solidFill>
-                  <a:srgbClr val="191B1F"/>
-                </a:solidFill>
-                <a:effectLst/>
-                <a:latin typeface="+mn-ea"/>
-              </a:rPr>
-              <a:t>AE</a:t>
-            </a:r>
-            <a:r>
-              <a:rPr lang="zh-CN" altLang="en-US" sz="2200" b="0" i="0" dirty="0">
-                <a:solidFill>
-                  <a:srgbClr val="191B1F"/>
-                </a:solidFill>
-                <a:effectLst/>
-                <a:latin typeface="+mn-ea"/>
-              </a:rPr>
-              <a:t>）</a:t>
-            </a:r>
-            <a:endParaRPr lang="en-US" altLang="zh-CN" sz="2200" b="0" i="0" dirty="0">
+        </p:txBody>
+      </p:sp>
+      <p:sp>
+        <p:nvSpPr>
+          <p:cNvPr id="27" name="文本框 26">
+            <a:extLst>
+              <a:ext uri="{FF2B5EF4-FFF2-40B4-BE49-F238E27FC236}">
+                <a16:creationId xmlns:a16="http://schemas.microsoft.com/office/drawing/2014/main" id="{2456AE9B-FF7A-4DB8-9AD7-BC83E8E50494}"/>
+              </a:ext>
+            </a:extLst>
+          </p:cNvPr>
+          <p:cNvSpPr txBox="1"/>
+          <p:nvPr/>
+        </p:nvSpPr>
+        <p:spPr>
+          <a:xfrm>
+            <a:off x="10498849" y="3503464"/>
+            <a:ext cx="1104790" cy="369332"/>
+          </a:xfrm>
+          <a:prstGeom prst="rect">
+            <a:avLst/>
+          </a:prstGeom>
+          <a:noFill/>
+        </p:spPr>
+        <p:txBody>
+          <a:bodyPr wrap="none" rtlCol="0">
+            <a:spAutoFit/>
+          </a:bodyPr>
+          <a:lstStyle/>
+          <a:p>
+            <a:r>
+              <a:rPr lang="en-US" altLang="zh-CN" dirty="0">
+                <a:solidFill>
+                  <a:schemeClr val="accent1"/>
+                </a:solidFill>
+                <a:latin typeface="+mn-ea"/>
+              </a:rPr>
+              <a:t>2025.3.7</a:t>
+            </a:r>
+            <a:endParaRPr lang="zh-CN" altLang="en-US" dirty="0">
               <a:solidFill>
-                <a:srgbClr val="191B1F"/>
-              </a:solidFill>
-              <a:effectLst/>
-              <a:latin typeface="+mn-ea"/>
-            </a:endParaRPr>
-          </a:p>
-          <a:p>
-            <a:pPr>
-              <a:lnSpc>
-                <a:spcPct val="150000"/>
-              </a:lnSpc>
-            </a:pPr>
-            <a:endParaRPr lang="en-US" altLang="zh-CN" sz="2200" b="1" i="0" dirty="0">
-              <a:solidFill>
-                <a:srgbClr val="191B1F"/>
-              </a:solidFill>
-              <a:effectLst/>
-              <a:latin typeface="-apple-system"/>
-            </a:endParaRPr>
-          </a:p>
-          <a:p>
-            <a:pPr marL="285750" indent="-285750">
-              <a:lnSpc>
-                <a:spcPct val="150000"/>
-              </a:lnSpc>
-              <a:buFont typeface="Arial" panose="020B0604020202020204" pitchFamily="34" charset="0"/>
-              <a:buChar char="•"/>
-            </a:pPr>
-            <a:r>
-              <a:rPr lang="zh-CN" altLang="en-US" sz="2200" dirty="0">
-                <a:solidFill>
-                  <a:srgbClr val="191B1F"/>
-                </a:solidFill>
-                <a:latin typeface="+mn-ea"/>
-              </a:rPr>
-              <a:t>虽然做不做</a:t>
-            </a:r>
-            <a:r>
-              <a:rPr lang="en-US" altLang="zh-CN" sz="2200" dirty="0">
-                <a:solidFill>
-                  <a:srgbClr val="191B1F"/>
-                </a:solidFill>
-                <a:latin typeface="+mn-ea"/>
-              </a:rPr>
-              <a:t>AE</a:t>
-            </a:r>
-            <a:r>
-              <a:rPr lang="zh-CN" altLang="en-US" sz="2200" dirty="0">
-                <a:solidFill>
-                  <a:srgbClr val="191B1F"/>
-                </a:solidFill>
-                <a:latin typeface="+mn-ea"/>
-              </a:rPr>
-              <a:t>不影响中稿，但</a:t>
-            </a:r>
-            <a:r>
-              <a:rPr lang="zh-CN" altLang="en-US" sz="2200" b="1" i="0" dirty="0">
-                <a:solidFill>
-                  <a:srgbClr val="191B1F"/>
-                </a:solidFill>
-                <a:effectLst/>
-                <a:latin typeface="+mn-ea"/>
-              </a:rPr>
-              <a:t>对于论文作者来说</a:t>
-            </a:r>
-            <a:r>
-              <a:rPr lang="zh-CN" altLang="en-US" sz="2200" i="0" dirty="0">
-                <a:solidFill>
-                  <a:srgbClr val="191B1F"/>
-                </a:solidFill>
-                <a:effectLst/>
-                <a:latin typeface="+mn-ea"/>
-              </a:rPr>
-              <a:t>，</a:t>
-            </a:r>
-            <a:r>
-              <a:rPr lang="en-US" altLang="zh-CN" sz="2200" i="0" dirty="0">
-                <a:solidFill>
-                  <a:srgbClr val="191B1F"/>
-                </a:solidFill>
-                <a:effectLst/>
-                <a:latin typeface="+mn-ea"/>
-              </a:rPr>
-              <a:t>AE</a:t>
-            </a:r>
-            <a:r>
-              <a:rPr lang="zh-CN" altLang="en-US" sz="2200" i="0" dirty="0">
-                <a:solidFill>
-                  <a:srgbClr val="191B1F"/>
-                </a:solidFill>
-                <a:effectLst/>
-                <a:latin typeface="+mn-ea"/>
-              </a:rPr>
-              <a:t>可以提升工作影响力。后续工作可以更加方便地在该工作上继续推进，或与该工作进行比较与分析。另外，通过</a:t>
-            </a:r>
-            <a:r>
-              <a:rPr lang="en-US" altLang="zh-CN" sz="2200" i="0" dirty="0">
-                <a:solidFill>
-                  <a:srgbClr val="191B1F"/>
-                </a:solidFill>
-                <a:effectLst/>
-                <a:latin typeface="+mn-ea"/>
-              </a:rPr>
-              <a:t>AE</a:t>
-            </a:r>
-            <a:r>
-              <a:rPr lang="zh-CN" altLang="en-US" sz="2200" i="0" dirty="0">
-                <a:solidFill>
-                  <a:srgbClr val="191B1F"/>
-                </a:solidFill>
-                <a:effectLst/>
-                <a:latin typeface="+mn-ea"/>
-              </a:rPr>
-              <a:t>中</a:t>
-            </a:r>
-            <a:r>
-              <a:rPr lang="zh-CN" altLang="en-US" sz="2200" b="1" i="0" dirty="0">
-                <a:solidFill>
-                  <a:srgbClr val="191B1F"/>
-                </a:solidFill>
-                <a:effectLst/>
-                <a:latin typeface="+mn-ea"/>
-              </a:rPr>
-              <a:t>可复现认证</a:t>
-            </a:r>
-            <a:r>
-              <a:rPr lang="zh-CN" altLang="en-US" sz="2200" i="0" dirty="0">
-                <a:solidFill>
-                  <a:srgbClr val="191B1F"/>
-                </a:solidFill>
-                <a:effectLst/>
-                <a:latin typeface="+mn-ea"/>
-              </a:rPr>
-              <a:t>，也可以增加论文的数据与结论可靠性。</a:t>
-            </a:r>
-            <a:endParaRPr lang="en-US" altLang="zh-CN" sz="2200" dirty="0">
-              <a:solidFill>
-                <a:srgbClr val="191B1F"/>
+                <a:schemeClr val="accent1"/>
               </a:solidFill>
               <a:latin typeface="+mn-ea"/>
             </a:endParaRPr>
           </a:p>
-          <a:p>
-            <a:pPr>
-              <a:lnSpc>
-                <a:spcPct val="150000"/>
-              </a:lnSpc>
-            </a:pPr>
-            <a:endParaRPr lang="en-US" altLang="zh-CN" sz="2000" b="0" i="0" dirty="0">
+        </p:txBody>
+      </p:sp>
+      <p:sp>
+        <p:nvSpPr>
+          <p:cNvPr id="28" name="文本框 27">
+            <a:extLst>
+              <a:ext uri="{FF2B5EF4-FFF2-40B4-BE49-F238E27FC236}">
+                <a16:creationId xmlns:a16="http://schemas.microsoft.com/office/drawing/2014/main" id="{8603B6EB-08F0-44F6-991E-ACA7710C4108}"/>
+              </a:ext>
+            </a:extLst>
+          </p:cNvPr>
+          <p:cNvSpPr txBox="1"/>
+          <p:nvPr/>
+        </p:nvSpPr>
+        <p:spPr>
+          <a:xfrm>
+            <a:off x="10484052" y="4982383"/>
+            <a:ext cx="1239442" cy="369332"/>
+          </a:xfrm>
+          <a:prstGeom prst="rect">
+            <a:avLst/>
+          </a:prstGeom>
+          <a:noFill/>
+        </p:spPr>
+        <p:txBody>
+          <a:bodyPr wrap="none" rtlCol="0">
+            <a:spAutoFit/>
+          </a:bodyPr>
+          <a:lstStyle/>
+          <a:p>
+            <a:r>
+              <a:rPr lang="en-US" altLang="zh-CN" dirty="0">
+                <a:solidFill>
+                  <a:schemeClr val="accent1"/>
+                </a:solidFill>
+                <a:latin typeface="+mn-ea"/>
+              </a:rPr>
+              <a:t>2025.3.23</a:t>
+            </a:r>
+            <a:endParaRPr lang="zh-CN" altLang="en-US" dirty="0">
               <a:solidFill>
-                <a:srgbClr val="191B1F"/>
+                <a:schemeClr val="accent1"/>
               </a:solidFill>
-              <a:effectLst/>
+              <a:latin typeface="+mn-ea"/>
+            </a:endParaRPr>
+          </a:p>
+        </p:txBody>
+      </p:sp>
+      <p:sp>
+        <p:nvSpPr>
+          <p:cNvPr id="29" name="文本框 28">
+            <a:extLst>
+              <a:ext uri="{FF2B5EF4-FFF2-40B4-BE49-F238E27FC236}">
+                <a16:creationId xmlns:a16="http://schemas.microsoft.com/office/drawing/2014/main" id="{2EA89B9C-6D69-4271-9038-E59DC4A5DB4F}"/>
+              </a:ext>
+            </a:extLst>
+          </p:cNvPr>
+          <p:cNvSpPr txBox="1"/>
+          <p:nvPr/>
+        </p:nvSpPr>
+        <p:spPr>
+          <a:xfrm>
+            <a:off x="10423559" y="6371815"/>
+            <a:ext cx="1239442" cy="369332"/>
+          </a:xfrm>
+          <a:prstGeom prst="rect">
+            <a:avLst/>
+          </a:prstGeom>
+          <a:noFill/>
+        </p:spPr>
+        <p:txBody>
+          <a:bodyPr wrap="none" rtlCol="0">
+            <a:spAutoFit/>
+          </a:bodyPr>
+          <a:lstStyle/>
+          <a:p>
+            <a:r>
+              <a:rPr lang="en-US" altLang="zh-CN" dirty="0">
+                <a:solidFill>
+                  <a:schemeClr val="accent1"/>
+                </a:solidFill>
+                <a:latin typeface="+mn-ea"/>
+              </a:rPr>
+              <a:t>2025.4.23</a:t>
+            </a:r>
+            <a:endParaRPr lang="zh-CN" altLang="en-US" dirty="0">
+              <a:solidFill>
+                <a:schemeClr val="accent1"/>
+              </a:solidFill>
               <a:latin typeface="+mn-ea"/>
             </a:endParaRPr>
           </a:p>
@@ -9852,7 +11446,7 @@
     </p:spTree>
     <p:extLst>
       <p:ext uri="{BB962C8B-B14F-4D97-AF65-F5344CB8AC3E}">
-        <p14:creationId xmlns:p14="http://schemas.microsoft.com/office/powerpoint/2010/main" val="900764836"/>
+        <p14:creationId xmlns:p14="http://schemas.microsoft.com/office/powerpoint/2010/main" val="4191705520"/>
       </p:ext>
     </p:extLst>
   </p:cSld>
@@ -9881,6 +11475,557 @@
       </p:grpSpPr>
       <p:sp>
         <p:nvSpPr>
+          <p:cNvPr id="5" name="文本框 4">
+            <a:extLst>
+              <a:ext uri="{FF2B5EF4-FFF2-40B4-BE49-F238E27FC236}">
+                <a16:creationId xmlns:a16="http://schemas.microsoft.com/office/drawing/2014/main" id="{FB2DA004-6B27-4856-863A-E8FF39202F1F}"/>
+              </a:ext>
+            </a:extLst>
+          </p:cNvPr>
+          <p:cNvSpPr txBox="1"/>
+          <p:nvPr/>
+        </p:nvSpPr>
+        <p:spPr>
+          <a:xfrm>
+            <a:off x="486784" y="5785392"/>
+            <a:ext cx="7990242" cy="369332"/>
+          </a:xfrm>
+          <a:prstGeom prst="rect">
+            <a:avLst/>
+          </a:prstGeom>
+          <a:noFill/>
+        </p:spPr>
+        <p:txBody>
+          <a:bodyPr wrap="square">
+            <a:spAutoFit/>
+          </a:bodyPr>
+          <a:lstStyle/>
+          <a:p>
+            <a:r>
+              <a:rPr lang="en-US" altLang="zh-CN" dirty="0">
+                <a:latin typeface="+mn-ea"/>
+              </a:rPr>
+              <a:t>https://sysartifacts.github.io/osdi</a:t>
+            </a:r>
+            <a:endParaRPr lang="zh-CN" altLang="en-US" dirty="0">
+              <a:latin typeface="+mn-ea"/>
+            </a:endParaRPr>
+          </a:p>
+        </p:txBody>
+      </p:sp>
+      <p:sp>
+        <p:nvSpPr>
+          <p:cNvPr id="7" name="文本框 6">
+            <a:extLst>
+              <a:ext uri="{FF2B5EF4-FFF2-40B4-BE49-F238E27FC236}">
+                <a16:creationId xmlns:a16="http://schemas.microsoft.com/office/drawing/2014/main" id="{93F87645-9AC2-4AB9-B281-7B526B5D3FBA}"/>
+              </a:ext>
+            </a:extLst>
+          </p:cNvPr>
+          <p:cNvSpPr txBox="1"/>
+          <p:nvPr/>
+        </p:nvSpPr>
+        <p:spPr>
+          <a:xfrm>
+            <a:off x="486784" y="6208948"/>
+            <a:ext cx="7990242" cy="369332"/>
+          </a:xfrm>
+          <a:prstGeom prst="rect">
+            <a:avLst/>
+          </a:prstGeom>
+          <a:noFill/>
+        </p:spPr>
+        <p:txBody>
+          <a:bodyPr wrap="square">
+            <a:spAutoFit/>
+          </a:bodyPr>
+          <a:lstStyle/>
+          <a:p>
+            <a:r>
+              <a:rPr lang="zh-CN" altLang="en-US" dirty="0">
+                <a:latin typeface="+mn-ea"/>
+              </a:rPr>
+              <a:t>https://www.sigmobile.org/mobisys/2025/artifact_evaluation/</a:t>
+            </a:r>
+          </a:p>
+        </p:txBody>
+      </p:sp>
+      <p:sp>
+        <p:nvSpPr>
+          <p:cNvPr id="12" name="文本框 11">
+            <a:extLst>
+              <a:ext uri="{FF2B5EF4-FFF2-40B4-BE49-F238E27FC236}">
+                <a16:creationId xmlns:a16="http://schemas.microsoft.com/office/drawing/2014/main" id="{546B5F13-94C6-4743-B7BD-1161E108D1AB}"/>
+              </a:ext>
+            </a:extLst>
+          </p:cNvPr>
+          <p:cNvSpPr txBox="1"/>
+          <p:nvPr/>
+        </p:nvSpPr>
+        <p:spPr>
+          <a:xfrm>
+            <a:off x="1039010" y="981960"/>
+            <a:ext cx="14369039" cy="646331"/>
+          </a:xfrm>
+          <a:prstGeom prst="rect">
+            <a:avLst/>
+          </a:prstGeom>
+          <a:noFill/>
+        </p:spPr>
+        <p:txBody>
+          <a:bodyPr wrap="square">
+            <a:spAutoFit/>
+          </a:bodyPr>
+          <a:lstStyle/>
+          <a:p>
+            <a:r>
+              <a:rPr lang="en-US" altLang="zh-CN" b="0" i="0" dirty="0">
+                <a:solidFill>
+                  <a:srgbClr val="333333"/>
+                </a:solidFill>
+                <a:effectLst/>
+                <a:latin typeface="+mn-ea"/>
+              </a:rPr>
+              <a:t> </a:t>
+            </a:r>
+            <a:endParaRPr lang="en-US" altLang="zh-CN" dirty="0">
+              <a:solidFill>
+                <a:srgbClr val="333333"/>
+              </a:solidFill>
+              <a:latin typeface="+mn-ea"/>
+            </a:endParaRPr>
+          </a:p>
+          <a:p>
+            <a:endParaRPr lang="zh-CN" altLang="en-US" dirty="0">
+              <a:latin typeface="+mn-ea"/>
+            </a:endParaRPr>
+          </a:p>
+        </p:txBody>
+      </p:sp>
+      <p:sp>
+        <p:nvSpPr>
+          <p:cNvPr id="14" name="文本框 13">
+            <a:extLst>
+              <a:ext uri="{FF2B5EF4-FFF2-40B4-BE49-F238E27FC236}">
+                <a16:creationId xmlns:a16="http://schemas.microsoft.com/office/drawing/2014/main" id="{4CC3210B-0331-4061-914E-9371E4F1F5E5}"/>
+              </a:ext>
+            </a:extLst>
+          </p:cNvPr>
+          <p:cNvSpPr txBox="1"/>
+          <p:nvPr/>
+        </p:nvSpPr>
+        <p:spPr>
+          <a:xfrm>
+            <a:off x="257735" y="543892"/>
+            <a:ext cx="11685449" cy="4562275"/>
+          </a:xfrm>
+          <a:prstGeom prst="rect">
+            <a:avLst/>
+          </a:prstGeom>
+          <a:noFill/>
+        </p:spPr>
+        <p:txBody>
+          <a:bodyPr wrap="square" rtlCol="0">
+            <a:spAutoFit/>
+          </a:bodyPr>
+          <a:lstStyle/>
+          <a:p>
+            <a:pPr marL="285750" indent="-285750">
+              <a:lnSpc>
+                <a:spcPct val="150000"/>
+              </a:lnSpc>
+              <a:buFont typeface="Arial" panose="020B0604020202020204" pitchFamily="34" charset="0"/>
+              <a:buChar char="•"/>
+            </a:pPr>
+            <a:r>
+              <a:rPr lang="zh-CN" altLang="en-US" sz="2200" dirty="0">
+                <a:latin typeface="+mn-ea"/>
+              </a:rPr>
+              <a:t>每年对</a:t>
+            </a:r>
+            <a:r>
+              <a:rPr lang="en-US" altLang="zh-CN" sz="2200" dirty="0">
+                <a:latin typeface="+mn-ea"/>
+              </a:rPr>
+              <a:t>AE</a:t>
+            </a:r>
+            <a:r>
+              <a:rPr lang="zh-CN" altLang="en-US" sz="2200" dirty="0">
+                <a:latin typeface="+mn-ea"/>
+              </a:rPr>
+              <a:t>有要求的会可以在对应会议的官网查到</a:t>
+            </a:r>
+            <a:r>
+              <a:rPr lang="en-US" altLang="zh-CN" sz="2200" dirty="0">
+                <a:latin typeface="+mn-ea"/>
+              </a:rPr>
+              <a:t>date</a:t>
+            </a:r>
+            <a:r>
+              <a:rPr lang="zh-CN" altLang="en-US" sz="2200" dirty="0">
+                <a:latin typeface="+mn-ea"/>
+              </a:rPr>
+              <a:t>、</a:t>
+            </a:r>
+            <a:r>
+              <a:rPr lang="en-US" altLang="zh-CN" sz="2200" dirty="0">
+                <a:latin typeface="+mn-ea"/>
+              </a:rPr>
+              <a:t>guidelines</a:t>
+            </a:r>
+            <a:r>
+              <a:rPr lang="zh-CN" altLang="en-US" sz="2200" dirty="0">
+                <a:latin typeface="+mn-ea"/>
+              </a:rPr>
+              <a:t>等信息</a:t>
+            </a:r>
+            <a:endParaRPr lang="en-US" altLang="zh-CN" sz="2200" dirty="0">
+              <a:latin typeface="+mn-ea"/>
+            </a:endParaRPr>
+          </a:p>
+          <a:p>
+            <a:pPr marL="285750" indent="-285750">
+              <a:lnSpc>
+                <a:spcPct val="150000"/>
+              </a:lnSpc>
+              <a:buFont typeface="Arial" panose="020B0604020202020204" pitchFamily="34" charset="0"/>
+              <a:buChar char="•"/>
+            </a:pPr>
+            <a:endParaRPr lang="en-US" altLang="zh-CN" sz="2200" dirty="0">
+              <a:latin typeface="+mn-ea"/>
+            </a:endParaRPr>
+          </a:p>
+          <a:p>
+            <a:pPr marL="285750" indent="-285750">
+              <a:lnSpc>
+                <a:spcPct val="150000"/>
+              </a:lnSpc>
+              <a:buFont typeface="Arial" panose="020B0604020202020204" pitchFamily="34" charset="0"/>
+              <a:buChar char="•"/>
+            </a:pPr>
+            <a:r>
+              <a:rPr lang="zh-CN" altLang="en-US" sz="2200" b="0" i="0" dirty="0">
+                <a:solidFill>
+                  <a:srgbClr val="191B1F"/>
+                </a:solidFill>
+                <a:effectLst/>
+                <a:latin typeface="+mn-ea"/>
+              </a:rPr>
+              <a:t>越来越多的科研工作者选择对自己的工作进行</a:t>
+            </a:r>
+            <a:r>
+              <a:rPr lang="en-US" altLang="zh-CN" sz="2200" b="0" i="0" dirty="0">
+                <a:solidFill>
+                  <a:srgbClr val="191B1F"/>
+                </a:solidFill>
+                <a:effectLst/>
+                <a:latin typeface="+mn-ea"/>
+              </a:rPr>
+              <a:t>AE</a:t>
+            </a:r>
+            <a:r>
+              <a:rPr lang="zh-CN" altLang="en-US" sz="2200" b="0" i="0" dirty="0">
+                <a:solidFill>
+                  <a:srgbClr val="191B1F"/>
+                </a:solidFill>
+                <a:effectLst/>
+                <a:latin typeface="+mn-ea"/>
+              </a:rPr>
+              <a:t>，在论文首页贴上徽章</a:t>
+            </a:r>
+            <a:r>
+              <a:rPr lang="zh-CN" altLang="en-US" sz="2200" dirty="0">
+                <a:solidFill>
+                  <a:srgbClr val="191B1F"/>
+                </a:solidFill>
+                <a:latin typeface="+mn-ea"/>
+              </a:rPr>
+              <a:t>。</a:t>
+            </a:r>
+            <a:endParaRPr lang="en-US" altLang="zh-CN" sz="2200" dirty="0">
+              <a:solidFill>
+                <a:srgbClr val="191B1F"/>
+              </a:solidFill>
+              <a:latin typeface="+mn-ea"/>
+            </a:endParaRPr>
+          </a:p>
+          <a:p>
+            <a:pPr>
+              <a:lnSpc>
+                <a:spcPct val="150000"/>
+              </a:lnSpc>
+            </a:pPr>
+            <a:r>
+              <a:rPr lang="zh-CN" altLang="en-US" sz="2200" b="0" i="0" dirty="0">
+                <a:solidFill>
+                  <a:srgbClr val="191B1F"/>
+                </a:solidFill>
+                <a:effectLst/>
+                <a:latin typeface="+mn-ea"/>
+              </a:rPr>
+              <a:t>（</a:t>
+            </a:r>
+            <a:r>
+              <a:rPr lang="en-US" altLang="zh-CN" sz="2200" b="0" i="0" dirty="0">
+                <a:solidFill>
+                  <a:srgbClr val="191B1F"/>
+                </a:solidFill>
+                <a:effectLst/>
+                <a:latin typeface="+mn-ea"/>
+              </a:rPr>
+              <a:t>OSDI 2024</a:t>
+            </a:r>
+            <a:r>
+              <a:rPr lang="zh-CN" altLang="en-US" sz="2200" b="0" i="0" dirty="0">
+                <a:solidFill>
+                  <a:srgbClr val="191B1F"/>
+                </a:solidFill>
+                <a:effectLst/>
+                <a:latin typeface="+mn-ea"/>
+              </a:rPr>
+              <a:t>录用的论文有</a:t>
+            </a:r>
+            <a:r>
+              <a:rPr lang="en-US" altLang="zh-CN" sz="2200" dirty="0">
+                <a:solidFill>
+                  <a:srgbClr val="191B1F"/>
+                </a:solidFill>
+                <a:latin typeface="+mn-ea"/>
+              </a:rPr>
+              <a:t>6</a:t>
+            </a:r>
+            <a:r>
+              <a:rPr lang="en-US" altLang="zh-CN" sz="2200" b="0" i="0" dirty="0">
+                <a:solidFill>
+                  <a:srgbClr val="191B1F"/>
+                </a:solidFill>
+                <a:effectLst/>
+                <a:latin typeface="+mn-ea"/>
+              </a:rPr>
+              <a:t>9%</a:t>
+            </a:r>
+            <a:r>
+              <a:rPr lang="zh-CN" altLang="en-US" sz="2200" b="0" i="0" dirty="0">
+                <a:solidFill>
+                  <a:srgbClr val="191B1F"/>
+                </a:solidFill>
+                <a:effectLst/>
+                <a:latin typeface="+mn-ea"/>
+              </a:rPr>
+              <a:t>提交了</a:t>
+            </a:r>
+            <a:r>
+              <a:rPr lang="en-US" altLang="zh-CN" sz="2200" b="0" i="0" dirty="0">
+                <a:solidFill>
+                  <a:srgbClr val="191B1F"/>
+                </a:solidFill>
+                <a:effectLst/>
+                <a:latin typeface="+mn-ea"/>
+              </a:rPr>
+              <a:t>AE</a:t>
+            </a:r>
+            <a:r>
+              <a:rPr lang="zh-CN" altLang="en-US" sz="2200" b="0" i="0" dirty="0">
+                <a:solidFill>
+                  <a:srgbClr val="191B1F"/>
+                </a:solidFill>
+                <a:effectLst/>
+                <a:latin typeface="+mn-ea"/>
+              </a:rPr>
+              <a:t>）</a:t>
+            </a:r>
+            <a:endParaRPr lang="en-US" altLang="zh-CN" sz="2200" b="0" i="0" dirty="0">
+              <a:solidFill>
+                <a:srgbClr val="191B1F"/>
+              </a:solidFill>
+              <a:effectLst/>
+              <a:latin typeface="+mn-ea"/>
+            </a:endParaRPr>
+          </a:p>
+          <a:p>
+            <a:pPr>
+              <a:lnSpc>
+                <a:spcPct val="150000"/>
+              </a:lnSpc>
+            </a:pPr>
+            <a:endParaRPr lang="en-US" altLang="zh-CN" sz="2200" b="1" i="0" dirty="0">
+              <a:solidFill>
+                <a:srgbClr val="191B1F"/>
+              </a:solidFill>
+              <a:effectLst/>
+              <a:latin typeface="+mn-ea"/>
+            </a:endParaRPr>
+          </a:p>
+          <a:p>
+            <a:pPr marL="285750" indent="-285750">
+              <a:lnSpc>
+                <a:spcPct val="150000"/>
+              </a:lnSpc>
+              <a:buFont typeface="Arial" panose="020B0604020202020204" pitchFamily="34" charset="0"/>
+              <a:buChar char="•"/>
+            </a:pPr>
+            <a:r>
+              <a:rPr lang="zh-CN" altLang="en-US" sz="2200" dirty="0">
+                <a:solidFill>
+                  <a:srgbClr val="191B1F"/>
+                </a:solidFill>
+                <a:latin typeface="+mn-ea"/>
+              </a:rPr>
+              <a:t>虽然大部分会议做不做</a:t>
+            </a:r>
+            <a:r>
+              <a:rPr lang="en-US" altLang="zh-CN" sz="2200" dirty="0">
+                <a:solidFill>
+                  <a:srgbClr val="191B1F"/>
+                </a:solidFill>
+                <a:latin typeface="+mn-ea"/>
+              </a:rPr>
+              <a:t>AE</a:t>
+            </a:r>
+            <a:r>
+              <a:rPr lang="zh-CN" altLang="en-US" sz="2200" dirty="0">
+                <a:solidFill>
+                  <a:srgbClr val="191B1F"/>
+                </a:solidFill>
+                <a:latin typeface="+mn-ea"/>
+              </a:rPr>
+              <a:t>不影响中稿，但</a:t>
+            </a:r>
+            <a:r>
+              <a:rPr lang="zh-CN" altLang="en-US" sz="2200" b="1" i="0" dirty="0">
+                <a:solidFill>
+                  <a:srgbClr val="191B1F"/>
+                </a:solidFill>
+                <a:effectLst/>
+                <a:latin typeface="+mn-ea"/>
+              </a:rPr>
+              <a:t>对于论文作者来说</a:t>
+            </a:r>
+            <a:r>
+              <a:rPr lang="zh-CN" altLang="en-US" sz="2200" i="0" dirty="0">
+                <a:solidFill>
+                  <a:srgbClr val="191B1F"/>
+                </a:solidFill>
+                <a:effectLst/>
+                <a:latin typeface="+mn-ea"/>
+              </a:rPr>
+              <a:t>，</a:t>
+            </a:r>
+            <a:r>
+              <a:rPr lang="en-US" altLang="zh-CN" sz="2200" i="0" dirty="0">
+                <a:solidFill>
+                  <a:srgbClr val="191B1F"/>
+                </a:solidFill>
+                <a:effectLst/>
+                <a:latin typeface="+mn-ea"/>
+              </a:rPr>
+              <a:t>AE</a:t>
+            </a:r>
+            <a:r>
+              <a:rPr lang="zh-CN" altLang="en-US" sz="2200" i="0" dirty="0">
+                <a:solidFill>
+                  <a:srgbClr val="191B1F"/>
+                </a:solidFill>
+                <a:effectLst/>
+                <a:latin typeface="+mn-ea"/>
+              </a:rPr>
+              <a:t>可以提升工作影响力。后续工作可以更加方便地在该工作上继续推进，或与该工作进行比较与分析。另外，通过</a:t>
+            </a:r>
+            <a:r>
+              <a:rPr lang="en-US" altLang="zh-CN" sz="2200" i="0" dirty="0">
+                <a:solidFill>
+                  <a:srgbClr val="191B1F"/>
+                </a:solidFill>
+                <a:effectLst/>
+                <a:latin typeface="+mn-ea"/>
+              </a:rPr>
+              <a:t>AE</a:t>
+            </a:r>
+            <a:r>
+              <a:rPr lang="zh-CN" altLang="en-US" sz="2200" i="0" dirty="0">
+                <a:solidFill>
+                  <a:srgbClr val="191B1F"/>
+                </a:solidFill>
+                <a:effectLst/>
+                <a:latin typeface="+mn-ea"/>
+              </a:rPr>
+              <a:t>中</a:t>
+            </a:r>
+            <a:r>
+              <a:rPr lang="zh-CN" altLang="en-US" sz="2200" b="1" i="0" dirty="0">
+                <a:solidFill>
+                  <a:srgbClr val="191B1F"/>
+                </a:solidFill>
+                <a:effectLst/>
+                <a:latin typeface="+mn-ea"/>
+              </a:rPr>
+              <a:t>可复现认证</a:t>
+            </a:r>
+            <a:r>
+              <a:rPr lang="zh-CN" altLang="en-US" sz="2200" i="0" dirty="0">
+                <a:solidFill>
+                  <a:srgbClr val="191B1F"/>
+                </a:solidFill>
+                <a:effectLst/>
+                <a:latin typeface="+mn-ea"/>
+              </a:rPr>
+              <a:t>，也可以增加论文的数据与结论可靠性。</a:t>
+            </a:r>
+            <a:endParaRPr lang="en-US" altLang="zh-CN" sz="2200" dirty="0">
+              <a:solidFill>
+                <a:srgbClr val="191B1F"/>
+              </a:solidFill>
+              <a:latin typeface="+mn-ea"/>
+            </a:endParaRPr>
+          </a:p>
+          <a:p>
+            <a:pPr>
+              <a:lnSpc>
+                <a:spcPct val="150000"/>
+              </a:lnSpc>
+            </a:pPr>
+            <a:endParaRPr lang="en-US" altLang="zh-CN" sz="2000" b="0" i="0" dirty="0">
+              <a:solidFill>
+                <a:srgbClr val="191B1F"/>
+              </a:solidFill>
+              <a:effectLst/>
+              <a:latin typeface="+mn-ea"/>
+            </a:endParaRPr>
+          </a:p>
+        </p:txBody>
+      </p:sp>
+    </p:spTree>
+    <p:extLst>
+      <p:ext uri="{BB962C8B-B14F-4D97-AF65-F5344CB8AC3E}">
+        <p14:creationId xmlns:p14="http://schemas.microsoft.com/office/powerpoint/2010/main" val="900764836"/>
+      </p:ext>
+    </p:extLst>
+  </p:cSld>
+  <p:clrMapOvr>
+    <a:masterClrMapping/>
+  </p:clrMapOvr>
+</p:sld>
+</file>
+
+<file path=ppt/slides/slide8.xml><?xml version="1.0" encoding="utf-8"?>
+<p:sld xmlns:a="http://schemas.openxmlformats.org/drawingml/2006/main" xmlns:r="http://schemas.openxmlformats.org/officeDocument/2006/relationships" xmlns:p="http://schemas.openxmlformats.org/presentationml/2006/main">
+  <p:cSld>
+    <p:spTree>
+      <p:nvGrpSpPr>
+        <p:cNvPr id="1" name=""/>
+        <p:cNvGrpSpPr/>
+        <p:nvPr/>
+      </p:nvGrpSpPr>
+      <p:grpSpPr>
+        <a:xfrm>
+          <a:off x="0" y="0"/>
+          <a:ext cx="0" cy="0"/>
+          <a:chOff x="0" y="0"/>
+          <a:chExt cx="0" cy="0"/>
+        </a:xfrm>
+      </p:grpSpPr>
+      <p:sp>
+        <p:nvSpPr>
           <p:cNvPr id="3" name="内容占位符 2">
             <a:extLst>
               <a:ext uri="{FF2B5EF4-FFF2-40B4-BE49-F238E27FC236}">
@@ -9897,7 +12042,7 @@
         </p:nvSpPr>
         <p:spPr>
           <a:xfrm>
-            <a:off x="4193902" y="2901403"/>
+            <a:off x="4067153" y="2901403"/>
             <a:ext cx="4581676" cy="1912907"/>
           </a:xfrm>
         </p:spPr>
@@ -9914,7 +12059,7 @@
               <a:rPr lang="en-US" altLang="zh-CN" sz="4000" dirty="0">
                 <a:latin typeface="+mn-ea"/>
               </a:rPr>
-              <a:t>AE</a:t>
+              <a:t>2. AE</a:t>
             </a:r>
             <a:r>
               <a:rPr lang="zh-CN" altLang="en-US" sz="4000" dirty="0"/>
@@ -9939,7 +12084,7 @@
 </p:sld>
 </file>
 
-<file path=ppt/slides/slide8.xml><?xml version="1.0" encoding="utf-8"?>
+<file path=ppt/slides/slide9.xml><?xml version="1.0" encoding="utf-8"?>
 <p:sld xmlns:a="http://schemas.openxmlformats.org/drawingml/2006/main" xmlns:r="http://schemas.openxmlformats.org/officeDocument/2006/relationships" xmlns:p="http://schemas.openxmlformats.org/presentationml/2006/main">
   <p:cSld>
     <p:spTree>
@@ -10107,8 +12252,8 @@
         </p:nvSpPr>
         <p:spPr>
           <a:xfrm>
-            <a:off x="8477642" y="1990163"/>
-            <a:ext cx="1005403" cy="584775"/>
+            <a:off x="7834846" y="1990163"/>
+            <a:ext cx="1184748" cy="584775"/>
           </a:xfrm>
           <a:prstGeom prst="rect">
             <a:avLst/>
@@ -10126,6 +12271,7 @@
                 <a:solidFill>
                   <a:schemeClr val="accent1"/>
                 </a:solidFill>
+                <a:latin typeface="+mn-ea"/>
               </a:rPr>
               <a:t>ACM</a:t>
             </a:r>
@@ -10133,6 +12279,7 @@
               <a:solidFill>
                 <a:schemeClr val="accent1"/>
               </a:solidFill>
+              <a:latin typeface="+mn-ea"/>
             </a:endParaRPr>
           </a:p>
         </p:txBody>
@@ -10151,8 +12298,8 @@
         </p:nvSpPr>
         <p:spPr>
           <a:xfrm>
-            <a:off x="8477642" y="5150091"/>
-            <a:ext cx="1452642" cy="584775"/>
+            <a:off x="7834846" y="5150091"/>
+            <a:ext cx="1757212" cy="584775"/>
           </a:xfrm>
           <a:prstGeom prst="rect">
             <a:avLst/>
@@ -10170,6 +12317,7 @@
                 <a:solidFill>
                   <a:schemeClr val="accent1"/>
                 </a:solidFill>
+                <a:latin typeface="+mn-ea"/>
               </a:rPr>
               <a:t>USENIX</a:t>
             </a:r>
@@ -10177,6 +12325,7 @@
               <a:solidFill>
                 <a:schemeClr val="accent1"/>
               </a:solidFill>
+              <a:latin typeface="+mn-ea"/>
             </a:endParaRPr>
           </a:p>
         </p:txBody>
@@ -10279,701 +12428,6 @@
     <p:extLst>
       <p:ext uri="{BB962C8B-B14F-4D97-AF65-F5344CB8AC3E}">
         <p14:creationId xmlns:p14="http://schemas.microsoft.com/office/powerpoint/2010/main" val="818563706"/>
-      </p:ext>
-    </p:extLst>
-  </p:cSld>
-  <p:clrMapOvr>
-    <a:masterClrMapping/>
-  </p:clrMapOvr>
-</p:sld>
-</file>
-
-<file path=ppt/slides/slide9.xml><?xml version="1.0" encoding="utf-8"?>
-<p:sld xmlns:a="http://schemas.openxmlformats.org/drawingml/2006/main" xmlns:r="http://schemas.openxmlformats.org/officeDocument/2006/relationships" xmlns:p="http://schemas.openxmlformats.org/presentationml/2006/main">
-  <p:cSld>
-    <p:spTree>
-      <p:nvGrpSpPr>
-        <p:cNvPr id="1" name=""/>
-        <p:cNvGrpSpPr/>
-        <p:nvPr/>
-      </p:nvGrpSpPr>
-      <p:grpSpPr>
-        <a:xfrm>
-          <a:off x="0" y="0"/>
-          <a:ext cx="0" cy="0"/>
-          <a:chOff x="0" y="0"/>
-          <a:chExt cx="0" cy="0"/>
-        </a:xfrm>
-      </p:grpSpPr>
-      <p:sp>
-        <p:nvSpPr>
-          <p:cNvPr id="6" name="文本框 5">
-            <a:extLst>
-              <a:ext uri="{FF2B5EF4-FFF2-40B4-BE49-F238E27FC236}">
-                <a16:creationId xmlns:a16="http://schemas.microsoft.com/office/drawing/2014/main" id="{4BC792E6-1C1D-4A57-962F-3F26F08752B0}"/>
-              </a:ext>
-            </a:extLst>
-          </p:cNvPr>
-          <p:cNvSpPr txBox="1"/>
-          <p:nvPr/>
-        </p:nvSpPr>
-        <p:spPr>
-          <a:xfrm>
-            <a:off x="443752" y="386839"/>
-            <a:ext cx="11748248" cy="461665"/>
-          </a:xfrm>
-          <a:prstGeom prst="rect">
-            <a:avLst/>
-          </a:prstGeom>
-          <a:noFill/>
-        </p:spPr>
-        <p:txBody>
-          <a:bodyPr wrap="square">
-            <a:spAutoFit/>
-          </a:bodyPr>
-          <a:lstStyle/>
-          <a:p>
-            <a:r>
-              <a:rPr lang="en-US" altLang="zh-CN" sz="2400" b="0" i="0" dirty="0">
-                <a:solidFill>
-                  <a:srgbClr val="191B1F"/>
-                </a:solidFill>
-                <a:effectLst/>
-                <a:latin typeface="+mn-ea"/>
-              </a:rPr>
-              <a:t>AE</a:t>
-            </a:r>
-            <a:r>
-              <a:rPr lang="zh-CN" altLang="en-US" sz="2400" b="0" i="0" dirty="0">
-                <a:solidFill>
-                  <a:srgbClr val="191B1F"/>
-                </a:solidFill>
-                <a:effectLst/>
-                <a:latin typeface="+mn-ea"/>
-              </a:rPr>
-              <a:t>的结果一般由徽章体现，不同的徽章表明提交的</a:t>
-            </a:r>
-            <a:r>
-              <a:rPr lang="en-US" altLang="zh-CN" sz="2400" b="0" i="0" dirty="0">
-                <a:solidFill>
-                  <a:srgbClr val="191B1F"/>
-                </a:solidFill>
-                <a:effectLst/>
-                <a:latin typeface="+mn-ea"/>
-              </a:rPr>
-              <a:t>AE</a:t>
-            </a:r>
-            <a:r>
-              <a:rPr lang="zh-CN" altLang="en-US" sz="2400" b="0" i="0" dirty="0">
-                <a:solidFill>
-                  <a:srgbClr val="191B1F"/>
-                </a:solidFill>
-                <a:effectLst/>
-                <a:latin typeface="+mn-ea"/>
-              </a:rPr>
-              <a:t>材料通过相应的审核。</a:t>
-            </a:r>
-            <a:endParaRPr lang="zh-CN" altLang="en-US" sz="2400" dirty="0">
-              <a:latin typeface="+mn-ea"/>
-            </a:endParaRPr>
-          </a:p>
-        </p:txBody>
-      </p:sp>
-      <p:sp>
-        <p:nvSpPr>
-          <p:cNvPr id="5" name="文本框 4">
-            <a:extLst>
-              <a:ext uri="{FF2B5EF4-FFF2-40B4-BE49-F238E27FC236}">
-                <a16:creationId xmlns:a16="http://schemas.microsoft.com/office/drawing/2014/main" id="{5AF28F9E-596B-4C81-83FE-5B5ED7B83124}"/>
-              </a:ext>
-            </a:extLst>
-          </p:cNvPr>
-          <p:cNvSpPr txBox="1"/>
-          <p:nvPr/>
-        </p:nvSpPr>
-        <p:spPr>
-          <a:xfrm>
-            <a:off x="721715" y="1205612"/>
-            <a:ext cx="8357739" cy="3277820"/>
-          </a:xfrm>
-          <a:prstGeom prst="rect">
-            <a:avLst/>
-          </a:prstGeom>
-          <a:noFill/>
-        </p:spPr>
-        <p:txBody>
-          <a:bodyPr wrap="square" rtlCol="0">
-            <a:spAutoFit/>
-          </a:bodyPr>
-          <a:lstStyle/>
-          <a:p>
-            <a:pPr marL="342900" indent="-342900">
-              <a:lnSpc>
-                <a:spcPct val="150000"/>
-              </a:lnSpc>
-              <a:buAutoNum type="arabicPeriod"/>
-            </a:pPr>
-            <a:r>
-              <a:rPr lang="en-US" altLang="zh-CN" b="1" i="0" u="none" strike="noStrike" dirty="0">
-                <a:solidFill>
-                  <a:schemeClr val="accent1"/>
-                </a:solidFill>
-                <a:effectLst/>
-                <a:latin typeface="-apple-system"/>
-              </a:rPr>
-              <a:t>Artifact Available</a:t>
-            </a:r>
-            <a:r>
-              <a:rPr lang="zh-CN" altLang="en-US" b="1" i="0" u="none" strike="noStrike" dirty="0">
-                <a:solidFill>
-                  <a:schemeClr val="accent1"/>
-                </a:solidFill>
-                <a:effectLst/>
-                <a:latin typeface="-apple-system"/>
-              </a:rPr>
-              <a:t>：</a:t>
-            </a:r>
-            <a:r>
-              <a:rPr lang="zh-CN" altLang="en-US" b="0" i="0" dirty="0">
-                <a:solidFill>
-                  <a:srgbClr val="191B1F"/>
-                </a:solidFill>
-                <a:effectLst/>
-                <a:latin typeface="-apple-system"/>
-              </a:rPr>
-              <a:t>需保证相关的代码或系统可被公开获取</a:t>
-            </a:r>
-            <a:endParaRPr lang="en-US" altLang="zh-CN" b="0" i="0" u="none" strike="noStrike" dirty="0">
-              <a:solidFill>
-                <a:srgbClr val="191B1F"/>
-              </a:solidFill>
-              <a:effectLst/>
-              <a:latin typeface="-apple-system"/>
-            </a:endParaRPr>
-          </a:p>
-          <a:p>
-            <a:pPr marL="342900" indent="-342900">
-              <a:lnSpc>
-                <a:spcPct val="150000"/>
-              </a:lnSpc>
-              <a:buAutoNum type="arabicPeriod"/>
-            </a:pPr>
-            <a:r>
-              <a:rPr lang="en-US" altLang="zh-CN" b="1" i="0" u="none" strike="noStrike" dirty="0">
-                <a:solidFill>
-                  <a:schemeClr val="accent1"/>
-                </a:solidFill>
-                <a:effectLst/>
-                <a:latin typeface="-apple-system"/>
-              </a:rPr>
-              <a:t>Functional</a:t>
-            </a:r>
-            <a:r>
-              <a:rPr lang="zh-CN" altLang="en-US" b="1" i="0" u="none" strike="noStrike" dirty="0">
-                <a:solidFill>
-                  <a:schemeClr val="accent1"/>
-                </a:solidFill>
-                <a:effectLst/>
-                <a:latin typeface="-apple-system"/>
-              </a:rPr>
-              <a:t>：</a:t>
-            </a:r>
-            <a:r>
-              <a:rPr lang="zh-CN" altLang="en-US" b="0" i="0" dirty="0">
-                <a:solidFill>
-                  <a:srgbClr val="191B1F"/>
-                </a:solidFill>
-                <a:effectLst/>
-                <a:latin typeface="-apple-system"/>
-              </a:rPr>
-              <a:t>需保证代码或系统在功能、可用性和相关性方面是否与论文一致，即这些代码或系统是否有效，能否支撑论文中的结果</a:t>
-            </a:r>
-            <a:endParaRPr lang="en-US" altLang="zh-CN" b="0" i="0" dirty="0">
-              <a:solidFill>
-                <a:srgbClr val="191B1F"/>
-              </a:solidFill>
-              <a:effectLst/>
-              <a:latin typeface="-apple-system"/>
-            </a:endParaRPr>
-          </a:p>
-          <a:p>
-            <a:pPr marL="342900" indent="-342900">
-              <a:lnSpc>
-                <a:spcPct val="150000"/>
-              </a:lnSpc>
-              <a:buAutoNum type="arabicPeriod"/>
-            </a:pPr>
-            <a:r>
-              <a:rPr lang="en-US" altLang="zh-CN" b="1" i="0" u="none" strike="noStrike" dirty="0">
-                <a:solidFill>
-                  <a:schemeClr val="accent1"/>
-                </a:solidFill>
-                <a:effectLst/>
-                <a:latin typeface="-apple-system"/>
-              </a:rPr>
-              <a:t>Reusable</a:t>
-            </a:r>
-            <a:r>
-              <a:rPr lang="zh-CN" altLang="en-US" b="1" u="none" strike="noStrike" dirty="0">
-                <a:solidFill>
-                  <a:schemeClr val="accent1"/>
-                </a:solidFill>
-                <a:latin typeface="-apple-system"/>
-              </a:rPr>
-              <a:t>：</a:t>
-            </a:r>
-            <a:r>
-              <a:rPr lang="zh-CN" altLang="en-US" dirty="0">
-                <a:solidFill>
-                  <a:srgbClr val="191B1F"/>
-                </a:solidFill>
-                <a:latin typeface="-apple-system"/>
-              </a:rPr>
-              <a:t>比</a:t>
-            </a:r>
-            <a:r>
-              <a:rPr lang="en-US" altLang="zh-CN" dirty="0">
-                <a:solidFill>
-                  <a:srgbClr val="191B1F"/>
-                </a:solidFill>
-                <a:latin typeface="-apple-system"/>
-              </a:rPr>
-              <a:t>Functional </a:t>
-            </a:r>
-            <a:r>
-              <a:rPr lang="zh-CN" altLang="en-US" dirty="0">
-                <a:solidFill>
-                  <a:srgbClr val="191B1F"/>
-                </a:solidFill>
-                <a:latin typeface="-apple-system"/>
-              </a:rPr>
-              <a:t>多了更详细的文档、代码等。</a:t>
-            </a:r>
-            <a:endParaRPr lang="en-US" altLang="zh-CN" dirty="0">
-              <a:solidFill>
-                <a:srgbClr val="191B1F"/>
-              </a:solidFill>
-              <a:latin typeface="-apple-system"/>
-            </a:endParaRPr>
-          </a:p>
-          <a:p>
-            <a:pPr marL="342900" indent="-342900">
-              <a:lnSpc>
-                <a:spcPct val="150000"/>
-              </a:lnSpc>
-              <a:buAutoNum type="arabicPeriod"/>
-            </a:pPr>
-            <a:r>
-              <a:rPr lang="en-US" altLang="zh-CN" b="1" i="0" u="none" strike="noStrike" dirty="0">
-                <a:solidFill>
-                  <a:schemeClr val="accent1"/>
-                </a:solidFill>
-                <a:effectLst/>
-                <a:latin typeface="-apple-system"/>
-              </a:rPr>
-              <a:t>Results Replicated</a:t>
-            </a:r>
-            <a:r>
-              <a:rPr lang="zh-CN" altLang="en-US" b="1" i="0" u="none" strike="noStrike" dirty="0">
-                <a:solidFill>
-                  <a:schemeClr val="accent1"/>
-                </a:solidFill>
-                <a:effectLst/>
-                <a:latin typeface="-apple-system"/>
-              </a:rPr>
-              <a:t>：</a:t>
-            </a:r>
-            <a:r>
-              <a:rPr lang="zh-CN" altLang="en-US" b="0" i="0" dirty="0">
-                <a:solidFill>
-                  <a:srgbClr val="191B1F"/>
-                </a:solidFill>
-                <a:effectLst/>
-                <a:latin typeface="-apple-system"/>
-              </a:rPr>
-              <a:t>需要通过作者提供的材料，能够独立获得论文中提出的主要结果。（一般用</a:t>
-            </a:r>
-            <a:r>
-              <a:rPr lang="en-US" altLang="zh-CN" b="0" i="0" dirty="0">
-                <a:solidFill>
-                  <a:srgbClr val="191B1F"/>
-                </a:solidFill>
-                <a:effectLst/>
-                <a:latin typeface="-apple-system"/>
-              </a:rPr>
-              <a:t>5</a:t>
-            </a:r>
-            <a:r>
-              <a:rPr lang="en-US" altLang="zh-CN" b="0" i="0" u="none" strike="noStrike" dirty="0">
-                <a:solidFill>
-                  <a:srgbClr val="191B1F"/>
-                </a:solidFill>
-                <a:effectLst/>
-                <a:latin typeface="-apple-system"/>
-              </a:rPr>
-              <a:t> Results Reproduced</a:t>
-            </a:r>
-            <a:r>
-              <a:rPr lang="zh-CN" altLang="en-US" dirty="0">
-                <a:solidFill>
-                  <a:srgbClr val="191B1F"/>
-                </a:solidFill>
-                <a:latin typeface="-apple-system"/>
-              </a:rPr>
-              <a:t> </a:t>
-            </a:r>
-            <a:r>
-              <a:rPr lang="zh-CN" altLang="en-US" b="0" i="0" dirty="0">
-                <a:solidFill>
-                  <a:srgbClr val="191B1F"/>
-                </a:solidFill>
-                <a:effectLst/>
-                <a:latin typeface="-apple-system"/>
-              </a:rPr>
-              <a:t>）</a:t>
-            </a:r>
-            <a:endParaRPr lang="en-US" altLang="zh-CN" b="0" i="0" dirty="0">
-              <a:solidFill>
-                <a:srgbClr val="191B1F"/>
-              </a:solidFill>
-              <a:effectLst/>
-              <a:latin typeface="-apple-system"/>
-            </a:endParaRPr>
-          </a:p>
-          <a:p>
-            <a:pPr>
-              <a:lnSpc>
-                <a:spcPct val="150000"/>
-              </a:lnSpc>
-            </a:pPr>
-            <a:r>
-              <a:rPr lang="en-US" altLang="zh-CN" b="1" i="0" u="none" strike="noStrike" dirty="0">
-                <a:solidFill>
-                  <a:schemeClr val="accent1"/>
-                </a:solidFill>
-                <a:effectLst/>
-                <a:latin typeface="-apple-system"/>
-              </a:rPr>
-              <a:t>5.   Results Reproduced</a:t>
-            </a:r>
-            <a:r>
-              <a:rPr lang="zh-CN" altLang="en-US" b="1" i="0" u="none" strike="noStrike" dirty="0">
-                <a:solidFill>
-                  <a:schemeClr val="accent1"/>
-                </a:solidFill>
-                <a:effectLst/>
-                <a:latin typeface="-apple-system"/>
-              </a:rPr>
-              <a:t>：</a:t>
-            </a:r>
-            <a:r>
-              <a:rPr lang="zh-CN" altLang="en-US" b="0" i="0" dirty="0">
-                <a:solidFill>
-                  <a:srgbClr val="191B1F"/>
-                </a:solidFill>
-                <a:effectLst/>
-                <a:latin typeface="-apple-system"/>
-              </a:rPr>
-              <a:t>在允许的容差范围内独立生成结果，以便验证论文的结论。</a:t>
-            </a:r>
-            <a:endParaRPr lang="en-US" altLang="zh-CN" b="0" i="0" dirty="0">
-              <a:solidFill>
-                <a:srgbClr val="191B1F"/>
-              </a:solidFill>
-              <a:effectLst/>
-              <a:latin typeface="-apple-system"/>
-            </a:endParaRPr>
-          </a:p>
-          <a:p>
-            <a:pPr marL="342900" indent="-342900">
-              <a:buAutoNum type="arabicPeriod"/>
-            </a:pPr>
-            <a:endParaRPr lang="zh-CN" altLang="en-US" dirty="0"/>
-          </a:p>
-        </p:txBody>
-      </p:sp>
-      <p:pic>
-        <p:nvPicPr>
-          <p:cNvPr id="8" name="图片 7">
-            <a:extLst>
-              <a:ext uri="{FF2B5EF4-FFF2-40B4-BE49-F238E27FC236}">
-                <a16:creationId xmlns:a16="http://schemas.microsoft.com/office/drawing/2014/main" id="{687681F7-0144-4856-8165-5C67251DAF99}"/>
-              </a:ext>
-            </a:extLst>
-          </p:cNvPr>
-          <p:cNvPicPr>
-            <a:picLocks noChangeAspect="1"/>
-          </p:cNvPicPr>
-          <p:nvPr/>
-        </p:nvPicPr>
-        <p:blipFill>
-          <a:blip r:embed="rId3"/>
-          <a:stretch>
-            <a:fillRect/>
-          </a:stretch>
-        </p:blipFill>
-        <p:spPr>
-          <a:xfrm>
-            <a:off x="9553352" y="903048"/>
-            <a:ext cx="895350" cy="981075"/>
-          </a:xfrm>
-          <a:prstGeom prst="rect">
-            <a:avLst/>
-          </a:prstGeom>
-        </p:spPr>
-      </p:pic>
-      <p:pic>
-        <p:nvPicPr>
-          <p:cNvPr id="10" name="图片 9">
-            <a:extLst>
-              <a:ext uri="{FF2B5EF4-FFF2-40B4-BE49-F238E27FC236}">
-                <a16:creationId xmlns:a16="http://schemas.microsoft.com/office/drawing/2014/main" id="{D2000492-BA24-48FC-B76F-3A1CF89AE3B3}"/>
-              </a:ext>
-            </a:extLst>
-          </p:cNvPr>
-          <p:cNvPicPr>
-            <a:picLocks noChangeAspect="1"/>
-          </p:cNvPicPr>
-          <p:nvPr/>
-        </p:nvPicPr>
-        <p:blipFill>
-          <a:blip r:embed="rId4"/>
-          <a:stretch>
-            <a:fillRect/>
-          </a:stretch>
-        </p:blipFill>
-        <p:spPr>
-          <a:xfrm>
-            <a:off x="9496202" y="1938667"/>
-            <a:ext cx="952500" cy="1000125"/>
-          </a:xfrm>
-          <a:prstGeom prst="rect">
-            <a:avLst/>
-          </a:prstGeom>
-        </p:spPr>
-      </p:pic>
-      <p:pic>
-        <p:nvPicPr>
-          <p:cNvPr id="12" name="图片 11">
-            <a:extLst>
-              <a:ext uri="{FF2B5EF4-FFF2-40B4-BE49-F238E27FC236}">
-                <a16:creationId xmlns:a16="http://schemas.microsoft.com/office/drawing/2014/main" id="{639B3EF9-6D10-4E66-8D96-4CC7ED9D4DBA}"/>
-              </a:ext>
-            </a:extLst>
-          </p:cNvPr>
-          <p:cNvPicPr>
-            <a:picLocks noChangeAspect="1"/>
-          </p:cNvPicPr>
-          <p:nvPr/>
-        </p:nvPicPr>
-        <p:blipFill>
-          <a:blip r:embed="rId5"/>
-          <a:stretch>
-            <a:fillRect/>
-          </a:stretch>
-        </p:blipFill>
-        <p:spPr>
-          <a:xfrm>
-            <a:off x="9515252" y="2995284"/>
-            <a:ext cx="914400" cy="923925"/>
-          </a:xfrm>
-          <a:prstGeom prst="rect">
-            <a:avLst/>
-          </a:prstGeom>
-        </p:spPr>
-      </p:pic>
-      <p:pic>
-        <p:nvPicPr>
-          <p:cNvPr id="14" name="图片 13">
-            <a:extLst>
-              <a:ext uri="{FF2B5EF4-FFF2-40B4-BE49-F238E27FC236}">
-                <a16:creationId xmlns:a16="http://schemas.microsoft.com/office/drawing/2014/main" id="{74A6DEA7-A0B2-4946-9A4C-1E5CE4081D4D}"/>
-              </a:ext>
-            </a:extLst>
-          </p:cNvPr>
-          <p:cNvPicPr>
-            <a:picLocks noChangeAspect="1"/>
-          </p:cNvPicPr>
-          <p:nvPr/>
-        </p:nvPicPr>
-        <p:blipFill>
-          <a:blip r:embed="rId6"/>
-          <a:stretch>
-            <a:fillRect/>
-          </a:stretch>
-        </p:blipFill>
-        <p:spPr>
-          <a:xfrm>
-            <a:off x="9543827" y="4028955"/>
-            <a:ext cx="885825" cy="942975"/>
-          </a:xfrm>
-          <a:prstGeom prst="rect">
-            <a:avLst/>
-          </a:prstGeom>
-        </p:spPr>
-      </p:pic>
-      <p:pic>
-        <p:nvPicPr>
-          <p:cNvPr id="16" name="图片 15">
-            <a:extLst>
-              <a:ext uri="{FF2B5EF4-FFF2-40B4-BE49-F238E27FC236}">
-                <a16:creationId xmlns:a16="http://schemas.microsoft.com/office/drawing/2014/main" id="{EED64789-54EA-4BC8-8220-73EA1A23FB0E}"/>
-              </a:ext>
-            </a:extLst>
-          </p:cNvPr>
-          <p:cNvPicPr>
-            <a:picLocks noChangeAspect="1"/>
-          </p:cNvPicPr>
-          <p:nvPr/>
-        </p:nvPicPr>
-        <p:blipFill>
-          <a:blip r:embed="rId7"/>
-          <a:stretch>
-            <a:fillRect/>
-          </a:stretch>
-        </p:blipFill>
-        <p:spPr>
-          <a:xfrm>
-            <a:off x="9496202" y="5081676"/>
-            <a:ext cx="933450" cy="952500"/>
-          </a:xfrm>
-          <a:prstGeom prst="rect">
-            <a:avLst/>
-          </a:prstGeom>
-        </p:spPr>
-      </p:pic>
-      <p:sp>
-        <p:nvSpPr>
-          <p:cNvPr id="17" name="箭头: 下 16">
-            <a:extLst>
-              <a:ext uri="{FF2B5EF4-FFF2-40B4-BE49-F238E27FC236}">
-                <a16:creationId xmlns:a16="http://schemas.microsoft.com/office/drawing/2014/main" id="{62C29D78-A455-4650-8359-E65FFBFB42AD}"/>
-              </a:ext>
-            </a:extLst>
-          </p:cNvPr>
-          <p:cNvSpPr/>
-          <p:nvPr/>
-        </p:nvSpPr>
-        <p:spPr>
-          <a:xfrm>
-            <a:off x="10884500" y="1534025"/>
-            <a:ext cx="484632" cy="3789949"/>
-          </a:xfrm>
-          <a:prstGeom prst="downArrow">
-            <a:avLst/>
-          </a:prstGeom>
-        </p:spPr>
-        <p:style>
-          <a:lnRef idx="2">
-            <a:schemeClr val="accent1">
-              <a:shade val="50000"/>
-            </a:schemeClr>
-          </a:lnRef>
-          <a:fillRef idx="1">
-            <a:schemeClr val="accent1"/>
-          </a:fillRef>
-          <a:effectRef idx="0">
-            <a:schemeClr val="accent1"/>
-          </a:effectRef>
-          <a:fontRef idx="minor">
-            <a:schemeClr val="lt1"/>
-          </a:fontRef>
-        </p:style>
-        <p:txBody>
-          <a:bodyPr rtlCol="0" anchor="ctr"/>
-          <a:lstStyle/>
-          <a:p>
-            <a:pPr algn="ctr"/>
-            <a:endParaRPr lang="zh-CN" altLang="en-US"/>
-          </a:p>
-        </p:txBody>
-      </p:sp>
-      <p:pic>
-        <p:nvPicPr>
-          <p:cNvPr id="20" name="Picture 4" descr="ACM Research - Wikipedia">
-            <a:extLst>
-              <a:ext uri="{FF2B5EF4-FFF2-40B4-BE49-F238E27FC236}">
-                <a16:creationId xmlns:a16="http://schemas.microsoft.com/office/drawing/2014/main" id="{6720D7C4-ADCE-40F9-B407-F779C9EF4993}"/>
-              </a:ext>
-            </a:extLst>
-          </p:cNvPr>
-          <p:cNvPicPr>
-            <a:picLocks noChangeAspect="1" noChangeArrowheads="1"/>
-          </p:cNvPicPr>
-          <p:nvPr/>
-        </p:nvPicPr>
-        <p:blipFill>
-          <a:blip r:embed="rId8">
-            <a:extLst>
-              <a:ext uri="{28A0092B-C50C-407E-A947-70E740481C1C}">
-                <a14:useLocalDpi xmlns:a14="http://schemas.microsoft.com/office/drawing/2010/main" val="0"/>
-              </a:ext>
-            </a:extLst>
-          </a:blip>
-          <a:srcRect/>
-          <a:stretch>
-            <a:fillRect/>
-          </a:stretch>
-        </p:blipFill>
-        <p:spPr bwMode="auto">
-          <a:xfrm>
-            <a:off x="430978" y="4483432"/>
-            <a:ext cx="3532655" cy="2193965"/>
-          </a:xfrm>
-          <a:prstGeom prst="rect">
-            <a:avLst/>
-          </a:prstGeom>
-          <a:noFill/>
-          <a:extLst>
-            <a:ext uri="{909E8E84-426E-40DD-AFC4-6F175D3DCCD1}">
-              <a14:hiddenFill xmlns:a14="http://schemas.microsoft.com/office/drawing/2010/main">
-                <a:solidFill>
-                  <a:srgbClr val="FFFFFF"/>
-                </a:solidFill>
-              </a14:hiddenFill>
-            </a:ext>
-          </a:extLst>
-        </p:spPr>
-      </p:pic>
-      <p:sp>
-        <p:nvSpPr>
-          <p:cNvPr id="22" name="文本框 21">
-            <a:extLst>
-              <a:ext uri="{FF2B5EF4-FFF2-40B4-BE49-F238E27FC236}">
-                <a16:creationId xmlns:a16="http://schemas.microsoft.com/office/drawing/2014/main" id="{4D15EA12-E709-45B4-A540-1CD356B5035A}"/>
-              </a:ext>
-            </a:extLst>
-          </p:cNvPr>
-          <p:cNvSpPr txBox="1"/>
-          <p:nvPr/>
-        </p:nvSpPr>
-        <p:spPr>
-          <a:xfrm>
-            <a:off x="4147018" y="6301775"/>
-            <a:ext cx="8162702" cy="369332"/>
-          </a:xfrm>
-          <a:prstGeom prst="rect">
-            <a:avLst/>
-          </a:prstGeom>
-          <a:noFill/>
-        </p:spPr>
-        <p:txBody>
-          <a:bodyPr wrap="square">
-            <a:spAutoFit/>
-          </a:bodyPr>
-          <a:lstStyle/>
-          <a:p>
-            <a:r>
-              <a:rPr lang="zh-CN" altLang="en-US" dirty="0"/>
-              <a:t>https://www.acm.org/publications/policies/artifact-review-and-badging-current</a:t>
-            </a:r>
-          </a:p>
-        </p:txBody>
-      </p:sp>
-    </p:spTree>
-    <p:extLst>
-      <p:ext uri="{BB962C8B-B14F-4D97-AF65-F5344CB8AC3E}">
-        <p14:creationId xmlns:p14="http://schemas.microsoft.com/office/powerpoint/2010/main" val="3203904422"/>
       </p:ext>
     </p:extLst>
   </p:cSld>
